--- a/Group-22_ConferNow_SEproject.pptx
+++ b/Group-22_ConferNow_SEproject.pptx
@@ -5,10 +5,10 @@
     <p:sldMasterId id="2147483744" r:id="rId4"/>
   </p:sldMasterIdLst>
   <p:notesMasterIdLst>
-    <p:notesMasterId r:id="rId22"/>
+    <p:notesMasterId r:id="rId21"/>
   </p:notesMasterIdLst>
   <p:handoutMasterIdLst>
-    <p:handoutMasterId r:id="rId23"/>
+    <p:handoutMasterId r:id="rId22"/>
   </p:handoutMasterIdLst>
   <p:sldIdLst>
     <p:sldId id="256" r:id="rId5"/>
@@ -26,8 +26,7 @@
     <p:sldId id="288" r:id="rId17"/>
     <p:sldId id="289" r:id="rId18"/>
     <p:sldId id="290" r:id="rId19"/>
-    <p:sldId id="291" r:id="rId20"/>
-    <p:sldId id="274" r:id="rId21"/>
+    <p:sldId id="274" r:id="rId20"/>
   </p:sldIdLst>
   <p:sldSz cx="12192000" cy="6858000"/>
   <p:notesSz cx="6858000" cy="9144000"/>
@@ -242,7 +241,7 @@
           <a:p>
             <a:fld id="{866D81A9-CFC2-4640-899E-DD3E177BE50A}" type="datetimeFigureOut">
               <a:rPr lang="en-US" smtClean="0"/>
-              <a:t>5/9/2022</a:t>
+              <a:t>5/10/2022</a:t>
             </a:fld>
             <a:endParaRPr lang="en-US" dirty="0"/>
           </a:p>
@@ -419,7 +418,7 @@
           <a:p>
             <a:fld id="{AA1E50F4-C55A-473A-A70B-4B042EF011A9}" type="datetimeFigureOut">
               <a:rPr lang="en-US" smtClean="0"/>
-              <a:t>5/9/2022</a:t>
+              <a:t>5/10/2022</a:t>
             </a:fld>
             <a:endParaRPr lang="en-US" dirty="0"/>
           </a:p>
@@ -1348,90 +1347,6 @@
     </p:spTree>
     <p:extLst>
       <p:ext uri="{BB962C8B-B14F-4D97-AF65-F5344CB8AC3E}">
-        <p14:creationId xmlns:p14="http://schemas.microsoft.com/office/powerpoint/2010/main" val="2227369955"/>
-      </p:ext>
-    </p:extLst>
-  </p:cSld>
-  <p:clrMapOvr>
-    <a:masterClrMapping/>
-  </p:clrMapOvr>
-</p:notes>
-</file>
-
-<file path=ppt/notesSlides/notesSlide17.xml><?xml version="1.0" encoding="utf-8"?>
-<p:notes xmlns:a="http://schemas.openxmlformats.org/drawingml/2006/main" xmlns:r="http://schemas.openxmlformats.org/officeDocument/2006/relationships" xmlns:p="http://schemas.openxmlformats.org/presentationml/2006/main">
-  <p:cSld>
-    <p:spTree>
-      <p:nvGrpSpPr>
-        <p:cNvPr id="1" name=""/>
-        <p:cNvGrpSpPr/>
-        <p:nvPr/>
-      </p:nvGrpSpPr>
-      <p:grpSpPr>
-        <a:xfrm>
-          <a:off x="0" y="0"/>
-          <a:ext cx="0" cy="0"/>
-          <a:chOff x="0" y="0"/>
-          <a:chExt cx="0" cy="0"/>
-        </a:xfrm>
-      </p:grpSpPr>
-      <p:sp>
-        <p:nvSpPr>
-          <p:cNvPr id="2" name="Slide Image Placeholder 1"/>
-          <p:cNvSpPr>
-            <a:spLocks noGrp="1" noRot="1" noChangeAspect="1"/>
-          </p:cNvSpPr>
-          <p:nvPr>
-            <p:ph type="sldImg"/>
-          </p:nvPr>
-        </p:nvSpPr>
-        <p:spPr/>
-      </p:sp>
-      <p:sp>
-        <p:nvSpPr>
-          <p:cNvPr id="3" name="Notes Placeholder 2"/>
-          <p:cNvSpPr>
-            <a:spLocks noGrp="1"/>
-          </p:cNvSpPr>
-          <p:nvPr>
-            <p:ph type="body" idx="1"/>
-          </p:nvPr>
-        </p:nvSpPr>
-        <p:spPr/>
-        <p:txBody>
-          <a:bodyPr/>
-          <a:lstStyle/>
-          <a:p>
-            <a:endParaRPr lang="en-US" dirty="0"/>
-          </a:p>
-        </p:txBody>
-      </p:sp>
-      <p:sp>
-        <p:nvSpPr>
-          <p:cNvPr id="4" name="Slide Number Placeholder 3"/>
-          <p:cNvSpPr>
-            <a:spLocks noGrp="1"/>
-          </p:cNvSpPr>
-          <p:nvPr>
-            <p:ph type="sldNum" sz="quarter" idx="5"/>
-          </p:nvPr>
-        </p:nvSpPr>
-        <p:spPr/>
-        <p:txBody>
-          <a:bodyPr/>
-          <a:lstStyle/>
-          <a:p>
-            <a:fld id="{F3544625-0ADF-4414-89A2-9E135F0C849F}" type="slidenum">
-              <a:rPr lang="en-US" smtClean="0"/>
-              <a:t>17</a:t>
-            </a:fld>
-            <a:endParaRPr lang="en-US" dirty="0"/>
-          </a:p>
-        </p:txBody>
-      </p:sp>
-    </p:spTree>
-    <p:extLst>
-      <p:ext uri="{BB962C8B-B14F-4D97-AF65-F5344CB8AC3E}">
         <p14:creationId xmlns:p14="http://schemas.microsoft.com/office/powerpoint/2010/main" val="204834742"/>
       </p:ext>
     </p:extLst>
@@ -2195,7 +2110,7 @@
           </a:lstStyle>
           <a:p>
             <a:r>
-              <a:rPr lang="en-US" smtClean="0"/>
+              <a:rPr lang="en-US"/>
               <a:t>Click to edit Master title style</a:t>
             </a:r>
             <a:endParaRPr lang="en-US" dirty="0"/>
@@ -2314,7 +2229,7 @@
           </a:lstStyle>
           <a:p>
             <a:r>
-              <a:rPr lang="en-US" smtClean="0"/>
+              <a:rPr lang="en-US"/>
               <a:t>Click to edit Master subtitle style</a:t>
             </a:r>
             <a:endParaRPr lang="en-US" dirty="0"/>
@@ -2344,7 +2259,7 @@
             <a:fld id="{87DE6118-2437-4B30-8E3C-4D2BE6020583}" type="datetimeFigureOut">
               <a:rPr lang="en-US" smtClean="0"/>
               <a:pPr/>
-              <a:t>5/9/2022</a:t>
+              <a:t>5/10/2022</a:t>
             </a:fld>
             <a:endParaRPr lang="en-US" dirty="0"/>
           </a:p>
@@ -2490,7 +2405,7 @@
           </a:lstStyle>
           <a:p>
             <a:r>
-              <a:rPr lang="en-US" smtClean="0"/>
+              <a:rPr lang="en-US"/>
               <a:t>Click to edit Master title style</a:t>
             </a:r>
             <a:endParaRPr lang="en-US" dirty="0"/>
@@ -2588,7 +2503,7 @@
           </a:lstStyle>
           <a:p>
             <a:r>
-              <a:rPr lang="en-US" smtClean="0"/>
+              <a:rPr lang="en-US"/>
               <a:t>Click icon to add picture</a:t>
             </a:r>
             <a:endParaRPr lang="en-US" dirty="0"/>
@@ -2656,7 +2571,7 @@
           <a:p>
             <a:pPr lvl="0"/>
             <a:r>
-              <a:rPr lang="en-US" smtClean="0"/>
+              <a:rPr lang="en-US"/>
               <a:t>Edit Master text styles</a:t>
             </a:r>
           </a:p>
@@ -2680,7 +2595,7 @@
             <a:fld id="{87DE6118-2437-4B30-8E3C-4D2BE6020583}" type="datetimeFigureOut">
               <a:rPr lang="en-US" smtClean="0"/>
               <a:pPr/>
-              <a:t>5/9/2022</a:t>
+              <a:t>5/10/2022</a:t>
             </a:fld>
             <a:endParaRPr lang="en-US" dirty="0"/>
           </a:p>
@@ -2816,7 +2731,7 @@
           </a:lstStyle>
           <a:p>
             <a:r>
-              <a:rPr lang="en-US" smtClean="0"/>
+              <a:rPr lang="en-US"/>
               <a:t>Click to edit Master title style</a:t>
             </a:r>
             <a:endParaRPr lang="en-US" dirty="0"/>
@@ -2936,7 +2851,7 @@
           <a:p>
             <a:pPr lvl="0"/>
             <a:r>
-              <a:rPr lang="en-US" smtClean="0"/>
+              <a:rPr lang="en-US"/>
               <a:t>Edit Master text styles</a:t>
             </a:r>
           </a:p>
@@ -2960,7 +2875,7 @@
             <a:fld id="{87DE6118-2437-4B30-8E3C-4D2BE6020583}" type="datetimeFigureOut">
               <a:rPr lang="en-US" smtClean="0"/>
               <a:pPr/>
-              <a:t>5/9/2022</a:t>
+              <a:t>5/10/2022</a:t>
             </a:fld>
             <a:endParaRPr lang="en-US" dirty="0"/>
           </a:p>
@@ -3332,7 +3247,7 @@
           </a:lstStyle>
           <a:p>
             <a:r>
-              <a:rPr lang="en-US" smtClean="0"/>
+              <a:rPr lang="en-US"/>
               <a:t>Click to edit Master title style</a:t>
             </a:r>
             <a:endParaRPr lang="en-US" dirty="0"/>
@@ -3387,7 +3302,7 @@
           <a:p>
             <a:pPr lvl="0"/>
             <a:r>
-              <a:rPr lang="en-US" smtClean="0"/>
+              <a:rPr lang="en-US"/>
               <a:t>Edit Master text styles</a:t>
             </a:r>
           </a:p>
@@ -3506,7 +3421,7 @@
           <a:p>
             <a:pPr lvl="0"/>
             <a:r>
-              <a:rPr lang="en-US" smtClean="0"/>
+              <a:rPr lang="en-US"/>
               <a:t>Edit Master text styles</a:t>
             </a:r>
           </a:p>
@@ -3530,7 +3445,7 @@
             <a:fld id="{87DE6118-2437-4B30-8E3C-4D2BE6020583}" type="datetimeFigureOut">
               <a:rPr lang="en-US" smtClean="0"/>
               <a:pPr/>
-              <a:t>5/9/2022</a:t>
+              <a:t>5/10/2022</a:t>
             </a:fld>
             <a:endParaRPr lang="en-US" dirty="0"/>
           </a:p>
@@ -3666,7 +3581,7 @@
           </a:lstStyle>
           <a:p>
             <a:r>
-              <a:rPr lang="en-US" smtClean="0"/>
+              <a:rPr lang="en-US"/>
               <a:t>Click to edit Master title style</a:t>
             </a:r>
             <a:endParaRPr lang="en-US" dirty="0"/>
@@ -3786,7 +3701,7 @@
           <a:p>
             <a:pPr lvl="0"/>
             <a:r>
-              <a:rPr lang="en-US" smtClean="0"/>
+              <a:rPr lang="en-US"/>
               <a:t>Edit Master text styles</a:t>
             </a:r>
           </a:p>
@@ -3810,7 +3725,7 @@
             <a:fld id="{87DE6118-2437-4B30-8E3C-4D2BE6020583}" type="datetimeFigureOut">
               <a:rPr lang="en-US" smtClean="0"/>
               <a:pPr/>
-              <a:t>5/9/2022</a:t>
+              <a:t>5/10/2022</a:t>
             </a:fld>
             <a:endParaRPr lang="en-US" dirty="0"/>
           </a:p>
@@ -4182,7 +4097,7 @@
           </a:lstStyle>
           <a:p>
             <a:r>
-              <a:rPr lang="en-US" smtClean="0"/>
+              <a:rPr lang="en-US"/>
               <a:t>Click to edit Master title style</a:t>
             </a:r>
             <a:endParaRPr lang="en-US" dirty="0"/>
@@ -4231,7 +4146,7 @@
               <a:buNone/>
             </a:pPr>
             <a:r>
-              <a:rPr lang="en-US" smtClean="0"/>
+              <a:rPr lang="en-US"/>
               <a:t>Edit Master text styles</a:t>
             </a:r>
           </a:p>
@@ -4350,7 +4265,7 @@
           <a:p>
             <a:pPr lvl="0"/>
             <a:r>
-              <a:rPr lang="en-US" smtClean="0"/>
+              <a:rPr lang="en-US"/>
               <a:t>Edit Master text styles</a:t>
             </a:r>
           </a:p>
@@ -4374,7 +4289,7 @@
             <a:fld id="{87DE6118-2437-4B30-8E3C-4D2BE6020583}" type="datetimeFigureOut">
               <a:rPr lang="en-US" smtClean="0"/>
               <a:pPr/>
-              <a:t>5/9/2022</a:t>
+              <a:t>5/10/2022</a:t>
             </a:fld>
             <a:endParaRPr lang="en-US" dirty="0"/>
           </a:p>
@@ -4511,7 +4426,7 @@
           <a:p>
             <a:pPr marL="0" lvl="0"/>
             <a:r>
-              <a:rPr lang="en-US" smtClean="0"/>
+              <a:rPr lang="en-US"/>
               <a:t>Click to edit Master title style</a:t>
             </a:r>
             <a:endParaRPr lang="en-US" dirty="0"/>
@@ -4560,7 +4475,7 @@
               <a:buNone/>
             </a:pPr>
             <a:r>
-              <a:rPr lang="en-US" smtClean="0"/>
+              <a:rPr lang="en-US"/>
               <a:t>Edit Master text styles</a:t>
             </a:r>
           </a:p>
@@ -4679,7 +4594,7 @@
           <a:p>
             <a:pPr lvl="0"/>
             <a:r>
-              <a:rPr lang="en-US" smtClean="0"/>
+              <a:rPr lang="en-US"/>
               <a:t>Edit Master text styles</a:t>
             </a:r>
           </a:p>
@@ -4703,7 +4618,7 @@
             <a:fld id="{87DE6118-2437-4B30-8E3C-4D2BE6020583}" type="datetimeFigureOut">
               <a:rPr lang="en-US" smtClean="0"/>
               <a:pPr/>
-              <a:t>5/9/2022</a:t>
+              <a:t>5/10/2022</a:t>
             </a:fld>
             <a:endParaRPr lang="en-US" dirty="0"/>
           </a:p>
@@ -4833,7 +4748,7 @@
           <a:lstStyle/>
           <a:p>
             <a:r>
-              <a:rPr lang="en-US" smtClean="0"/>
+              <a:rPr lang="en-US"/>
               <a:t>Click to edit Master title style</a:t>
             </a:r>
             <a:endParaRPr lang="en-US" dirty="0"/>
@@ -4857,35 +4772,35 @@
           <a:p>
             <a:pPr lvl="0"/>
             <a:r>
-              <a:rPr lang="en-US" smtClean="0"/>
+              <a:rPr lang="en-US"/>
               <a:t>Edit Master text styles</a:t>
             </a:r>
           </a:p>
           <a:p>
             <a:pPr lvl="1"/>
             <a:r>
-              <a:rPr lang="en-US" smtClean="0"/>
+              <a:rPr lang="en-US"/>
               <a:t>Second level</a:t>
             </a:r>
           </a:p>
           <a:p>
             <a:pPr lvl="2"/>
             <a:r>
-              <a:rPr lang="en-US" smtClean="0"/>
+              <a:rPr lang="en-US"/>
               <a:t>Third level</a:t>
             </a:r>
           </a:p>
           <a:p>
             <a:pPr lvl="3"/>
             <a:r>
-              <a:rPr lang="en-US" smtClean="0"/>
+              <a:rPr lang="en-US"/>
               <a:t>Fourth level</a:t>
             </a:r>
           </a:p>
           <a:p>
             <a:pPr lvl="4"/>
             <a:r>
-              <a:rPr lang="en-US" smtClean="0"/>
+              <a:rPr lang="en-US"/>
               <a:t>Fifth level</a:t>
             </a:r>
             <a:endParaRPr lang="en-US" dirty="0"/>
@@ -4909,7 +4824,7 @@
           <a:p>
             <a:fld id="{87DE6118-2437-4B30-8E3C-4D2BE6020583}" type="datetimeFigureOut">
               <a:rPr lang="en-US" smtClean="0"/>
-              <a:t>5/9/2022</a:t>
+              <a:t>5/10/2022</a:t>
             </a:fld>
             <a:endParaRPr lang="en-US" dirty="0"/>
           </a:p>
@@ -5038,7 +4953,7 @@
           <a:lstStyle/>
           <a:p>
             <a:r>
-              <a:rPr lang="en-US" smtClean="0"/>
+              <a:rPr lang="en-US"/>
               <a:t>Click to edit Master title style</a:t>
             </a:r>
             <a:endParaRPr lang="en-US" dirty="0"/>
@@ -5067,35 +4982,35 @@
           <a:p>
             <a:pPr lvl="0"/>
             <a:r>
-              <a:rPr lang="en-US" smtClean="0"/>
+              <a:rPr lang="en-US"/>
               <a:t>Edit Master text styles</a:t>
             </a:r>
           </a:p>
           <a:p>
             <a:pPr lvl="1"/>
             <a:r>
-              <a:rPr lang="en-US" smtClean="0"/>
+              <a:rPr lang="en-US"/>
               <a:t>Second level</a:t>
             </a:r>
           </a:p>
           <a:p>
             <a:pPr lvl="2"/>
             <a:r>
-              <a:rPr lang="en-US" smtClean="0"/>
+              <a:rPr lang="en-US"/>
               <a:t>Third level</a:t>
             </a:r>
           </a:p>
           <a:p>
             <a:pPr lvl="3"/>
             <a:r>
-              <a:rPr lang="en-US" smtClean="0"/>
+              <a:rPr lang="en-US"/>
               <a:t>Fourth level</a:t>
             </a:r>
           </a:p>
           <a:p>
             <a:pPr lvl="4"/>
             <a:r>
-              <a:rPr lang="en-US" smtClean="0"/>
+              <a:rPr lang="en-US"/>
               <a:t>Fifth level</a:t>
             </a:r>
             <a:endParaRPr lang="en-US" dirty="0"/>
@@ -5119,7 +5034,7 @@
           <a:p>
             <a:fld id="{87DE6118-2437-4B30-8E3C-4D2BE6020583}" type="datetimeFigureOut">
               <a:rPr lang="en-US" smtClean="0"/>
-              <a:t>5/9/2022</a:t>
+              <a:t>5/10/2022</a:t>
             </a:fld>
             <a:endParaRPr lang="en-US" dirty="0"/>
           </a:p>
@@ -5243,7 +5158,7 @@
           <a:lstStyle/>
           <a:p>
             <a:r>
-              <a:rPr lang="en-US" smtClean="0"/>
+              <a:rPr lang="en-US"/>
               <a:t>Click to edit Master title style</a:t>
             </a:r>
             <a:endParaRPr lang="en-US" dirty="0"/>
@@ -5267,35 +5182,35 @@
           <a:p>
             <a:pPr lvl="0"/>
             <a:r>
-              <a:rPr lang="en-US" smtClean="0"/>
+              <a:rPr lang="en-US"/>
               <a:t>Edit Master text styles</a:t>
             </a:r>
           </a:p>
           <a:p>
             <a:pPr lvl="1"/>
             <a:r>
-              <a:rPr lang="en-US" smtClean="0"/>
+              <a:rPr lang="en-US"/>
               <a:t>Second level</a:t>
             </a:r>
           </a:p>
           <a:p>
             <a:pPr lvl="2"/>
             <a:r>
-              <a:rPr lang="en-US" smtClean="0"/>
+              <a:rPr lang="en-US"/>
               <a:t>Third level</a:t>
             </a:r>
           </a:p>
           <a:p>
             <a:pPr lvl="3"/>
             <a:r>
-              <a:rPr lang="en-US" smtClean="0"/>
+              <a:rPr lang="en-US"/>
               <a:t>Fourth level</a:t>
             </a:r>
           </a:p>
           <a:p>
             <a:pPr lvl="4"/>
             <a:r>
-              <a:rPr lang="en-US" smtClean="0"/>
+              <a:rPr lang="en-US"/>
               <a:t>Fifth level</a:t>
             </a:r>
             <a:endParaRPr lang="en-US" dirty="0"/>
@@ -5319,7 +5234,7 @@
           <a:p>
             <a:fld id="{87DE6118-2437-4B30-8E3C-4D2BE6020583}" type="datetimeFigureOut">
               <a:rPr lang="en-US" smtClean="0"/>
-              <a:t>5/9/2022</a:t>
+              <a:t>5/10/2022</a:t>
             </a:fld>
             <a:endParaRPr lang="en-US" dirty="0"/>
           </a:p>
@@ -5452,7 +5367,7 @@
           </a:lstStyle>
           <a:p>
             <a:r>
-              <a:rPr lang="en-US" smtClean="0"/>
+              <a:rPr lang="en-US"/>
               <a:t>Click to edit Master title style</a:t>
             </a:r>
             <a:endParaRPr lang="en-US" dirty="0"/>
@@ -5572,7 +5487,7 @@
           <a:p>
             <a:pPr lvl="0"/>
             <a:r>
-              <a:rPr lang="en-US" smtClean="0"/>
+              <a:rPr lang="en-US"/>
               <a:t>Edit Master text styles</a:t>
             </a:r>
           </a:p>
@@ -5596,7 +5511,7 @@
             <a:fld id="{87DE6118-2437-4B30-8E3C-4D2BE6020583}" type="datetimeFigureOut">
               <a:rPr lang="en-US" smtClean="0"/>
               <a:pPr/>
-              <a:t>5/9/2022</a:t>
+              <a:t>5/10/2022</a:t>
             </a:fld>
             <a:endParaRPr lang="en-US" dirty="0"/>
           </a:p>
@@ -5721,7 +5636,7 @@
           <a:lstStyle/>
           <a:p>
             <a:r>
-              <a:rPr lang="en-US" smtClean="0"/>
+              <a:rPr lang="en-US"/>
               <a:t>Click to edit Master title style</a:t>
             </a:r>
             <a:endParaRPr lang="en-US" dirty="0"/>
@@ -5752,35 +5667,35 @@
           <a:p>
             <a:pPr lvl="0"/>
             <a:r>
-              <a:rPr lang="en-US" smtClean="0"/>
+              <a:rPr lang="en-US"/>
               <a:t>Edit Master text styles</a:t>
             </a:r>
           </a:p>
           <a:p>
             <a:pPr lvl="1"/>
             <a:r>
-              <a:rPr lang="en-US" smtClean="0"/>
+              <a:rPr lang="en-US"/>
               <a:t>Second level</a:t>
             </a:r>
           </a:p>
           <a:p>
             <a:pPr lvl="2"/>
             <a:r>
-              <a:rPr lang="en-US" smtClean="0"/>
+              <a:rPr lang="en-US"/>
               <a:t>Third level</a:t>
             </a:r>
           </a:p>
           <a:p>
             <a:pPr lvl="3"/>
             <a:r>
-              <a:rPr lang="en-US" smtClean="0"/>
+              <a:rPr lang="en-US"/>
               <a:t>Fourth level</a:t>
             </a:r>
           </a:p>
           <a:p>
             <a:pPr lvl="4"/>
             <a:r>
-              <a:rPr lang="en-US" smtClean="0"/>
+              <a:rPr lang="en-US"/>
               <a:t>Fifth level</a:t>
             </a:r>
             <a:endParaRPr lang="en-US" dirty="0"/>
@@ -5811,35 +5726,35 @@
           <a:p>
             <a:pPr lvl="0"/>
             <a:r>
-              <a:rPr lang="en-US" smtClean="0"/>
+              <a:rPr lang="en-US"/>
               <a:t>Edit Master text styles</a:t>
             </a:r>
           </a:p>
           <a:p>
             <a:pPr lvl="1"/>
             <a:r>
-              <a:rPr lang="en-US" smtClean="0"/>
+              <a:rPr lang="en-US"/>
               <a:t>Second level</a:t>
             </a:r>
           </a:p>
           <a:p>
             <a:pPr lvl="2"/>
             <a:r>
-              <a:rPr lang="en-US" smtClean="0"/>
+              <a:rPr lang="en-US"/>
               <a:t>Third level</a:t>
             </a:r>
           </a:p>
           <a:p>
             <a:pPr lvl="3"/>
             <a:r>
-              <a:rPr lang="en-US" smtClean="0"/>
+              <a:rPr lang="en-US"/>
               <a:t>Fourth level</a:t>
             </a:r>
           </a:p>
           <a:p>
             <a:pPr lvl="4"/>
             <a:r>
-              <a:rPr lang="en-US" smtClean="0"/>
+              <a:rPr lang="en-US"/>
               <a:t>Fifth level</a:t>
             </a:r>
             <a:endParaRPr lang="en-US" dirty="0"/>
@@ -5863,7 +5778,7 @@
           <a:p>
             <a:fld id="{87DE6118-2437-4B30-8E3C-4D2BE6020583}" type="datetimeFigureOut">
               <a:rPr lang="en-US" smtClean="0"/>
-              <a:t>5/9/2022</a:t>
+              <a:t>5/10/2022</a:t>
             </a:fld>
             <a:endParaRPr lang="en-US" dirty="0"/>
           </a:p>
@@ -5961,7 +5876,7 @@
           </a:lstStyle>
           <a:p>
             <a:r>
-              <a:rPr lang="en-US" smtClean="0"/>
+              <a:rPr lang="en-US"/>
               <a:t>Click to edit Master title style</a:t>
             </a:r>
             <a:endParaRPr lang="en-US" dirty="0"/>
@@ -6029,7 +5944,7 @@
           <a:p>
             <a:pPr lvl="0"/>
             <a:r>
-              <a:rPr lang="en-US" smtClean="0"/>
+              <a:rPr lang="en-US"/>
               <a:t>Edit Master text styles</a:t>
             </a:r>
           </a:p>
@@ -6059,35 +5974,35 @@
           <a:p>
             <a:pPr lvl="0"/>
             <a:r>
-              <a:rPr lang="en-US" smtClean="0"/>
+              <a:rPr lang="en-US"/>
               <a:t>Edit Master text styles</a:t>
             </a:r>
           </a:p>
           <a:p>
             <a:pPr lvl="1"/>
             <a:r>
-              <a:rPr lang="en-US" smtClean="0"/>
+              <a:rPr lang="en-US"/>
               <a:t>Second level</a:t>
             </a:r>
           </a:p>
           <a:p>
             <a:pPr lvl="2"/>
             <a:r>
-              <a:rPr lang="en-US" smtClean="0"/>
+              <a:rPr lang="en-US"/>
               <a:t>Third level</a:t>
             </a:r>
           </a:p>
           <a:p>
             <a:pPr lvl="3"/>
             <a:r>
-              <a:rPr lang="en-US" smtClean="0"/>
+              <a:rPr lang="en-US"/>
               <a:t>Fourth level</a:t>
             </a:r>
           </a:p>
           <a:p>
             <a:pPr lvl="4"/>
             <a:r>
-              <a:rPr lang="en-US" smtClean="0"/>
+              <a:rPr lang="en-US"/>
               <a:t>Fifth level</a:t>
             </a:r>
             <a:endParaRPr lang="en-US" dirty="0"/>
@@ -6155,7 +6070,7 @@
           <a:p>
             <a:pPr lvl="0"/>
             <a:r>
-              <a:rPr lang="en-US" smtClean="0"/>
+              <a:rPr lang="en-US"/>
               <a:t>Edit Master text styles</a:t>
             </a:r>
           </a:p>
@@ -6185,35 +6100,35 @@
           <a:p>
             <a:pPr lvl="0"/>
             <a:r>
-              <a:rPr lang="en-US" smtClean="0"/>
+              <a:rPr lang="en-US"/>
               <a:t>Edit Master text styles</a:t>
             </a:r>
           </a:p>
           <a:p>
             <a:pPr lvl="1"/>
             <a:r>
-              <a:rPr lang="en-US" smtClean="0"/>
+              <a:rPr lang="en-US"/>
               <a:t>Second level</a:t>
             </a:r>
           </a:p>
           <a:p>
             <a:pPr lvl="2"/>
             <a:r>
-              <a:rPr lang="en-US" smtClean="0"/>
+              <a:rPr lang="en-US"/>
               <a:t>Third level</a:t>
             </a:r>
           </a:p>
           <a:p>
             <a:pPr lvl="3"/>
             <a:r>
-              <a:rPr lang="en-US" smtClean="0"/>
+              <a:rPr lang="en-US"/>
               <a:t>Fourth level</a:t>
             </a:r>
           </a:p>
           <a:p>
             <a:pPr lvl="4"/>
             <a:r>
-              <a:rPr lang="en-US" smtClean="0"/>
+              <a:rPr lang="en-US"/>
               <a:t>Fifth level</a:t>
             </a:r>
             <a:endParaRPr lang="en-US" dirty="0"/>
@@ -6237,7 +6152,7 @@
           <a:p>
             <a:fld id="{87DE6118-2437-4B30-8E3C-4D2BE6020583}" type="datetimeFigureOut">
               <a:rPr lang="en-US" smtClean="0"/>
-              <a:t>5/9/2022</a:t>
+              <a:t>5/10/2022</a:t>
             </a:fld>
             <a:endParaRPr lang="en-US" dirty="0"/>
           </a:p>
@@ -6361,7 +6276,7 @@
           <a:lstStyle/>
           <a:p>
             <a:r>
-              <a:rPr lang="en-US" smtClean="0"/>
+              <a:rPr lang="en-US"/>
               <a:t>Click to edit Master title style</a:t>
             </a:r>
             <a:endParaRPr lang="en-US" dirty="0"/>
@@ -6385,7 +6300,7 @@
           <a:p>
             <a:fld id="{87DE6118-2437-4B30-8E3C-4D2BE6020583}" type="datetimeFigureOut">
               <a:rPr lang="en-US" smtClean="0"/>
-              <a:t>5/9/2022</a:t>
+              <a:t>5/10/2022</a:t>
             </a:fld>
             <a:endParaRPr lang="en-US" dirty="0"/>
           </a:p>
@@ -6510,7 +6425,7 @@
           <a:p>
             <a:fld id="{87DE6118-2437-4B30-8E3C-4D2BE6020583}" type="datetimeFigureOut">
               <a:rPr lang="en-US" smtClean="0"/>
-              <a:t>5/9/2022</a:t>
+              <a:t>5/10/2022</a:t>
             </a:fld>
             <a:endParaRPr lang="en-US" dirty="0"/>
           </a:p>
@@ -6645,7 +6560,7 @@
           </a:lstStyle>
           <a:p>
             <a:r>
-              <a:rPr lang="en-US" smtClean="0"/>
+              <a:rPr lang="en-US"/>
               <a:t>Click to edit Master title style</a:t>
             </a:r>
             <a:endParaRPr lang="en-US" dirty="0"/>
@@ -6676,35 +6591,35 @@
           <a:p>
             <a:pPr lvl="0"/>
             <a:r>
-              <a:rPr lang="en-US" smtClean="0"/>
+              <a:rPr lang="en-US"/>
               <a:t>Edit Master text styles</a:t>
             </a:r>
           </a:p>
           <a:p>
             <a:pPr lvl="1"/>
             <a:r>
-              <a:rPr lang="en-US" smtClean="0"/>
+              <a:rPr lang="en-US"/>
               <a:t>Second level</a:t>
             </a:r>
           </a:p>
           <a:p>
             <a:pPr lvl="2"/>
             <a:r>
-              <a:rPr lang="en-US" smtClean="0"/>
+              <a:rPr lang="en-US"/>
               <a:t>Third level</a:t>
             </a:r>
           </a:p>
           <a:p>
             <a:pPr lvl="3"/>
             <a:r>
-              <a:rPr lang="en-US" smtClean="0"/>
+              <a:rPr lang="en-US"/>
               <a:t>Fourth level</a:t>
             </a:r>
           </a:p>
           <a:p>
             <a:pPr lvl="4"/>
             <a:r>
-              <a:rPr lang="en-US" smtClean="0"/>
+              <a:rPr lang="en-US"/>
               <a:t>Fifth level</a:t>
             </a:r>
             <a:endParaRPr lang="en-US" dirty="0"/>
@@ -6772,7 +6687,7 @@
           <a:p>
             <a:pPr lvl="0"/>
             <a:r>
-              <a:rPr lang="en-US" smtClean="0"/>
+              <a:rPr lang="en-US"/>
               <a:t>Edit Master text styles</a:t>
             </a:r>
           </a:p>
@@ -6796,7 +6711,7 @@
             <a:fld id="{87DE6118-2437-4B30-8E3C-4D2BE6020583}" type="datetimeFigureOut">
               <a:rPr lang="en-US" smtClean="0"/>
               <a:pPr/>
-              <a:t>5/9/2022</a:t>
+              <a:t>5/10/2022</a:t>
             </a:fld>
             <a:endParaRPr lang="en-US" dirty="0"/>
           </a:p>
@@ -6932,7 +6847,7 @@
           </a:lstStyle>
           <a:p>
             <a:r>
-              <a:rPr lang="en-US" smtClean="0"/>
+              <a:rPr lang="en-US"/>
               <a:t>Click to edit Master title style</a:t>
             </a:r>
             <a:endParaRPr lang="en-US" dirty="0"/>
@@ -7030,7 +6945,7 @@
           </a:lstStyle>
           <a:p>
             <a:r>
-              <a:rPr lang="en-US" smtClean="0"/>
+              <a:rPr lang="en-US"/>
               <a:t>Click icon to add picture</a:t>
             </a:r>
             <a:endParaRPr lang="en-US" dirty="0"/>
@@ -7098,7 +7013,7 @@
           <a:p>
             <a:pPr lvl="0"/>
             <a:r>
-              <a:rPr lang="en-US" smtClean="0"/>
+              <a:rPr lang="en-US"/>
               <a:t>Edit Master text styles</a:t>
             </a:r>
           </a:p>
@@ -7122,7 +7037,7 @@
             <a:fld id="{87DE6118-2437-4B30-8E3C-4D2BE6020583}" type="datetimeFigureOut">
               <a:rPr lang="en-US" smtClean="0"/>
               <a:pPr/>
-              <a:t>5/9/2022</a:t>
+              <a:t>5/10/2022</a:t>
             </a:fld>
             <a:endParaRPr lang="en-US" dirty="0"/>
           </a:p>
@@ -7233,7 +7148,7 @@
           <a:lstStyle/>
           <a:p>
             <a:r>
-              <a:rPr lang="en-US" smtClean="0"/>
+              <a:rPr lang="en-US"/>
               <a:t>Click to edit Master title style</a:t>
             </a:r>
             <a:endParaRPr lang="en-US" dirty="0"/>
@@ -7267,35 +7182,35 @@
           <a:p>
             <a:pPr lvl="0"/>
             <a:r>
-              <a:rPr lang="en-US" smtClean="0"/>
+              <a:rPr lang="en-US"/>
               <a:t>Edit Master text styles</a:t>
             </a:r>
           </a:p>
           <a:p>
             <a:pPr lvl="1"/>
             <a:r>
-              <a:rPr lang="en-US" smtClean="0"/>
+              <a:rPr lang="en-US"/>
               <a:t>Second level</a:t>
             </a:r>
           </a:p>
           <a:p>
             <a:pPr lvl="2"/>
             <a:r>
-              <a:rPr lang="en-US" smtClean="0"/>
+              <a:rPr lang="en-US"/>
               <a:t>Third level</a:t>
             </a:r>
           </a:p>
           <a:p>
             <a:pPr lvl="3"/>
             <a:r>
-              <a:rPr lang="en-US" smtClean="0"/>
+              <a:rPr lang="en-US"/>
               <a:t>Fourth level</a:t>
             </a:r>
           </a:p>
           <a:p>
             <a:pPr lvl="4"/>
             <a:r>
-              <a:rPr lang="en-US" smtClean="0"/>
+              <a:rPr lang="en-US"/>
               <a:t>Fifth level</a:t>
             </a:r>
             <a:endParaRPr lang="en-US" dirty="0"/>
@@ -7338,7 +7253,7 @@
             <a:fld id="{87DE6118-2437-4B30-8E3C-4D2BE6020583}" type="datetimeFigureOut">
               <a:rPr lang="en-US" smtClean="0"/>
               <a:pPr/>
-              <a:t>5/9/2022</a:t>
+              <a:t>5/10/2022</a:t>
             </a:fld>
             <a:endParaRPr lang="en-US" dirty="0"/>
           </a:p>
@@ -7832,7 +7747,7 @@
       </a:lvl9pPr>
     </p:otherStyle>
   </p:txStyles>
-  <p:extLst mod="1">
+  <p:extLst>
     <p:ext uri="{27BBF7A9-308A-43DC-89C8-2F10F3537804}">
       <p15:sldGuideLst xmlns:p15="http://schemas.microsoft.com/office/powerpoint/2012/main"/>
     </p:ext>
@@ -7917,33 +7832,24 @@
           <a:p>
             <a:pPr algn="r"/>
             <a:r>
-              <a:rPr lang="en-IN" sz="5400" b="1" dirty="0" err="1" smtClean="0"/>
+              <a:rPr lang="en-IN" sz="5400" b="1" dirty="0" err="1"/>
               <a:t>ConferNow</a:t>
             </a:r>
             <a:r>
-              <a:rPr lang="en-IN" sz="5400" dirty="0" smtClean="0"/>
+              <a:rPr lang="en-IN" sz="5400" dirty="0"/>
               <a:t> – </a:t>
             </a:r>
             <a:r>
-              <a:rPr lang="en-IN" sz="4800" dirty="0" smtClean="0"/>
-              <a:t>A </a:t>
-            </a:r>
-            <a:r>
-              <a:rPr lang="en-IN" sz="4800" dirty="0" smtClean="0"/>
-              <a:t>C</a:t>
-            </a:r>
-            <a:r>
-              <a:rPr lang="en-IN" sz="4800" dirty="0" smtClean="0"/>
-              <a:t>onference Management System</a:t>
+              <a:rPr lang="en-IN" sz="4800" dirty="0"/>
+              <a:t>A Conference Management System</a:t>
             </a:r>
           </a:p>
           <a:p>
             <a:pPr algn="r"/>
             <a:r>
-              <a:rPr lang="en-IN" dirty="0" smtClean="0"/>
+              <a:rPr lang="en-IN" dirty="0"/>
               <a:t> </a:t>
             </a:r>
-            <a:endParaRPr lang="en-IN" dirty="0"/>
           </a:p>
         </p:txBody>
       </p:sp>
@@ -8030,13 +7936,13 @@
           <a:p>
             <a:pPr algn="just"/>
             <a:r>
-              <a:rPr lang="en-US" sz="2400" b="1" dirty="0" smtClean="0"/>
+              <a:rPr lang="en-US" sz="2400" b="1" dirty="0"/>
               <a:t>Group 22:</a:t>
             </a:r>
           </a:p>
           <a:p>
             <a:pPr algn="just"/>
-            <a:endParaRPr lang="en-US" b="1" dirty="0" smtClean="0">
+            <a:endParaRPr lang="en-US" b="1" dirty="0">
               <a:solidFill>
                 <a:schemeClr val="accent1">
                   <a:lumMod val="40000"/>
@@ -8048,7 +7954,7 @@
           <a:p>
             <a:pPr algn="just"/>
             <a:r>
-              <a:rPr lang="en-US" b="1" dirty="0" smtClean="0">
+              <a:rPr lang="en-US" b="1" dirty="0">
                 <a:solidFill>
                   <a:schemeClr val="accent1">
                     <a:lumMod val="40000"/>
@@ -8062,7 +7968,7 @@
           <a:p>
             <a:pPr algn="just"/>
             <a:r>
-              <a:rPr lang="en-US" b="1" dirty="0" smtClean="0">
+              <a:rPr lang="en-US" b="1" dirty="0">
                 <a:solidFill>
                   <a:schemeClr val="accent1">
                     <a:lumMod val="40000"/>
@@ -8073,7 +7979,7 @@
               <a:t>IIT2020133	</a:t>
             </a:r>
             <a:r>
-              <a:rPr lang="en-US" b="1" dirty="0" err="1" smtClean="0">
+              <a:rPr lang="en-US" b="1" dirty="0" err="1">
                 <a:solidFill>
                   <a:schemeClr val="accent1">
                     <a:lumMod val="40000"/>
@@ -8084,7 +7990,7 @@
               <a:t>Niranjani</a:t>
             </a:r>
             <a:r>
-              <a:rPr lang="en-US" b="1" dirty="0" smtClean="0">
+              <a:rPr lang="en-US" b="1" dirty="0">
                 <a:solidFill>
                   <a:schemeClr val="accent1">
                     <a:lumMod val="40000"/>
@@ -8095,7 +8001,7 @@
               <a:t> </a:t>
             </a:r>
             <a:r>
-              <a:rPr lang="en-US" b="1" dirty="0" err="1" smtClean="0">
+              <a:rPr lang="en-US" b="1" dirty="0" err="1">
                 <a:solidFill>
                   <a:schemeClr val="accent1">
                     <a:lumMod val="40000"/>
@@ -8105,7 +8011,7 @@
               </a:rPr>
               <a:t>Koteshwar</a:t>
             </a:r>
-            <a:endParaRPr lang="en-US" b="1" dirty="0" smtClean="0">
+            <a:endParaRPr lang="en-US" b="1" dirty="0">
               <a:solidFill>
                 <a:schemeClr val="accent1">
                   <a:lumMod val="40000"/>
@@ -8117,7 +8023,7 @@
           <a:p>
             <a:pPr algn="just"/>
             <a:r>
-              <a:rPr lang="en-US" b="1" dirty="0" smtClean="0">
+              <a:rPr lang="en-US" b="1" dirty="0">
                 <a:solidFill>
                   <a:schemeClr val="accent1">
                     <a:lumMod val="40000"/>
@@ -8128,7 +8034,7 @@
               <a:t>IIT2020134	Shah Krishna </a:t>
             </a:r>
             <a:r>
-              <a:rPr lang="en-US" b="1" dirty="0" err="1" smtClean="0">
+              <a:rPr lang="en-US" b="1" dirty="0" err="1">
                 <a:solidFill>
                   <a:schemeClr val="accent1">
                     <a:lumMod val="40000"/>
@@ -8138,7 +8044,7 @@
               </a:rPr>
               <a:t>Dineshkumar</a:t>
             </a:r>
-            <a:endParaRPr lang="en-US" b="1" dirty="0" smtClean="0">
+            <a:endParaRPr lang="en-US" b="1" dirty="0">
               <a:solidFill>
                 <a:schemeClr val="accent1">
                   <a:lumMod val="40000"/>
@@ -8150,7 +8056,7 @@
           <a:p>
             <a:pPr algn="just"/>
             <a:r>
-              <a:rPr lang="en-US" b="1" dirty="0" smtClean="0">
+              <a:rPr lang="en-US" b="1" dirty="0">
                 <a:solidFill>
                   <a:schemeClr val="accent1">
                     <a:lumMod val="40000"/>
@@ -8161,7 +8067,7 @@
               <a:t>IIT2020200	</a:t>
             </a:r>
             <a:r>
-              <a:rPr lang="en-US" b="1" dirty="0" err="1" smtClean="0">
+              <a:rPr lang="en-US" b="1" dirty="0" err="1">
                 <a:solidFill>
                   <a:schemeClr val="accent1">
                     <a:lumMod val="40000"/>
@@ -8172,7 +8078,7 @@
               <a:t>Prakhar</a:t>
             </a:r>
             <a:r>
-              <a:rPr lang="en-US" b="1" dirty="0" smtClean="0">
+              <a:rPr lang="en-US" b="1" dirty="0">
                 <a:solidFill>
                   <a:schemeClr val="accent1">
                     <a:lumMod val="40000"/>
@@ -8183,7 +8089,7 @@
               <a:t> </a:t>
             </a:r>
             <a:r>
-              <a:rPr lang="en-US" b="1" dirty="0" err="1" smtClean="0">
+              <a:rPr lang="en-US" b="1" dirty="0" err="1">
                 <a:solidFill>
                   <a:schemeClr val="accent1">
                     <a:lumMod val="40000"/>
@@ -8294,11 +8200,7 @@
           <a:p>
             <a:r>
               <a:rPr lang="en-US" b="1" dirty="0"/>
-              <a:t>Description and </a:t>
-            </a:r>
-            <a:r>
-              <a:rPr lang="en-US" b="1" dirty="0" smtClean="0"/>
-              <a:t>Priority:</a:t>
+              <a:t>Description and Priority:</a:t>
             </a:r>
             <a:endParaRPr lang="en-US" sz="2800" dirty="0"/>
           </a:p>
@@ -8315,40 +8217,26 @@
               <a:rPr lang="en-US" dirty="0"/>
               <a:t>, </a:t>
             </a:r>
-            <a:endParaRPr lang="en-US" dirty="0" smtClean="0"/>
-          </a:p>
-          <a:p>
-            <a:r>
-              <a:rPr lang="en-US" dirty="0" smtClean="0"/>
-              <a:t>where </a:t>
-            </a:r>
+          </a:p>
+          <a:p>
             <a:r>
               <a:rPr lang="en-US" dirty="0"/>
-              <a:t>an organization can host a conference, </a:t>
-            </a:r>
-            <a:endParaRPr lang="en-US" dirty="0" smtClean="0"/>
-          </a:p>
-          <a:p>
-            <a:r>
-              <a:rPr lang="en-US" dirty="0" smtClean="0"/>
-              <a:t>and </a:t>
-            </a:r>
+              <a:t>where an organization can host a conference, </a:t>
+            </a:r>
+          </a:p>
+          <a:p>
             <a:r>
               <a:rPr lang="en-US" dirty="0"/>
-              <a:t>send an invitation to the desired audience.</a:t>
+              <a:t>and send an invitation to the desired audience.</a:t>
             </a:r>
             <a:endParaRPr lang="en-US" sz="2800" dirty="0"/>
           </a:p>
           <a:p>
-            <a:r>
-              <a:rPr lang="en-US" sz="2800" dirty="0"/>
-              <a:t/>
-            </a:r>
             <a:br>
               <a:rPr lang="en-US" sz="2800" dirty="0"/>
             </a:br>
             <a:r>
-              <a:rPr lang="en-US" b="1" dirty="0" smtClean="0"/>
+              <a:rPr lang="en-US" b="1" dirty="0"/>
               <a:t>Stimulus/Response Sequences:</a:t>
             </a:r>
             <a:endParaRPr lang="en-US" sz="2800" dirty="0"/>
@@ -8393,11 +8281,7 @@
           <a:p>
             <a:r>
               <a:rPr lang="en-US" dirty="0"/>
-              <a:t>Once the system receives these inputs, it will generate an invite link for the conference and the host can send this invite link to their target audience</a:t>
-            </a:r>
-            <a:r>
-              <a:rPr lang="en-US" dirty="0" smtClean="0"/>
-              <a:t>.</a:t>
+              <a:t>Once the system receives these inputs, it will generate an invite link for the conference and the host can send this invite link to their target audience.</a:t>
             </a:r>
           </a:p>
           <a:p>
@@ -8405,7 +8289,7 @@
           </a:p>
           <a:p>
             <a:r>
-              <a:rPr lang="en-US" b="1" dirty="0" smtClean="0"/>
+              <a:rPr lang="en-US" b="1" dirty="0"/>
               <a:t>Functional Requirements:</a:t>
             </a:r>
             <a:endParaRPr lang="en-US" sz="2800" dirty="0"/>
@@ -8421,19 +8305,11 @@
             <a:endParaRPr lang="en-US" sz="1500" dirty="0"/>
           </a:p>
           <a:p>
-            <a:r>
-              <a:rPr lang="en-US" sz="1500" dirty="0" smtClean="0"/>
-              <a:t/>
-            </a:r>
             <a:br>
-              <a:rPr lang="en-US" sz="1500" dirty="0" smtClean="0"/>
+              <a:rPr lang="en-US" sz="1500" dirty="0"/>
             </a:br>
-            <a:r>
-              <a:rPr lang="en-US" dirty="0" smtClean="0"/>
-              <a:t/>
-            </a:r>
             <a:br>
-              <a:rPr lang="en-US" dirty="0" smtClean="0"/>
+              <a:rPr lang="en-US" dirty="0"/>
             </a:br>
             <a:endParaRPr lang="en-IN" dirty="0"/>
           </a:p>
@@ -8462,7 +8338,7 @@
           <a:lstStyle/>
           <a:p>
             <a:r>
-              <a:rPr lang="en-IN" sz="4400" b="1" dirty="0" smtClean="0">
+              <a:rPr lang="en-IN" sz="4400" b="1" dirty="0">
                 <a:solidFill>
                   <a:schemeClr val="accent1">
                     <a:lumMod val="40000"/>
@@ -8473,7 +8349,7 @@
               </a:rPr>
               <a:t>Host Conference</a:t>
             </a:r>
-            <a:endParaRPr lang="en-IN" sz="4400" dirty="0" smtClean="0">
+            <a:endParaRPr lang="en-IN" sz="4400" dirty="0">
               <a:solidFill>
                 <a:schemeClr val="accent1">
                   <a:lumMod val="40000"/>
@@ -8486,10 +8362,9 @@
           <a:p>
             <a:pPr algn="r"/>
             <a:r>
-              <a:rPr lang="en-IN" dirty="0" smtClean="0"/>
+              <a:rPr lang="en-IN" dirty="0"/>
               <a:t> </a:t>
             </a:r>
-            <a:endParaRPr lang="en-IN" dirty="0"/>
           </a:p>
         </p:txBody>
       </p:sp>
@@ -8651,7 +8526,7 @@
           <a:lstStyle/>
           <a:p>
             <a:r>
-              <a:rPr lang="en-IN" sz="4400" b="1" dirty="0" smtClean="0">
+              <a:rPr lang="en-IN" sz="4400" b="1" dirty="0">
                 <a:solidFill>
                   <a:schemeClr val="accent1">
                     <a:lumMod val="40000"/>
@@ -8662,7 +8537,7 @@
               </a:rPr>
               <a:t>Join chat room</a:t>
             </a:r>
-            <a:endParaRPr lang="en-IN" sz="4400" dirty="0" smtClean="0">
+            <a:endParaRPr lang="en-IN" sz="4400" dirty="0">
               <a:solidFill>
                 <a:schemeClr val="accent1">
                   <a:lumMod val="40000"/>
@@ -8675,10 +8550,9 @@
           <a:p>
             <a:pPr algn="r"/>
             <a:r>
-              <a:rPr lang="en-IN" dirty="0" smtClean="0"/>
+              <a:rPr lang="en-IN" dirty="0"/>
               <a:t> </a:t>
             </a:r>
-            <a:endParaRPr lang="en-IN" dirty="0"/>
           </a:p>
         </p:txBody>
       </p:sp>
@@ -8706,38 +8580,30 @@
           <a:p>
             <a:r>
               <a:rPr lang="en-US" b="1" dirty="0"/>
-              <a:t>Description and </a:t>
-            </a:r>
-            <a:r>
-              <a:rPr lang="en-US" b="1" dirty="0" smtClean="0"/>
-              <a:t>Priority:</a:t>
+              <a:t>Description and Priority:</a:t>
             </a:r>
             <a:endParaRPr lang="en-US" sz="2800" dirty="0"/>
           </a:p>
           <a:p>
             <a:r>
-              <a:rPr lang="en-US" dirty="0" smtClean="0"/>
+              <a:rPr lang="en-US" dirty="0"/>
               <a:t>Allows us to join a chat room</a:t>
             </a:r>
             <a:endParaRPr lang="en-US" sz="2800" dirty="0"/>
           </a:p>
           <a:p>
-            <a:r>
-              <a:rPr lang="en-US" sz="2800" dirty="0"/>
-              <a:t/>
-            </a:r>
             <a:br>
               <a:rPr lang="en-US" sz="2800" dirty="0"/>
             </a:br>
             <a:r>
-              <a:rPr lang="en-US" b="1" dirty="0" smtClean="0"/>
+              <a:rPr lang="en-US" b="1" dirty="0"/>
               <a:t>Stimulus/Response Sequences:</a:t>
             </a:r>
             <a:endParaRPr lang="en-US" sz="2800" dirty="0"/>
           </a:p>
           <a:p>
             <a:r>
-              <a:rPr lang="en-US" dirty="0" smtClean="0"/>
+              <a:rPr lang="en-US" dirty="0"/>
               <a:t>Click on the join a chat room button then it’ll direct you to a chat room</a:t>
             </a:r>
           </a:p>
@@ -8755,40 +8621,27 @@
             <a:pPr fontAlgn="base"/>
             <a:r>
               <a:rPr lang="en-US" dirty="0"/>
-              <a:t>When </a:t>
-            </a:r>
-            <a:r>
-              <a:rPr lang="en-US" dirty="0" smtClean="0"/>
-              <a:t>joining a chat room we should make sure that we are logged in.</a:t>
-            </a:r>
+              <a:t>When joining a chat room we should make sure that we are logged in.</a:t>
+            </a:r>
+          </a:p>
+          <a:p>
+            <a:endParaRPr lang="en-US" sz="1500" dirty="0"/>
+          </a:p>
+          <a:p>
             <a:endParaRPr lang="en-US" dirty="0"/>
           </a:p>
           <a:p>
+            <a:endParaRPr lang="en-US" sz="2800" dirty="0"/>
+          </a:p>
+          <a:p>
             <a:endParaRPr lang="en-US" sz="1500" dirty="0"/>
           </a:p>
           <a:p>
-            <a:endParaRPr lang="en-US" dirty="0" smtClean="0"/>
-          </a:p>
-          <a:p>
-            <a:endParaRPr lang="en-US" sz="2800" dirty="0"/>
-          </a:p>
-          <a:p>
-            <a:endParaRPr lang="en-US" sz="1500" dirty="0"/>
-          </a:p>
-          <a:p>
-            <a:r>
-              <a:rPr lang="en-US" sz="1500" dirty="0" smtClean="0"/>
-              <a:t/>
-            </a:r>
             <a:br>
-              <a:rPr lang="en-US" sz="1500" dirty="0" smtClean="0"/>
+              <a:rPr lang="en-US" sz="1500" dirty="0"/>
             </a:br>
-            <a:r>
-              <a:rPr lang="en-US" dirty="0" smtClean="0"/>
-              <a:t/>
-            </a:r>
             <a:br>
-              <a:rPr lang="en-US" dirty="0" smtClean="0"/>
+              <a:rPr lang="en-US" dirty="0"/>
             </a:br>
             <a:endParaRPr lang="en-IN" dirty="0"/>
           </a:p>
@@ -8948,54 +8801,38 @@
           <a:p>
             <a:pPr fontAlgn="base"/>
             <a:r>
-              <a:rPr lang="en-US" b="1" dirty="0" smtClean="0"/>
+              <a:rPr lang="en-US" b="1" dirty="0"/>
               <a:t>Description:</a:t>
             </a:r>
-            <a:endParaRPr lang="en-US" b="1" dirty="0"/>
           </a:p>
           <a:p>
             <a:r>
               <a:rPr lang="en-US" dirty="0"/>
               <a:t>The users registered into a conference can join the ongoing session</a:t>
             </a:r>
-            <a:endParaRPr lang="en-US" dirty="0"/>
           </a:p>
           <a:p>
             <a:pPr fontAlgn="base"/>
-            <a:r>
-              <a:rPr lang="en-US" dirty="0"/>
-              <a:t/>
-            </a:r>
             <a:br>
               <a:rPr lang="en-US" dirty="0"/>
             </a:br>
             <a:r>
               <a:rPr lang="en-US" b="1" dirty="0"/>
-              <a:t>Stimulus and </a:t>
-            </a:r>
-            <a:r>
-              <a:rPr lang="en-US" b="1" dirty="0" smtClean="0"/>
-              <a:t>response:</a:t>
-            </a:r>
-            <a:endParaRPr lang="en-US" b="1" dirty="0"/>
+              <a:t>Stimulus and response:</a:t>
+            </a:r>
           </a:p>
           <a:p>
             <a:r>
               <a:rPr lang="en-US" dirty="0"/>
               <a:t>After successful registration, the user can click on the “Join” button, which will be enabled once the conference starts. During the conference, the participants will have the access to a broad panel of options such as video chat, audio chat, a Q&amp;A panel in the form of text chat as well as the option to present their screen.</a:t>
             </a:r>
-            <a:endParaRPr lang="en-US" dirty="0"/>
-          </a:p>
-          <a:p>
-            <a:r>
-              <a:rPr lang="en-US" dirty="0"/>
-              <a:t/>
-            </a:r>
+          </a:p>
+          <a:p>
             <a:br>
               <a:rPr lang="en-US" dirty="0"/>
             </a:br>
             <a:r>
-              <a:rPr lang="en-US" b="1" dirty="0" smtClean="0"/>
+              <a:rPr lang="en-US" b="1" dirty="0"/>
               <a:t>Functional Requirements:</a:t>
             </a:r>
             <a:endParaRPr lang="en-US" dirty="0"/>
@@ -9018,10 +8855,6 @@
             <a:endParaRPr lang="en-US" sz="1500" dirty="0"/>
           </a:p>
           <a:p>
-            <a:r>
-              <a:rPr lang="en-US" dirty="0"/>
-              <a:t/>
-            </a:r>
             <a:br>
               <a:rPr lang="en-US" dirty="0"/>
             </a:br>
@@ -9052,7 +8885,7 @@
           <a:lstStyle/>
           <a:p>
             <a:r>
-              <a:rPr lang="en-IN" sz="4400" b="1" dirty="0" smtClean="0">
+              <a:rPr lang="en-IN" sz="4400" b="1" dirty="0">
                 <a:solidFill>
                   <a:schemeClr val="accent1">
                     <a:lumMod val="40000"/>
@@ -9063,7 +8896,7 @@
               </a:rPr>
               <a:t>Attend Conference</a:t>
             </a:r>
-            <a:endParaRPr lang="en-IN" sz="4400" dirty="0" smtClean="0">
+            <a:endParaRPr lang="en-IN" sz="4400" dirty="0">
               <a:solidFill>
                 <a:schemeClr val="accent1">
                   <a:lumMod val="40000"/>
@@ -9076,10 +8909,9 @@
           <a:p>
             <a:pPr algn="r"/>
             <a:r>
-              <a:rPr lang="en-IN" dirty="0" smtClean="0"/>
+              <a:rPr lang="en-IN" dirty="0"/>
               <a:t> </a:t>
             </a:r>
-            <a:endParaRPr lang="en-IN" dirty="0"/>
           </a:p>
         </p:txBody>
       </p:sp>
@@ -9260,10 +9092,9 @@
           <a:p>
             <a:pPr fontAlgn="base"/>
             <a:r>
-              <a:rPr lang="en-US" b="1" dirty="0" smtClean="0"/>
+              <a:rPr lang="en-US" b="1" dirty="0"/>
               <a:t>Description:</a:t>
             </a:r>
-            <a:endParaRPr lang="en-US" b="1" dirty="0"/>
           </a:p>
           <a:p>
             <a:r>
@@ -9272,11 +9103,7 @@
             </a:r>
             <a:r>
               <a:rPr lang="en-US" dirty="0"/>
-              <a:t> also provides audio and video conferencing options during the conference, for better interaction</a:t>
-            </a:r>
-            <a:r>
-              <a:rPr lang="en-US" dirty="0" smtClean="0"/>
-              <a:t>.</a:t>
+              <a:t> also provides audio and video conferencing options during the conference, for better interaction.</a:t>
             </a:r>
           </a:p>
           <a:p>
@@ -9285,19 +9112,14 @@
           <a:p>
             <a:pPr fontAlgn="base"/>
             <a:r>
-              <a:rPr lang="en-US" b="1" dirty="0" smtClean="0"/>
+              <a:rPr lang="en-US" b="1" dirty="0"/>
               <a:t>Stimulus/Response:</a:t>
             </a:r>
-            <a:endParaRPr lang="en-US" b="1" dirty="0"/>
           </a:p>
           <a:p>
             <a:r>
               <a:rPr lang="en-US" dirty="0"/>
-              <a:t>The audio and video button, named as mute and camera respectively, enables the participants and host to turn on/off their audio or video accordingly</a:t>
-            </a:r>
-            <a:r>
-              <a:rPr lang="en-US" dirty="0" smtClean="0"/>
-              <a:t>.</a:t>
+              <a:t>The audio and video button, named as mute and camera respectively, enables the participants and host to turn on/off their audio or video accordingly.</a:t>
             </a:r>
           </a:p>
           <a:p>
@@ -9307,13 +9129,8 @@
             <a:pPr fontAlgn="base"/>
             <a:r>
               <a:rPr lang="en-US" b="1" dirty="0"/>
-              <a:t>Functional Requirements </a:t>
-            </a:r>
-            <a:r>
-              <a:rPr lang="en-US" b="1" dirty="0" smtClean="0"/>
-              <a:t>:</a:t>
-            </a:r>
-            <a:endParaRPr lang="en-US" b="1" dirty="0"/>
+              <a:t>Functional Requirements :</a:t>
+            </a:r>
           </a:p>
           <a:p>
             <a:pPr marL="285750" indent="-285750" fontAlgn="base">
@@ -9344,10 +9161,6 @@
             </a:r>
           </a:p>
           <a:p>
-            <a:r>
-              <a:rPr lang="en-US" dirty="0"/>
-              <a:t/>
-            </a:r>
             <a:br>
               <a:rPr lang="en-US" dirty="0"/>
             </a:br>
@@ -9378,7 +9191,7 @@
           <a:lstStyle/>
           <a:p>
             <a:r>
-              <a:rPr lang="en-IN" sz="4400" b="1" dirty="0" smtClean="0">
+              <a:rPr lang="en-IN" sz="4400" b="1" dirty="0">
                 <a:solidFill>
                   <a:schemeClr val="accent1">
                     <a:lumMod val="40000"/>
@@ -9389,7 +9202,7 @@
               </a:rPr>
               <a:t>Conferencing</a:t>
             </a:r>
-            <a:endParaRPr lang="en-IN" sz="4400" dirty="0" smtClean="0">
+            <a:endParaRPr lang="en-IN" sz="4400" dirty="0">
               <a:solidFill>
                 <a:schemeClr val="accent1">
                   <a:lumMod val="40000"/>
@@ -9402,10 +9215,9 @@
           <a:p>
             <a:pPr algn="r"/>
             <a:r>
-              <a:rPr lang="en-IN" dirty="0" smtClean="0"/>
+              <a:rPr lang="en-IN" dirty="0"/>
               <a:t> </a:t>
             </a:r>
-            <a:endParaRPr lang="en-IN" dirty="0"/>
           </a:p>
         </p:txBody>
       </p:sp>
@@ -9522,19 +9334,14 @@
           <a:p>
             <a:pPr fontAlgn="base"/>
             <a:r>
-              <a:rPr lang="en-US" b="1" dirty="0" smtClean="0"/>
+              <a:rPr lang="en-US" b="1" dirty="0"/>
               <a:t>Description:</a:t>
             </a:r>
-            <a:endParaRPr lang="en-US" b="1" dirty="0"/>
           </a:p>
           <a:p>
             <a:r>
               <a:rPr lang="en-US" dirty="0"/>
-              <a:t>During a conference, the participants can ask questions to the hosts through the Q&amp;A option as well</a:t>
-            </a:r>
-            <a:r>
-              <a:rPr lang="en-US" dirty="0" smtClean="0"/>
-              <a:t>.</a:t>
+              <a:t>During a conference, the participants can ask questions to the hosts through the Q&amp;A option as well.</a:t>
             </a:r>
           </a:p>
           <a:p>
@@ -9543,105 +9350,59 @@
           <a:p>
             <a:pPr fontAlgn="base"/>
             <a:r>
-              <a:rPr lang="en-US" b="1" dirty="0" smtClean="0"/>
+              <a:rPr lang="en-US" b="1" dirty="0"/>
               <a:t>Stimulus/Response:</a:t>
             </a:r>
-            <a:endParaRPr lang="en-US" b="1" dirty="0"/>
           </a:p>
           <a:p>
             <a:r>
               <a:rPr lang="en-US" dirty="0"/>
               <a:t>The Q&amp;A panel present on the side </a:t>
             </a:r>
-            <a:endParaRPr lang="en-US" dirty="0" smtClean="0"/>
-          </a:p>
-          <a:p>
-            <a:r>
-              <a:rPr lang="en-US" dirty="0" smtClean="0"/>
-              <a:t>,</a:t>
-            </a:r>
+          </a:p>
+          <a:p>
             <a:r>
               <a:rPr lang="en-US" dirty="0"/>
-              <a:t>on clicking will allow the participant </a:t>
-            </a:r>
-            <a:endParaRPr lang="en-US" dirty="0" smtClean="0"/>
-          </a:p>
-          <a:p>
-            <a:r>
-              <a:rPr lang="en-US" dirty="0" smtClean="0"/>
-              <a:t>to </a:t>
-            </a:r>
+              <a:t>,on clicking will allow the participant </a:t>
+            </a:r>
+          </a:p>
+          <a:p>
             <a:r>
               <a:rPr lang="en-US" dirty="0"/>
-              <a:t>type all their queries and even </a:t>
-            </a:r>
-            <a:endParaRPr lang="en-US" dirty="0" smtClean="0"/>
-          </a:p>
-          <a:p>
-            <a:r>
-              <a:rPr lang="en-US" dirty="0" smtClean="0"/>
-              <a:t>their </a:t>
-            </a:r>
+              <a:t>to type all their queries and even </a:t>
+            </a:r>
+          </a:p>
+          <a:p>
             <a:r>
               <a:rPr lang="en-US" dirty="0"/>
-              <a:t>responses to the speaker  </a:t>
-            </a:r>
-            <a:r>
-              <a:rPr lang="en-US" dirty="0" smtClean="0"/>
-              <a:t>that</a:t>
-            </a:r>
-          </a:p>
-          <a:p>
-            <a:r>
-              <a:rPr lang="en-US" dirty="0" smtClean="0"/>
-              <a:t>will </a:t>
-            </a:r>
+              <a:t>their responses to the speaker  that</a:t>
+            </a:r>
+          </a:p>
+          <a:p>
             <a:r>
               <a:rPr lang="en-US" dirty="0"/>
-              <a:t>only be received and read by </a:t>
-            </a:r>
-            <a:endParaRPr lang="en-US" dirty="0" smtClean="0"/>
-          </a:p>
-          <a:p>
-            <a:r>
-              <a:rPr lang="en-US" dirty="0" smtClean="0"/>
-              <a:t>the </a:t>
-            </a:r>
+              <a:t>will only be received and read by </a:t>
+            </a:r>
+          </a:p>
+          <a:p>
             <a:r>
               <a:rPr lang="en-US" dirty="0"/>
-              <a:t>host</a:t>
-            </a:r>
-            <a:r>
-              <a:rPr lang="en-US" dirty="0" smtClean="0"/>
-              <a:t>.</a:t>
-            </a:r>
-          </a:p>
-          <a:p>
-            <a:r>
-              <a:rPr lang="en-US" dirty="0" smtClean="0"/>
-              <a:t>The </a:t>
-            </a:r>
+              <a:t>the host.</a:t>
+            </a:r>
+          </a:p>
+          <a:p>
             <a:r>
               <a:rPr lang="en-US" dirty="0"/>
-              <a:t>host can respond via panel.</a:t>
-            </a:r>
+              <a:t>The host can respond via panel.</a:t>
+            </a:r>
+          </a:p>
+          <a:p>
             <a:endParaRPr lang="en-US" dirty="0"/>
           </a:p>
           <a:p>
-            <a:endParaRPr lang="en-US" dirty="0" smtClean="0"/>
-          </a:p>
-          <a:p>
-            <a:r>
-              <a:rPr lang="en-US" dirty="0"/>
-              <a:t/>
-            </a:r>
             <a:br>
               <a:rPr lang="en-US" dirty="0"/>
             </a:br>
-            <a:r>
-              <a:rPr lang="en-US" dirty="0"/>
-              <a:t/>
-            </a:r>
             <a:br>
               <a:rPr lang="en-US" dirty="0"/>
             </a:br>
@@ -9672,7 +9433,7 @@
           <a:lstStyle/>
           <a:p>
             <a:r>
-              <a:rPr lang="en-IN" sz="4400" b="1" dirty="0" smtClean="0">
+              <a:rPr lang="en-IN" sz="4400" b="1" dirty="0">
                 <a:solidFill>
                   <a:schemeClr val="accent1">
                     <a:lumMod val="40000"/>
@@ -9683,7 +9444,7 @@
               </a:rPr>
               <a:t>Q&amp;A Feature</a:t>
             </a:r>
-            <a:endParaRPr lang="en-IN" sz="4400" dirty="0" smtClean="0">
+            <a:endParaRPr lang="en-IN" sz="4400" dirty="0">
               <a:solidFill>
                 <a:schemeClr val="accent1">
                   <a:lumMod val="40000"/>
@@ -9696,10 +9457,9 @@
           <a:p>
             <a:pPr algn="r"/>
             <a:r>
-              <a:rPr lang="en-IN" dirty="0" smtClean="0"/>
+              <a:rPr lang="en-IN" dirty="0"/>
               <a:t> </a:t>
             </a:r>
-            <a:endParaRPr lang="en-IN" dirty="0"/>
           </a:p>
         </p:txBody>
       </p:sp>
@@ -9856,7 +9616,7 @@
           <a:lstStyle/>
           <a:p>
             <a:r>
-              <a:rPr lang="en-US" b="1" dirty="0" smtClean="0"/>
+              <a:rPr lang="en-US" b="1" dirty="0"/>
               <a:t>Description:</a:t>
             </a:r>
             <a:endParaRPr lang="en-US" dirty="0"/>
@@ -9864,11 +9624,7 @@
           <a:p>
             <a:r>
               <a:rPr lang="en-US" dirty="0"/>
-              <a:t>The participants can leave amidst the </a:t>
-            </a:r>
-            <a:r>
-              <a:rPr lang="en-US" dirty="0" smtClean="0"/>
-              <a:t>conference</a:t>
+              <a:t>The participants can leave amidst the conference</a:t>
             </a:r>
           </a:p>
           <a:p>
@@ -9876,27 +9632,15 @@
           </a:p>
           <a:p>
             <a:r>
-              <a:rPr lang="en-US" b="1" dirty="0" smtClean="0"/>
-              <a:t>Stimulus </a:t>
-            </a:r>
-            <a:r>
               <a:rPr lang="en-US" b="1" dirty="0"/>
-              <a:t>and </a:t>
-            </a:r>
-            <a:r>
-              <a:rPr lang="en-US" b="1" dirty="0" smtClean="0"/>
-              <a:t>response:</a:t>
+              <a:t>Stimulus and response:</a:t>
             </a:r>
             <a:endParaRPr lang="en-US" dirty="0"/>
           </a:p>
           <a:p>
             <a:r>
               <a:rPr lang="en-US" dirty="0"/>
-              <a:t>The end option only visible to the participant can be used to exit the ongoing session. The participant can join again using the attend feature</a:t>
-            </a:r>
-            <a:r>
-              <a:rPr lang="en-US" dirty="0" smtClean="0"/>
-              <a:t>.</a:t>
+              <a:t>The end option only visible to the participant can be used to exit the ongoing session. The participant can join again using the attend feature.</a:t>
             </a:r>
           </a:p>
           <a:p>
@@ -9904,11 +9648,10 @@
               <a:rPr lang="en-US" dirty="0"/>
               <a:t> </a:t>
             </a:r>
-            <a:endParaRPr lang="en-US" dirty="0"/>
-          </a:p>
-          <a:p>
-            <a:r>
-              <a:rPr lang="en-US" b="1" dirty="0" smtClean="0"/>
+          </a:p>
+          <a:p>
+            <a:r>
+              <a:rPr lang="en-US" b="1" dirty="0"/>
               <a:t>Functional Requirements:</a:t>
             </a:r>
             <a:endParaRPr lang="en-US" dirty="0"/>
@@ -9921,10 +9664,6 @@
             </a:r>
           </a:p>
           <a:p>
-            <a:r>
-              <a:rPr lang="en-US" dirty="0"/>
-              <a:t/>
-            </a:r>
             <a:br>
               <a:rPr lang="en-US" dirty="0"/>
             </a:br>
@@ -9955,7 +9694,7 @@
           <a:lstStyle/>
           <a:p>
             <a:r>
-              <a:rPr lang="en-IN" sz="4400" b="1" dirty="0" smtClean="0">
+              <a:rPr lang="en-IN" sz="4400" b="1" dirty="0">
                 <a:solidFill>
                   <a:schemeClr val="accent1">
                     <a:lumMod val="40000"/>
@@ -9966,7 +9705,7 @@
               </a:rPr>
               <a:t>Leave Conference</a:t>
             </a:r>
-            <a:endParaRPr lang="en-IN" sz="4400" dirty="0" smtClean="0">
+            <a:endParaRPr lang="en-IN" sz="4400" dirty="0">
               <a:solidFill>
                 <a:schemeClr val="accent1">
                   <a:lumMod val="40000"/>
@@ -9979,10 +9718,9 @@
           <a:p>
             <a:pPr algn="r"/>
             <a:r>
-              <a:rPr lang="en-IN" dirty="0" smtClean="0"/>
+              <a:rPr lang="en-IN" dirty="0"/>
               <a:t> </a:t>
             </a:r>
-            <a:endParaRPr lang="en-IN" dirty="0"/>
           </a:p>
         </p:txBody>
       </p:sp>
@@ -10069,215 +9807,6 @@
 </file>
 
 <file path=ppt/slides/slide16.xml><?xml version="1.0" encoding="utf-8"?>
-<p:sld xmlns:a="http://schemas.openxmlformats.org/drawingml/2006/main" xmlns:r="http://schemas.openxmlformats.org/officeDocument/2006/relationships" xmlns:p="http://schemas.openxmlformats.org/presentationml/2006/main">
-  <p:cSld>
-    <p:spTree>
-      <p:nvGrpSpPr>
-        <p:cNvPr id="1" name=""/>
-        <p:cNvGrpSpPr/>
-        <p:nvPr/>
-      </p:nvGrpSpPr>
-      <p:grpSpPr>
-        <a:xfrm>
-          <a:off x="0" y="0"/>
-          <a:ext cx="0" cy="0"/>
-          <a:chOff x="0" y="0"/>
-          <a:chExt cx="0" cy="0"/>
-        </a:xfrm>
-      </p:grpSpPr>
-      <p:pic>
-        <p:nvPicPr>
-          <p:cNvPr id="5" name="Picture 4" descr="night sky with mountains far away on the horizon">
-            <a:extLst>
-              <a:ext uri="{FF2B5EF4-FFF2-40B4-BE49-F238E27FC236}">
-                <a16:creationId xmlns:a16="http://schemas.microsoft.com/office/drawing/2014/main" id="{7C454B0C-0819-4D56-9275-BCE254DA659D}"/>
-              </a:ext>
-            </a:extLst>
-          </p:cNvPr>
-          <p:cNvPicPr>
-            <a:picLocks noChangeAspect="1"/>
-          </p:cNvPicPr>
-          <p:nvPr/>
-        </p:nvPicPr>
-        <p:blipFill rotWithShape="1">
-          <a:blip r:embed="rId3">
-            <a:alphaModFix amt="20000"/>
-            <a:extLst>
-              <a:ext uri="{28A0092B-C50C-407E-A947-70E740481C1C}">
-                <a14:useLocalDpi xmlns:a14="http://schemas.microsoft.com/office/drawing/2010/main"/>
-              </a:ext>
-            </a:extLst>
-          </a:blip>
-          <a:srcRect/>
-          <a:stretch/>
-        </p:blipFill>
-        <p:spPr>
-          <a:xfrm>
-            <a:off x="0" y="10"/>
-            <a:ext cx="12191980" cy="6857990"/>
-          </a:xfrm>
-          <a:prstGeom prst="rect">
-            <a:avLst/>
-          </a:prstGeom>
-        </p:spPr>
-      </p:pic>
-      <p:sp>
-        <p:nvSpPr>
-          <p:cNvPr id="11" name="TextBox 10"/>
-          <p:cNvSpPr txBox="1"/>
-          <p:nvPr/>
-        </p:nvSpPr>
-        <p:spPr>
-          <a:xfrm>
-            <a:off x="868681" y="1712166"/>
-            <a:ext cx="6391655" cy="3139321"/>
-          </a:xfrm>
-          <a:prstGeom prst="rect">
-            <a:avLst/>
-          </a:prstGeom>
-          <a:noFill/>
-        </p:spPr>
-        <p:txBody>
-          <a:bodyPr wrap="square" rtlCol="0">
-            <a:spAutoFit/>
-          </a:bodyPr>
-          <a:lstStyle/>
-          <a:p>
-            <a:r>
-              <a:rPr lang="en-US" b="1" dirty="0" smtClean="0"/>
-              <a:t>Description:</a:t>
-            </a:r>
-            <a:endParaRPr lang="en-US" dirty="0"/>
-          </a:p>
-          <a:p>
-            <a:r>
-              <a:rPr lang="en-US" dirty="0"/>
-              <a:t>The host can end the conference using the end option.</a:t>
-            </a:r>
-            <a:endParaRPr lang="en-US" dirty="0"/>
-          </a:p>
-          <a:p>
-            <a:endParaRPr lang="en-US" b="1" dirty="0" smtClean="0"/>
-          </a:p>
-          <a:p>
-            <a:r>
-              <a:rPr lang="en-US" b="1" dirty="0" smtClean="0"/>
-              <a:t>Stimulus </a:t>
-            </a:r>
-            <a:r>
-              <a:rPr lang="en-US" b="1" dirty="0"/>
-              <a:t>and </a:t>
-            </a:r>
-            <a:r>
-              <a:rPr lang="en-US" b="1" dirty="0" smtClean="0"/>
-              <a:t>response:</a:t>
-            </a:r>
-            <a:endParaRPr lang="en-US" dirty="0"/>
-          </a:p>
-          <a:p>
-            <a:r>
-              <a:rPr lang="en-US" dirty="0"/>
-              <a:t>The end option only visible to the host can be used to end the session. The conference ends </a:t>
-            </a:r>
-            <a:endParaRPr lang="en-US" dirty="0" smtClean="0"/>
-          </a:p>
-          <a:p>
-            <a:endParaRPr lang="en-US" dirty="0"/>
-          </a:p>
-          <a:p>
-            <a:r>
-              <a:rPr lang="en-US" b="1" dirty="0" smtClean="0"/>
-              <a:t>Functional Requirements:</a:t>
-            </a:r>
-            <a:endParaRPr lang="en-US" dirty="0"/>
-          </a:p>
-          <a:p>
-            <a:pPr fontAlgn="base"/>
-            <a:r>
-              <a:rPr lang="en-US" dirty="0"/>
-              <a:t>The user must have the role of a host to have this feature</a:t>
-            </a:r>
-          </a:p>
-          <a:p>
-            <a:r>
-              <a:rPr lang="en-US" dirty="0"/>
-              <a:t/>
-            </a:r>
-            <a:br>
-              <a:rPr lang="en-US" dirty="0"/>
-            </a:br>
-            <a:endParaRPr lang="en-IN" dirty="0"/>
-          </a:p>
-        </p:txBody>
-      </p:sp>
-      <p:sp>
-        <p:nvSpPr>
-          <p:cNvPr id="6" name="TextBox 5"/>
-          <p:cNvSpPr txBox="1"/>
-          <p:nvPr/>
-        </p:nvSpPr>
-        <p:spPr>
-          <a:xfrm>
-            <a:off x="803639" y="665134"/>
-            <a:ext cx="8705087" cy="1046440"/>
-          </a:xfrm>
-          <a:prstGeom prst="rect">
-            <a:avLst/>
-          </a:prstGeom>
-          <a:noFill/>
-        </p:spPr>
-        <p:txBody>
-          <a:bodyPr wrap="square" rtlCol="0">
-            <a:spAutoFit/>
-          </a:bodyPr>
-          <a:lstStyle/>
-          <a:p>
-            <a:r>
-              <a:rPr lang="en-IN" sz="4400" b="1" dirty="0" smtClean="0">
-                <a:solidFill>
-                  <a:schemeClr val="accent1">
-                    <a:lumMod val="40000"/>
-                    <a:lumOff val="60000"/>
-                  </a:schemeClr>
-                </a:solidFill>
-                <a:latin typeface="Bahnschrift SemiBold" panose="020B0502040204020203" pitchFamily="34" charset="0"/>
-              </a:rPr>
-              <a:t>End Conference</a:t>
-            </a:r>
-            <a:endParaRPr lang="en-IN" sz="4400" dirty="0" smtClean="0">
-              <a:solidFill>
-                <a:schemeClr val="accent1">
-                  <a:lumMod val="40000"/>
-                  <a:lumOff val="60000"/>
-                </a:schemeClr>
-              </a:solidFill>
-              <a:latin typeface="Bahnschrift SemiBold" panose="020B0502040204020203" pitchFamily="34" charset="0"/>
-            </a:endParaRPr>
-          </a:p>
-          <a:p>
-            <a:pPr algn="r"/>
-            <a:r>
-              <a:rPr lang="en-IN" dirty="0" smtClean="0"/>
-              <a:t> </a:t>
-            </a:r>
-            <a:endParaRPr lang="en-IN" dirty="0"/>
-          </a:p>
-        </p:txBody>
-      </p:sp>
-    </p:spTree>
-    <p:extLst>
-      <p:ext uri="{BB962C8B-B14F-4D97-AF65-F5344CB8AC3E}">
-        <p14:creationId xmlns:p14="http://schemas.microsoft.com/office/powerpoint/2010/main" val="1370116057"/>
-      </p:ext>
-    </p:extLst>
-  </p:cSld>
-  <p:clrMapOvr>
-    <a:masterClrMapping/>
-  </p:clrMapOvr>
-</p:sld>
-</file>
-
-<file path=ppt/slides/slide17.xml><?xml version="1.0" encoding="utf-8"?>
 <p:sld xmlns:a="http://schemas.openxmlformats.org/drawingml/2006/main" xmlns:r="http://schemas.openxmlformats.org/officeDocument/2006/relationships" xmlns:p="http://schemas.openxmlformats.org/presentationml/2006/main">
   <p:cSld>
     <p:spTree>
@@ -10394,7 +9923,7 @@
           <a:lstStyle/>
           <a:p>
             <a:r>
-              <a:rPr lang="en-US" b="1" dirty="0" smtClean="0">
+              <a:rPr lang="en-US" b="1" dirty="0">
                 <a:solidFill>
                   <a:schemeClr val="accent1">
                     <a:lumMod val="40000"/>
@@ -10402,27 +9931,8 @@
                   </a:schemeClr>
                 </a:solidFill>
               </a:rPr>
-              <a:t>Group </a:t>
-            </a:r>
-            <a:r>
-              <a:rPr lang="en-US" b="1" dirty="0" smtClean="0">
-                <a:solidFill>
-                  <a:schemeClr val="accent1">
-                    <a:lumMod val="40000"/>
-                    <a:lumOff val="60000"/>
-                  </a:schemeClr>
-                </a:solidFill>
-              </a:rPr>
-              <a:t>22</a:t>
-            </a:r>
-            <a:endParaRPr lang="en-US" b="1" dirty="0">
-              <a:solidFill>
-                <a:schemeClr val="accent1">
-                  <a:lumMod val="40000"/>
-                  <a:lumOff val="60000"/>
-                </a:schemeClr>
-              </a:solidFill>
-            </a:endParaRPr>
+              <a:t>Group 22</a:t>
+            </a:r>
           </a:p>
         </p:txBody>
       </p:sp>
@@ -10445,9 +9955,7 @@
     <p:bg>
       <p:bgPr>
         <a:blipFill>
-          <a:blip r:embed="rId3">
-            <a:extLst/>
-          </a:blip>
+          <a:blip r:embed="rId3"/>
           <a:stretch/>
         </a:blipFill>
         <a:effectLst/>
@@ -10475,7 +9983,7 @@
                 <a16:creationId xmlns:a16="http://schemas.microsoft.com/office/drawing/2014/main" id="{CFEF753B-CA1B-4178-80F5-095B7FEA21C4}"/>
               </a:ext>
               <a:ext uri="{C183D7F6-B498-43B3-948B-1728B52AA6E4}">
-                <adec:decorative xmlns:adec="http://schemas.microsoft.com/office/drawing/2017/decorative" xmlns="" val="1"/>
+                <adec:decorative xmlns:adec="http://schemas.microsoft.com/office/drawing/2017/decorative" val="1"/>
               </a:ext>
             </a:extLst>
           </p:cNvPr>
@@ -10506,7 +10014,7 @@
                   <a16:creationId xmlns:a16="http://schemas.microsoft.com/office/drawing/2014/main" id="{86C68ECC-F0A0-411E-A303-6DC0707A3663}"/>
                 </a:ext>
                 <a:ext uri="{C183D7F6-B498-43B3-948B-1728B52AA6E4}">
-                  <adec:decorative xmlns:adec="http://schemas.microsoft.com/office/drawing/2017/decorative" xmlns="" val="1"/>
+                  <adec:decorative xmlns:adec="http://schemas.microsoft.com/office/drawing/2017/decorative" val="1"/>
                 </a:ext>
               </a:extLst>
             </p:cNvPr>
@@ -10696,7 +10204,7 @@
                   <a16:creationId xmlns:a16="http://schemas.microsoft.com/office/drawing/2014/main" id="{6A21E140-4ECB-4C42-BDC7-F4351513DA97}"/>
                 </a:ext>
                 <a:ext uri="{C183D7F6-B498-43B3-948B-1728B52AA6E4}">
-                  <adec:decorative xmlns:adec="http://schemas.microsoft.com/office/drawing/2017/decorative" xmlns="" val="1"/>
+                  <adec:decorative xmlns:adec="http://schemas.microsoft.com/office/drawing/2017/decorative" val="1"/>
                 </a:ext>
               </a:extLst>
             </p:cNvPr>
@@ -10725,7 +10233,7 @@
                     <a16:creationId xmlns:a16="http://schemas.microsoft.com/office/drawing/2014/main" id="{2940CFC5-AC4C-4746-A3B9-3DD434FF6DE6}"/>
                   </a:ext>
                   <a:ext uri="{C183D7F6-B498-43B3-948B-1728B52AA6E4}">
-                    <adec:decorative xmlns:adec="http://schemas.microsoft.com/office/drawing/2017/decorative" xmlns="" val="1"/>
+                    <adec:decorative xmlns:adec="http://schemas.microsoft.com/office/drawing/2017/decorative" val="1"/>
                   </a:ext>
                 </a:extLst>
               </p:cNvPr>
@@ -10777,7 +10285,7 @@
                     <a16:creationId xmlns:a16="http://schemas.microsoft.com/office/drawing/2014/main" id="{6EC95677-9C92-4D0D-91D4-E07380F2502B}"/>
                   </a:ext>
                   <a:ext uri="{C183D7F6-B498-43B3-948B-1728B52AA6E4}">
-                    <adec:decorative xmlns:adec="http://schemas.microsoft.com/office/drawing/2017/decorative" xmlns="" val="1"/>
+                    <adec:decorative xmlns:adec="http://schemas.microsoft.com/office/drawing/2017/decorative" val="1"/>
                   </a:ext>
                 </a:extLst>
               </p:cNvPr>
@@ -10829,7 +10337,7 @@
                     <a16:creationId xmlns:a16="http://schemas.microsoft.com/office/drawing/2014/main" id="{097602B2-71E1-4395-9C47-DE48B712AE8C}"/>
                   </a:ext>
                   <a:ext uri="{C183D7F6-B498-43B3-948B-1728B52AA6E4}">
-                    <adec:decorative xmlns:adec="http://schemas.microsoft.com/office/drawing/2017/decorative" xmlns="" val="1"/>
+                    <adec:decorative xmlns:adec="http://schemas.microsoft.com/office/drawing/2017/decorative" val="1"/>
                   </a:ext>
                 </a:extLst>
               </p:cNvPr>
@@ -10881,7 +10389,7 @@
                     <a16:creationId xmlns:a16="http://schemas.microsoft.com/office/drawing/2014/main" id="{7FC50570-F1A9-4DB3-A64D-3A21A588820A}"/>
                   </a:ext>
                   <a:ext uri="{C183D7F6-B498-43B3-948B-1728B52AA6E4}">
-                    <adec:decorative xmlns:adec="http://schemas.microsoft.com/office/drawing/2017/decorative" xmlns="" val="1"/>
+                    <adec:decorative xmlns:adec="http://schemas.microsoft.com/office/drawing/2017/decorative" val="1"/>
                   </a:ext>
                 </a:extLst>
               </p:cNvPr>
@@ -10933,7 +10441,7 @@
                     <a16:creationId xmlns:a16="http://schemas.microsoft.com/office/drawing/2014/main" id="{88E4F209-3FDA-4C17-A86D-59990132FF4D}"/>
                   </a:ext>
                   <a:ext uri="{C183D7F6-B498-43B3-948B-1728B52AA6E4}">
-                    <adec:decorative xmlns:adec="http://schemas.microsoft.com/office/drawing/2017/decorative" xmlns="" val="1"/>
+                    <adec:decorative xmlns:adec="http://schemas.microsoft.com/office/drawing/2017/decorative" val="1"/>
                   </a:ext>
                 </a:extLst>
               </p:cNvPr>
@@ -10985,7 +10493,7 @@
                     <a16:creationId xmlns:a16="http://schemas.microsoft.com/office/drawing/2014/main" id="{9950C402-F8DC-4C99-90A8-CD67BDEC6CB4}"/>
                   </a:ext>
                   <a:ext uri="{C183D7F6-B498-43B3-948B-1728B52AA6E4}">
-                    <adec:decorative xmlns:adec="http://schemas.microsoft.com/office/drawing/2017/decorative" xmlns="" val="1"/>
+                    <adec:decorative xmlns:adec="http://schemas.microsoft.com/office/drawing/2017/decorative" val="1"/>
                   </a:ext>
                 </a:extLst>
               </p:cNvPr>
@@ -11037,7 +10545,7 @@
                     <a16:creationId xmlns:a16="http://schemas.microsoft.com/office/drawing/2014/main" id="{76483FEF-FBDD-456C-AD52-B6D166FB1C09}"/>
                   </a:ext>
                   <a:ext uri="{C183D7F6-B498-43B3-948B-1728B52AA6E4}">
-                    <adec:decorative xmlns:adec="http://schemas.microsoft.com/office/drawing/2017/decorative" xmlns="" val="1"/>
+                    <adec:decorative xmlns:adec="http://schemas.microsoft.com/office/drawing/2017/decorative" val="1"/>
                   </a:ext>
                 </a:extLst>
               </p:cNvPr>
@@ -11089,7 +10597,7 @@
                     <a16:creationId xmlns:a16="http://schemas.microsoft.com/office/drawing/2014/main" id="{DA316CA5-D470-4E6D-A6E8-D35DB7725D2E}"/>
                   </a:ext>
                   <a:ext uri="{C183D7F6-B498-43B3-948B-1728B52AA6E4}">
-                    <adec:decorative xmlns:adec="http://schemas.microsoft.com/office/drawing/2017/decorative" xmlns="" val="1"/>
+                    <adec:decorative xmlns:adec="http://schemas.microsoft.com/office/drawing/2017/decorative" val="1"/>
                   </a:ext>
                 </a:extLst>
               </p:cNvPr>
@@ -11141,7 +10649,7 @@
                     <a16:creationId xmlns:a16="http://schemas.microsoft.com/office/drawing/2014/main" id="{8BFA4937-71AA-4400-8DCD-20E5DF050171}"/>
                   </a:ext>
                   <a:ext uri="{C183D7F6-B498-43B3-948B-1728B52AA6E4}">
-                    <adec:decorative xmlns:adec="http://schemas.microsoft.com/office/drawing/2017/decorative" xmlns="" val="1"/>
+                    <adec:decorative xmlns:adec="http://schemas.microsoft.com/office/drawing/2017/decorative" val="1"/>
                   </a:ext>
                 </a:extLst>
               </p:cNvPr>
@@ -11193,7 +10701,7 @@
                     <a16:creationId xmlns:a16="http://schemas.microsoft.com/office/drawing/2014/main" id="{768FA0D4-7119-47B3-8329-0978770774F5}"/>
                   </a:ext>
                   <a:ext uri="{C183D7F6-B498-43B3-948B-1728B52AA6E4}">
-                    <adec:decorative xmlns:adec="http://schemas.microsoft.com/office/drawing/2017/decorative" xmlns="" val="1"/>
+                    <adec:decorative xmlns:adec="http://schemas.microsoft.com/office/drawing/2017/decorative" val="1"/>
                   </a:ext>
                 </a:extLst>
               </p:cNvPr>
@@ -11245,7 +10753,7 @@
                     <a16:creationId xmlns:a16="http://schemas.microsoft.com/office/drawing/2014/main" id="{62C433AC-8114-47CC-9467-FCB5FE9807B3}"/>
                   </a:ext>
                   <a:ext uri="{C183D7F6-B498-43B3-948B-1728B52AA6E4}">
-                    <adec:decorative xmlns:adec="http://schemas.microsoft.com/office/drawing/2017/decorative" xmlns="" val="1"/>
+                    <adec:decorative xmlns:adec="http://schemas.microsoft.com/office/drawing/2017/decorative" val="1"/>
                   </a:ext>
                 </a:extLst>
               </p:cNvPr>
@@ -11297,7 +10805,7 @@
                     <a16:creationId xmlns:a16="http://schemas.microsoft.com/office/drawing/2014/main" id="{BF9CB489-BA36-4004-A019-75FBA23CCB95}"/>
                   </a:ext>
                   <a:ext uri="{C183D7F6-B498-43B3-948B-1728B52AA6E4}">
-                    <adec:decorative xmlns:adec="http://schemas.microsoft.com/office/drawing/2017/decorative" xmlns="" val="1"/>
+                    <adec:decorative xmlns:adec="http://schemas.microsoft.com/office/drawing/2017/decorative" val="1"/>
                   </a:ext>
                 </a:extLst>
               </p:cNvPr>
@@ -11349,7 +10857,7 @@
                     <a16:creationId xmlns:a16="http://schemas.microsoft.com/office/drawing/2014/main" id="{B4C060E4-E790-4A31-B683-EA834FCF4E26}"/>
                   </a:ext>
                   <a:ext uri="{C183D7F6-B498-43B3-948B-1728B52AA6E4}">
-                    <adec:decorative xmlns:adec="http://schemas.microsoft.com/office/drawing/2017/decorative" xmlns="" val="1"/>
+                    <adec:decorative xmlns:adec="http://schemas.microsoft.com/office/drawing/2017/decorative" val="1"/>
                   </a:ext>
                 </a:extLst>
               </p:cNvPr>
@@ -11401,7 +10909,7 @@
                     <a16:creationId xmlns:a16="http://schemas.microsoft.com/office/drawing/2014/main" id="{13F00D2A-400F-4678-BB33-16B61650F478}"/>
                   </a:ext>
                   <a:ext uri="{C183D7F6-B498-43B3-948B-1728B52AA6E4}">
-                    <adec:decorative xmlns:adec="http://schemas.microsoft.com/office/drawing/2017/decorative" xmlns="" val="1"/>
+                    <adec:decorative xmlns:adec="http://schemas.microsoft.com/office/drawing/2017/decorative" val="1"/>
                   </a:ext>
                 </a:extLst>
               </p:cNvPr>
@@ -11453,7 +10961,7 @@
                     <a16:creationId xmlns:a16="http://schemas.microsoft.com/office/drawing/2014/main" id="{46AABFD4-3727-4DF4-933A-C0A090248A80}"/>
                   </a:ext>
                   <a:ext uri="{C183D7F6-B498-43B3-948B-1728B52AA6E4}">
-                    <adec:decorative xmlns:adec="http://schemas.microsoft.com/office/drawing/2017/decorative" xmlns="" val="1"/>
+                    <adec:decorative xmlns:adec="http://schemas.microsoft.com/office/drawing/2017/decorative" val="1"/>
                   </a:ext>
                 </a:extLst>
               </p:cNvPr>
@@ -11505,7 +11013,7 @@
                     <a16:creationId xmlns:a16="http://schemas.microsoft.com/office/drawing/2014/main" id="{6CC40A87-D067-41BF-B368-A197EC0D9DF0}"/>
                   </a:ext>
                   <a:ext uri="{C183D7F6-B498-43B3-948B-1728B52AA6E4}">
-                    <adec:decorative xmlns:adec="http://schemas.microsoft.com/office/drawing/2017/decorative" xmlns="" val="1"/>
+                    <adec:decorative xmlns:adec="http://schemas.microsoft.com/office/drawing/2017/decorative" val="1"/>
                   </a:ext>
                 </a:extLst>
               </p:cNvPr>
@@ -11557,7 +11065,7 @@
                     <a16:creationId xmlns:a16="http://schemas.microsoft.com/office/drawing/2014/main" id="{E116F92B-7098-4139-AC77-75B4CE3323F8}"/>
                   </a:ext>
                   <a:ext uri="{C183D7F6-B498-43B3-948B-1728B52AA6E4}">
-                    <adec:decorative xmlns:adec="http://schemas.microsoft.com/office/drawing/2017/decorative" xmlns="" val="1"/>
+                    <adec:decorative xmlns:adec="http://schemas.microsoft.com/office/drawing/2017/decorative" val="1"/>
                   </a:ext>
                 </a:extLst>
               </p:cNvPr>
@@ -11609,7 +11117,7 @@
                     <a16:creationId xmlns:a16="http://schemas.microsoft.com/office/drawing/2014/main" id="{CFDF485C-38E7-4C0D-A2A7-3F1DE3B918A5}"/>
                   </a:ext>
                   <a:ext uri="{C183D7F6-B498-43B3-948B-1728B52AA6E4}">
-                    <adec:decorative xmlns:adec="http://schemas.microsoft.com/office/drawing/2017/decorative" xmlns="" val="1"/>
+                    <adec:decorative xmlns:adec="http://schemas.microsoft.com/office/drawing/2017/decorative" val="1"/>
                   </a:ext>
                 </a:extLst>
               </p:cNvPr>
@@ -11661,7 +11169,7 @@
                     <a16:creationId xmlns:a16="http://schemas.microsoft.com/office/drawing/2014/main" id="{BF6DBD12-21A0-4F07-953F-D3B3486C1510}"/>
                   </a:ext>
                   <a:ext uri="{C183D7F6-B498-43B3-948B-1728B52AA6E4}">
-                    <adec:decorative xmlns:adec="http://schemas.microsoft.com/office/drawing/2017/decorative" xmlns="" val="1"/>
+                    <adec:decorative xmlns:adec="http://schemas.microsoft.com/office/drawing/2017/decorative" val="1"/>
                   </a:ext>
                 </a:extLst>
               </p:cNvPr>
@@ -11713,7 +11221,7 @@
                     <a16:creationId xmlns:a16="http://schemas.microsoft.com/office/drawing/2014/main" id="{554F4E42-5B16-41F4-8FF4-2EB134C1FE1D}"/>
                   </a:ext>
                   <a:ext uri="{C183D7F6-B498-43B3-948B-1728B52AA6E4}">
-                    <adec:decorative xmlns:adec="http://schemas.microsoft.com/office/drawing/2017/decorative" xmlns="" val="1"/>
+                    <adec:decorative xmlns:adec="http://schemas.microsoft.com/office/drawing/2017/decorative" val="1"/>
                   </a:ext>
                 </a:extLst>
               </p:cNvPr>
@@ -11765,7 +11273,7 @@
                     <a16:creationId xmlns:a16="http://schemas.microsoft.com/office/drawing/2014/main" id="{6F4CC20F-EBF6-4AFE-9A4F-68ACC7513B4E}"/>
                   </a:ext>
                   <a:ext uri="{C183D7F6-B498-43B3-948B-1728B52AA6E4}">
-                    <adec:decorative xmlns:adec="http://schemas.microsoft.com/office/drawing/2017/decorative" xmlns="" val="1"/>
+                    <adec:decorative xmlns:adec="http://schemas.microsoft.com/office/drawing/2017/decorative" val="1"/>
                   </a:ext>
                 </a:extLst>
               </p:cNvPr>
@@ -11817,7 +11325,7 @@
                     <a16:creationId xmlns:a16="http://schemas.microsoft.com/office/drawing/2014/main" id="{FA745DE2-9816-4D5B-BB41-BE1874612FFF}"/>
                   </a:ext>
                   <a:ext uri="{C183D7F6-B498-43B3-948B-1728B52AA6E4}">
-                    <adec:decorative xmlns:adec="http://schemas.microsoft.com/office/drawing/2017/decorative" xmlns="" val="1"/>
+                    <adec:decorative xmlns:adec="http://schemas.microsoft.com/office/drawing/2017/decorative" val="1"/>
                   </a:ext>
                 </a:extLst>
               </p:cNvPr>
@@ -11869,7 +11377,7 @@
                     <a16:creationId xmlns:a16="http://schemas.microsoft.com/office/drawing/2014/main" id="{D5B5D721-5554-457C-BE2F-BCA2505CADF6}"/>
                   </a:ext>
                   <a:ext uri="{C183D7F6-B498-43B3-948B-1728B52AA6E4}">
-                    <adec:decorative xmlns:adec="http://schemas.microsoft.com/office/drawing/2017/decorative" xmlns="" val="1"/>
+                    <adec:decorative xmlns:adec="http://schemas.microsoft.com/office/drawing/2017/decorative" val="1"/>
                   </a:ext>
                 </a:extLst>
               </p:cNvPr>
@@ -11921,7 +11429,7 @@
                     <a16:creationId xmlns:a16="http://schemas.microsoft.com/office/drawing/2014/main" id="{BAFF390C-48FB-4FA5-998E-6DDDF9D2B415}"/>
                   </a:ext>
                   <a:ext uri="{C183D7F6-B498-43B3-948B-1728B52AA6E4}">
-                    <adec:decorative xmlns:adec="http://schemas.microsoft.com/office/drawing/2017/decorative" xmlns="" val="1"/>
+                    <adec:decorative xmlns:adec="http://schemas.microsoft.com/office/drawing/2017/decorative" val="1"/>
                   </a:ext>
                 </a:extLst>
               </p:cNvPr>
@@ -11973,7 +11481,7 @@
                     <a16:creationId xmlns:a16="http://schemas.microsoft.com/office/drawing/2014/main" id="{F4B2E647-1CF4-4AF8-9AF5-8EAB6D6E888E}"/>
                   </a:ext>
                   <a:ext uri="{C183D7F6-B498-43B3-948B-1728B52AA6E4}">
-                    <adec:decorative xmlns:adec="http://schemas.microsoft.com/office/drawing/2017/decorative" xmlns="" val="1"/>
+                    <adec:decorative xmlns:adec="http://schemas.microsoft.com/office/drawing/2017/decorative" val="1"/>
                   </a:ext>
                 </a:extLst>
               </p:cNvPr>
@@ -12025,7 +11533,7 @@
                     <a16:creationId xmlns:a16="http://schemas.microsoft.com/office/drawing/2014/main" id="{46DA8C50-AA32-47D8-8DCB-DE9624E60EF3}"/>
                   </a:ext>
                   <a:ext uri="{C183D7F6-B498-43B3-948B-1728B52AA6E4}">
-                    <adec:decorative xmlns:adec="http://schemas.microsoft.com/office/drawing/2017/decorative" xmlns="" val="1"/>
+                    <adec:decorative xmlns:adec="http://schemas.microsoft.com/office/drawing/2017/decorative" val="1"/>
                   </a:ext>
                 </a:extLst>
               </p:cNvPr>
@@ -12077,7 +11585,7 @@
                     <a16:creationId xmlns:a16="http://schemas.microsoft.com/office/drawing/2014/main" id="{51ED6412-8EBC-4680-B7D2-65A4F73BBBD2}"/>
                   </a:ext>
                   <a:ext uri="{C183D7F6-B498-43B3-948B-1728B52AA6E4}">
-                    <adec:decorative xmlns:adec="http://schemas.microsoft.com/office/drawing/2017/decorative" xmlns="" val="1"/>
+                    <adec:decorative xmlns:adec="http://schemas.microsoft.com/office/drawing/2017/decorative" val="1"/>
                   </a:ext>
                 </a:extLst>
               </p:cNvPr>
@@ -12129,7 +11637,7 @@
                     <a16:creationId xmlns:a16="http://schemas.microsoft.com/office/drawing/2014/main" id="{2983F033-A214-4959-956E-4B50B7AC660C}"/>
                   </a:ext>
                   <a:ext uri="{C183D7F6-B498-43B3-948B-1728B52AA6E4}">
-                    <adec:decorative xmlns:adec="http://schemas.microsoft.com/office/drawing/2017/decorative" xmlns="" val="1"/>
+                    <adec:decorative xmlns:adec="http://schemas.microsoft.com/office/drawing/2017/decorative" val="1"/>
                   </a:ext>
                 </a:extLst>
               </p:cNvPr>
@@ -12181,7 +11689,7 @@
                     <a16:creationId xmlns:a16="http://schemas.microsoft.com/office/drawing/2014/main" id="{A77F30C3-5A8C-4BEB-95C1-A7B9C0961F3C}"/>
                   </a:ext>
                   <a:ext uri="{C183D7F6-B498-43B3-948B-1728B52AA6E4}">
-                    <adec:decorative xmlns:adec="http://schemas.microsoft.com/office/drawing/2017/decorative" xmlns="" val="1"/>
+                    <adec:decorative xmlns:adec="http://schemas.microsoft.com/office/drawing/2017/decorative" val="1"/>
                   </a:ext>
                 </a:extLst>
               </p:cNvPr>
@@ -12233,7 +11741,7 @@
                     <a16:creationId xmlns:a16="http://schemas.microsoft.com/office/drawing/2014/main" id="{99A432F5-9A86-437C-8108-7945FA72EC46}"/>
                   </a:ext>
                   <a:ext uri="{C183D7F6-B498-43B3-948B-1728B52AA6E4}">
-                    <adec:decorative xmlns:adec="http://schemas.microsoft.com/office/drawing/2017/decorative" xmlns="" val="1"/>
+                    <adec:decorative xmlns:adec="http://schemas.microsoft.com/office/drawing/2017/decorative" val="1"/>
                   </a:ext>
                 </a:extLst>
               </p:cNvPr>
@@ -12285,7 +11793,7 @@
                     <a16:creationId xmlns:a16="http://schemas.microsoft.com/office/drawing/2014/main" id="{4F8B1465-BA18-4D1C-ADED-D4BAA7638AA4}"/>
                   </a:ext>
                   <a:ext uri="{C183D7F6-B498-43B3-948B-1728B52AA6E4}">
-                    <adec:decorative xmlns:adec="http://schemas.microsoft.com/office/drawing/2017/decorative" xmlns="" val="1"/>
+                    <adec:decorative xmlns:adec="http://schemas.microsoft.com/office/drawing/2017/decorative" val="1"/>
                   </a:ext>
                 </a:extLst>
               </p:cNvPr>
@@ -12337,7 +11845,7 @@
                     <a16:creationId xmlns:a16="http://schemas.microsoft.com/office/drawing/2014/main" id="{45DD7842-E27E-4461-B9C8-63AD2F0C44F3}"/>
                   </a:ext>
                   <a:ext uri="{C183D7F6-B498-43B3-948B-1728B52AA6E4}">
-                    <adec:decorative xmlns:adec="http://schemas.microsoft.com/office/drawing/2017/decorative" xmlns="" val="1"/>
+                    <adec:decorative xmlns:adec="http://schemas.microsoft.com/office/drawing/2017/decorative" val="1"/>
                   </a:ext>
                 </a:extLst>
               </p:cNvPr>
@@ -12389,7 +11897,7 @@
                     <a16:creationId xmlns:a16="http://schemas.microsoft.com/office/drawing/2014/main" id="{3C45934F-49A5-4EDB-A9A3-5540D74AB1AB}"/>
                   </a:ext>
                   <a:ext uri="{C183D7F6-B498-43B3-948B-1728B52AA6E4}">
-                    <adec:decorative xmlns:adec="http://schemas.microsoft.com/office/drawing/2017/decorative" xmlns="" val="1"/>
+                    <adec:decorative xmlns:adec="http://schemas.microsoft.com/office/drawing/2017/decorative" val="1"/>
                   </a:ext>
                 </a:extLst>
               </p:cNvPr>
@@ -12441,7 +11949,7 @@
                     <a16:creationId xmlns:a16="http://schemas.microsoft.com/office/drawing/2014/main" id="{EEF9B0E3-0DC0-4D03-A02B-8F62D905F4F5}"/>
                   </a:ext>
                   <a:ext uri="{C183D7F6-B498-43B3-948B-1728B52AA6E4}">
-                    <adec:decorative xmlns:adec="http://schemas.microsoft.com/office/drawing/2017/decorative" xmlns="" val="1"/>
+                    <adec:decorative xmlns:adec="http://schemas.microsoft.com/office/drawing/2017/decorative" val="1"/>
                   </a:ext>
                 </a:extLst>
               </p:cNvPr>
@@ -12493,7 +12001,7 @@
                     <a16:creationId xmlns:a16="http://schemas.microsoft.com/office/drawing/2014/main" id="{2B1998C4-BF81-4332-A399-AD43467F677F}"/>
                   </a:ext>
                   <a:ext uri="{C183D7F6-B498-43B3-948B-1728B52AA6E4}">
-                    <adec:decorative xmlns:adec="http://schemas.microsoft.com/office/drawing/2017/decorative" xmlns="" val="1"/>
+                    <adec:decorative xmlns:adec="http://schemas.microsoft.com/office/drawing/2017/decorative" val="1"/>
                   </a:ext>
                 </a:extLst>
               </p:cNvPr>
@@ -12545,7 +12053,7 @@
                     <a16:creationId xmlns:a16="http://schemas.microsoft.com/office/drawing/2014/main" id="{44CFAF52-7684-46F2-8DFD-70A7F36DB0E6}"/>
                   </a:ext>
                   <a:ext uri="{C183D7F6-B498-43B3-948B-1728B52AA6E4}">
-                    <adec:decorative xmlns:adec="http://schemas.microsoft.com/office/drawing/2017/decorative" xmlns="" val="1"/>
+                    <adec:decorative xmlns:adec="http://schemas.microsoft.com/office/drawing/2017/decorative" val="1"/>
                   </a:ext>
                 </a:extLst>
               </p:cNvPr>
@@ -12597,7 +12105,7 @@
                     <a16:creationId xmlns:a16="http://schemas.microsoft.com/office/drawing/2014/main" id="{93EFB5D1-BDF7-40B6-BBEA-D489CE79F154}"/>
                   </a:ext>
                   <a:ext uri="{C183D7F6-B498-43B3-948B-1728B52AA6E4}">
-                    <adec:decorative xmlns:adec="http://schemas.microsoft.com/office/drawing/2017/decorative" xmlns="" val="1"/>
+                    <adec:decorative xmlns:adec="http://schemas.microsoft.com/office/drawing/2017/decorative" val="1"/>
                   </a:ext>
                 </a:extLst>
               </p:cNvPr>
@@ -12649,7 +12157,7 @@
                     <a16:creationId xmlns:a16="http://schemas.microsoft.com/office/drawing/2014/main" id="{B5A98777-A259-461F-A9B2-21DFC45C179E}"/>
                   </a:ext>
                   <a:ext uri="{C183D7F6-B498-43B3-948B-1728B52AA6E4}">
-                    <adec:decorative xmlns:adec="http://schemas.microsoft.com/office/drawing/2017/decorative" xmlns="" val="1"/>
+                    <adec:decorative xmlns:adec="http://schemas.microsoft.com/office/drawing/2017/decorative" val="1"/>
                   </a:ext>
                 </a:extLst>
               </p:cNvPr>
@@ -12701,7 +12209,7 @@
                     <a16:creationId xmlns:a16="http://schemas.microsoft.com/office/drawing/2014/main" id="{0F795195-D966-482A-8D47-6265C00F6D00}"/>
                   </a:ext>
                   <a:ext uri="{C183D7F6-B498-43B3-948B-1728B52AA6E4}">
-                    <adec:decorative xmlns:adec="http://schemas.microsoft.com/office/drawing/2017/decorative" xmlns="" val="1"/>
+                    <adec:decorative xmlns:adec="http://schemas.microsoft.com/office/drawing/2017/decorative" val="1"/>
                   </a:ext>
                 </a:extLst>
               </p:cNvPr>
@@ -12753,7 +12261,7 @@
                     <a16:creationId xmlns:a16="http://schemas.microsoft.com/office/drawing/2014/main" id="{6E881E12-FFE1-441E-B36B-804289472BA7}"/>
                   </a:ext>
                   <a:ext uri="{C183D7F6-B498-43B3-948B-1728B52AA6E4}">
-                    <adec:decorative xmlns:adec="http://schemas.microsoft.com/office/drawing/2017/decorative" xmlns="" val="1"/>
+                    <adec:decorative xmlns:adec="http://schemas.microsoft.com/office/drawing/2017/decorative" val="1"/>
                   </a:ext>
                 </a:extLst>
               </p:cNvPr>
@@ -12805,7 +12313,7 @@
                     <a16:creationId xmlns:a16="http://schemas.microsoft.com/office/drawing/2014/main" id="{61DBEB97-C3B3-4646-9760-227E20B15557}"/>
                   </a:ext>
                   <a:ext uri="{C183D7F6-B498-43B3-948B-1728B52AA6E4}">
-                    <adec:decorative xmlns:adec="http://schemas.microsoft.com/office/drawing/2017/decorative" xmlns="" val="1"/>
+                    <adec:decorative xmlns:adec="http://schemas.microsoft.com/office/drawing/2017/decorative" val="1"/>
                   </a:ext>
                 </a:extLst>
               </p:cNvPr>
@@ -12857,7 +12365,7 @@
                     <a16:creationId xmlns:a16="http://schemas.microsoft.com/office/drawing/2014/main" id="{0BA17FBA-A611-4CA2-9CDC-E073B889C4CA}"/>
                   </a:ext>
                   <a:ext uri="{C183D7F6-B498-43B3-948B-1728B52AA6E4}">
-                    <adec:decorative xmlns:adec="http://schemas.microsoft.com/office/drawing/2017/decorative" xmlns="" val="1"/>
+                    <adec:decorative xmlns:adec="http://schemas.microsoft.com/office/drawing/2017/decorative" val="1"/>
                   </a:ext>
                 </a:extLst>
               </p:cNvPr>
@@ -12909,7 +12417,7 @@
                     <a16:creationId xmlns:a16="http://schemas.microsoft.com/office/drawing/2014/main" id="{1B66F6D2-50DA-4E7A-8583-E9159CD9622E}"/>
                   </a:ext>
                   <a:ext uri="{C183D7F6-B498-43B3-948B-1728B52AA6E4}">
-                    <adec:decorative xmlns:adec="http://schemas.microsoft.com/office/drawing/2017/decorative" xmlns="" val="1"/>
+                    <adec:decorative xmlns:adec="http://schemas.microsoft.com/office/drawing/2017/decorative" val="1"/>
                   </a:ext>
                 </a:extLst>
               </p:cNvPr>
@@ -12961,7 +12469,7 @@
                     <a16:creationId xmlns:a16="http://schemas.microsoft.com/office/drawing/2014/main" id="{DD181CC7-8652-404A-B5C7-58004FD15F30}"/>
                   </a:ext>
                   <a:ext uri="{C183D7F6-B498-43B3-948B-1728B52AA6E4}">
-                    <adec:decorative xmlns:adec="http://schemas.microsoft.com/office/drawing/2017/decorative" xmlns="" val="1"/>
+                    <adec:decorative xmlns:adec="http://schemas.microsoft.com/office/drawing/2017/decorative" val="1"/>
                   </a:ext>
                 </a:extLst>
               </p:cNvPr>
@@ -13013,7 +12521,7 @@
                     <a16:creationId xmlns:a16="http://schemas.microsoft.com/office/drawing/2014/main" id="{75706D69-47CD-47E3-83C9-EDB4EAF58C8A}"/>
                   </a:ext>
                   <a:ext uri="{C183D7F6-B498-43B3-948B-1728B52AA6E4}">
-                    <adec:decorative xmlns:adec="http://schemas.microsoft.com/office/drawing/2017/decorative" xmlns="" val="1"/>
+                    <adec:decorative xmlns:adec="http://schemas.microsoft.com/office/drawing/2017/decorative" val="1"/>
                   </a:ext>
                 </a:extLst>
               </p:cNvPr>
@@ -13065,7 +12573,7 @@
                     <a16:creationId xmlns:a16="http://schemas.microsoft.com/office/drawing/2014/main" id="{2ADC21AA-CD21-436C-A9D7-DC4167E50082}"/>
                   </a:ext>
                   <a:ext uri="{C183D7F6-B498-43B3-948B-1728B52AA6E4}">
-                    <adec:decorative xmlns:adec="http://schemas.microsoft.com/office/drawing/2017/decorative" xmlns="" val="1"/>
+                    <adec:decorative xmlns:adec="http://schemas.microsoft.com/office/drawing/2017/decorative" val="1"/>
                   </a:ext>
                 </a:extLst>
               </p:cNvPr>
@@ -13117,7 +12625,7 @@
                     <a16:creationId xmlns:a16="http://schemas.microsoft.com/office/drawing/2014/main" id="{4702CCCC-772F-4AF1-8201-73C25371105B}"/>
                   </a:ext>
                   <a:ext uri="{C183D7F6-B498-43B3-948B-1728B52AA6E4}">
-                    <adec:decorative xmlns:adec="http://schemas.microsoft.com/office/drawing/2017/decorative" xmlns="" val="1"/>
+                    <adec:decorative xmlns:adec="http://schemas.microsoft.com/office/drawing/2017/decorative" val="1"/>
                   </a:ext>
                 </a:extLst>
               </p:cNvPr>
@@ -13169,7 +12677,7 @@
                     <a16:creationId xmlns:a16="http://schemas.microsoft.com/office/drawing/2014/main" id="{62AAD2B7-288B-42CF-804B-E33B84D747A6}"/>
                   </a:ext>
                   <a:ext uri="{C183D7F6-B498-43B3-948B-1728B52AA6E4}">
-                    <adec:decorative xmlns:adec="http://schemas.microsoft.com/office/drawing/2017/decorative" xmlns="" val="1"/>
+                    <adec:decorative xmlns:adec="http://schemas.microsoft.com/office/drawing/2017/decorative" val="1"/>
                   </a:ext>
                 </a:extLst>
               </p:cNvPr>
@@ -13221,7 +12729,7 @@
                     <a16:creationId xmlns:a16="http://schemas.microsoft.com/office/drawing/2014/main" id="{D51CCD7B-95EB-4EE4-BAED-4308C80BF36E}"/>
                   </a:ext>
                   <a:ext uri="{C183D7F6-B498-43B3-948B-1728B52AA6E4}">
-                    <adec:decorative xmlns:adec="http://schemas.microsoft.com/office/drawing/2017/decorative" xmlns="" val="1"/>
+                    <adec:decorative xmlns:adec="http://schemas.microsoft.com/office/drawing/2017/decorative" val="1"/>
                   </a:ext>
                 </a:extLst>
               </p:cNvPr>
@@ -13273,7 +12781,7 @@
                     <a16:creationId xmlns:a16="http://schemas.microsoft.com/office/drawing/2014/main" id="{F92C4B5C-D0FB-4C0A-B5FA-2C7DDF7625CE}"/>
                   </a:ext>
                   <a:ext uri="{C183D7F6-B498-43B3-948B-1728B52AA6E4}">
-                    <adec:decorative xmlns:adec="http://schemas.microsoft.com/office/drawing/2017/decorative" xmlns="" val="1"/>
+                    <adec:decorative xmlns:adec="http://schemas.microsoft.com/office/drawing/2017/decorative" val="1"/>
                   </a:ext>
                 </a:extLst>
               </p:cNvPr>
@@ -13325,7 +12833,7 @@
                     <a16:creationId xmlns:a16="http://schemas.microsoft.com/office/drawing/2014/main" id="{64D2931E-A280-496D-99C1-5C2A820CB4D8}"/>
                   </a:ext>
                   <a:ext uri="{C183D7F6-B498-43B3-948B-1728B52AA6E4}">
-                    <adec:decorative xmlns:adec="http://schemas.microsoft.com/office/drawing/2017/decorative" xmlns="" val="1"/>
+                    <adec:decorative xmlns:adec="http://schemas.microsoft.com/office/drawing/2017/decorative" val="1"/>
                   </a:ext>
                 </a:extLst>
               </p:cNvPr>
@@ -13377,7 +12885,7 @@
                     <a16:creationId xmlns:a16="http://schemas.microsoft.com/office/drawing/2014/main" id="{ED33CBE3-55B1-43CF-96B9-2E994EBCEA31}"/>
                   </a:ext>
                   <a:ext uri="{C183D7F6-B498-43B3-948B-1728B52AA6E4}">
-                    <adec:decorative xmlns:adec="http://schemas.microsoft.com/office/drawing/2017/decorative" xmlns="" val="1"/>
+                    <adec:decorative xmlns:adec="http://schemas.microsoft.com/office/drawing/2017/decorative" val="1"/>
                   </a:ext>
                 </a:extLst>
               </p:cNvPr>
@@ -13429,7 +12937,7 @@
                     <a16:creationId xmlns:a16="http://schemas.microsoft.com/office/drawing/2014/main" id="{16C6D563-A48C-4E6B-AE46-2CCE38A66019}"/>
                   </a:ext>
                   <a:ext uri="{C183D7F6-B498-43B3-948B-1728B52AA6E4}">
-                    <adec:decorative xmlns:adec="http://schemas.microsoft.com/office/drawing/2017/decorative" xmlns="" val="1"/>
+                    <adec:decorative xmlns:adec="http://schemas.microsoft.com/office/drawing/2017/decorative" val="1"/>
                   </a:ext>
                 </a:extLst>
               </p:cNvPr>
@@ -13481,7 +12989,7 @@
                     <a16:creationId xmlns:a16="http://schemas.microsoft.com/office/drawing/2014/main" id="{AD0ABECB-C92E-4F76-89A6-1334939CDF83}"/>
                   </a:ext>
                   <a:ext uri="{C183D7F6-B498-43B3-948B-1728B52AA6E4}">
-                    <adec:decorative xmlns:adec="http://schemas.microsoft.com/office/drawing/2017/decorative" xmlns="" val="1"/>
+                    <adec:decorative xmlns:adec="http://schemas.microsoft.com/office/drawing/2017/decorative" val="1"/>
                   </a:ext>
                 </a:extLst>
               </p:cNvPr>
@@ -13533,7 +13041,7 @@
                     <a16:creationId xmlns:a16="http://schemas.microsoft.com/office/drawing/2014/main" id="{8C258514-FFA8-4DE3-9B25-D55705AC3BDA}"/>
                   </a:ext>
                   <a:ext uri="{C183D7F6-B498-43B3-948B-1728B52AA6E4}">
-                    <adec:decorative xmlns:adec="http://schemas.microsoft.com/office/drawing/2017/decorative" xmlns="" val="1"/>
+                    <adec:decorative xmlns:adec="http://schemas.microsoft.com/office/drawing/2017/decorative" val="1"/>
                   </a:ext>
                 </a:extLst>
               </p:cNvPr>
@@ -13585,7 +13093,7 @@
                     <a16:creationId xmlns:a16="http://schemas.microsoft.com/office/drawing/2014/main" id="{C2B9E312-EEBF-4783-B25E-D7DD0D6E7120}"/>
                   </a:ext>
                   <a:ext uri="{C183D7F6-B498-43B3-948B-1728B52AA6E4}">
-                    <adec:decorative xmlns:adec="http://schemas.microsoft.com/office/drawing/2017/decorative" xmlns="" val="1"/>
+                    <adec:decorative xmlns:adec="http://schemas.microsoft.com/office/drawing/2017/decorative" val="1"/>
                   </a:ext>
                 </a:extLst>
               </p:cNvPr>
@@ -13637,7 +13145,7 @@
                     <a16:creationId xmlns:a16="http://schemas.microsoft.com/office/drawing/2014/main" id="{7CB21139-A4D5-4D0F-9AD0-868FFC4240F0}"/>
                   </a:ext>
                   <a:ext uri="{C183D7F6-B498-43B3-948B-1728B52AA6E4}">
-                    <adec:decorative xmlns:adec="http://schemas.microsoft.com/office/drawing/2017/decorative" xmlns="" val="1"/>
+                    <adec:decorative xmlns:adec="http://schemas.microsoft.com/office/drawing/2017/decorative" val="1"/>
                   </a:ext>
                 </a:extLst>
               </p:cNvPr>
@@ -13689,7 +13197,7 @@
                     <a16:creationId xmlns:a16="http://schemas.microsoft.com/office/drawing/2014/main" id="{E72FF9AC-BC86-42FD-8DF7-72429C958CA8}"/>
                   </a:ext>
                   <a:ext uri="{C183D7F6-B498-43B3-948B-1728B52AA6E4}">
-                    <adec:decorative xmlns:adec="http://schemas.microsoft.com/office/drawing/2017/decorative" xmlns="" val="1"/>
+                    <adec:decorative xmlns:adec="http://schemas.microsoft.com/office/drawing/2017/decorative" val="1"/>
                   </a:ext>
                 </a:extLst>
               </p:cNvPr>
@@ -13741,7 +13249,7 @@
                     <a16:creationId xmlns:a16="http://schemas.microsoft.com/office/drawing/2014/main" id="{23D09EAB-27F8-4FAC-91C2-4942ABA74085}"/>
                   </a:ext>
                   <a:ext uri="{C183D7F6-B498-43B3-948B-1728B52AA6E4}">
-                    <adec:decorative xmlns:adec="http://schemas.microsoft.com/office/drawing/2017/decorative" xmlns="" val="1"/>
+                    <adec:decorative xmlns:adec="http://schemas.microsoft.com/office/drawing/2017/decorative" val="1"/>
                   </a:ext>
                 </a:extLst>
               </p:cNvPr>
@@ -13793,7 +13301,7 @@
                     <a16:creationId xmlns:a16="http://schemas.microsoft.com/office/drawing/2014/main" id="{10D82CB2-C309-4CCD-9FB1-EF8F4407ECC9}"/>
                   </a:ext>
                   <a:ext uri="{C183D7F6-B498-43B3-948B-1728B52AA6E4}">
-                    <adec:decorative xmlns:adec="http://schemas.microsoft.com/office/drawing/2017/decorative" xmlns="" val="1"/>
+                    <adec:decorative xmlns:adec="http://schemas.microsoft.com/office/drawing/2017/decorative" val="1"/>
                   </a:ext>
                 </a:extLst>
               </p:cNvPr>
@@ -13845,7 +13353,7 @@
                     <a16:creationId xmlns:a16="http://schemas.microsoft.com/office/drawing/2014/main" id="{3625D6FE-BC58-4E33-B4E9-282D5CB75E05}"/>
                   </a:ext>
                   <a:ext uri="{C183D7F6-B498-43B3-948B-1728B52AA6E4}">
-                    <adec:decorative xmlns:adec="http://schemas.microsoft.com/office/drawing/2017/decorative" xmlns="" val="1"/>
+                    <adec:decorative xmlns:adec="http://schemas.microsoft.com/office/drawing/2017/decorative" val="1"/>
                   </a:ext>
                 </a:extLst>
               </p:cNvPr>
@@ -13897,7 +13405,7 @@
                     <a16:creationId xmlns:a16="http://schemas.microsoft.com/office/drawing/2014/main" id="{2158CF66-DCD3-4627-9675-61B42A303719}"/>
                   </a:ext>
                   <a:ext uri="{C183D7F6-B498-43B3-948B-1728B52AA6E4}">
-                    <adec:decorative xmlns:adec="http://schemas.microsoft.com/office/drawing/2017/decorative" xmlns="" val="1"/>
+                    <adec:decorative xmlns:adec="http://schemas.microsoft.com/office/drawing/2017/decorative" val="1"/>
                   </a:ext>
                 </a:extLst>
               </p:cNvPr>
@@ -13949,7 +13457,7 @@
                     <a16:creationId xmlns:a16="http://schemas.microsoft.com/office/drawing/2014/main" id="{44ED85B9-D0C1-4222-B4BC-E81876EC3883}"/>
                   </a:ext>
                   <a:ext uri="{C183D7F6-B498-43B3-948B-1728B52AA6E4}">
-                    <adec:decorative xmlns:adec="http://schemas.microsoft.com/office/drawing/2017/decorative" xmlns="" val="1"/>
+                    <adec:decorative xmlns:adec="http://schemas.microsoft.com/office/drawing/2017/decorative" val="1"/>
                   </a:ext>
                 </a:extLst>
               </p:cNvPr>
@@ -14001,7 +13509,7 @@
                     <a16:creationId xmlns:a16="http://schemas.microsoft.com/office/drawing/2014/main" id="{1299F075-06C0-46B8-A3F7-1D7E8D6001DB}"/>
                   </a:ext>
                   <a:ext uri="{C183D7F6-B498-43B3-948B-1728B52AA6E4}">
-                    <adec:decorative xmlns:adec="http://schemas.microsoft.com/office/drawing/2017/decorative" xmlns="" val="1"/>
+                    <adec:decorative xmlns:adec="http://schemas.microsoft.com/office/drawing/2017/decorative" val="1"/>
                   </a:ext>
                 </a:extLst>
               </p:cNvPr>
@@ -14053,7 +13561,7 @@
                     <a16:creationId xmlns:a16="http://schemas.microsoft.com/office/drawing/2014/main" id="{AEA87578-2C04-4651-A5BF-81D06050C9F3}"/>
                   </a:ext>
                   <a:ext uri="{C183D7F6-B498-43B3-948B-1728B52AA6E4}">
-                    <adec:decorative xmlns:adec="http://schemas.microsoft.com/office/drawing/2017/decorative" xmlns="" val="1"/>
+                    <adec:decorative xmlns:adec="http://schemas.microsoft.com/office/drawing/2017/decorative" val="1"/>
                   </a:ext>
                 </a:extLst>
               </p:cNvPr>
@@ -14105,7 +13613,7 @@
                     <a16:creationId xmlns:a16="http://schemas.microsoft.com/office/drawing/2014/main" id="{12A8551E-D8EB-40F2-AD25-87484A17D2F1}"/>
                   </a:ext>
                   <a:ext uri="{C183D7F6-B498-43B3-948B-1728B52AA6E4}">
-                    <adec:decorative xmlns:adec="http://schemas.microsoft.com/office/drawing/2017/decorative" xmlns="" val="1"/>
+                    <adec:decorative xmlns:adec="http://schemas.microsoft.com/office/drawing/2017/decorative" val="1"/>
                   </a:ext>
                 </a:extLst>
               </p:cNvPr>
@@ -14157,7 +13665,7 @@
                     <a16:creationId xmlns:a16="http://schemas.microsoft.com/office/drawing/2014/main" id="{AC1E0E32-3B75-404A-9165-573378250855}"/>
                   </a:ext>
                   <a:ext uri="{C183D7F6-B498-43B3-948B-1728B52AA6E4}">
-                    <adec:decorative xmlns:adec="http://schemas.microsoft.com/office/drawing/2017/decorative" xmlns="" val="1"/>
+                    <adec:decorative xmlns:adec="http://schemas.microsoft.com/office/drawing/2017/decorative" val="1"/>
                   </a:ext>
                 </a:extLst>
               </p:cNvPr>
@@ -14209,7 +13717,7 @@
                     <a16:creationId xmlns:a16="http://schemas.microsoft.com/office/drawing/2014/main" id="{4A410333-16BA-443A-B24F-418ED7753666}"/>
                   </a:ext>
                   <a:ext uri="{C183D7F6-B498-43B3-948B-1728B52AA6E4}">
-                    <adec:decorative xmlns:adec="http://schemas.microsoft.com/office/drawing/2017/decorative" xmlns="" val="1"/>
+                    <adec:decorative xmlns:adec="http://schemas.microsoft.com/office/drawing/2017/decorative" val="1"/>
                   </a:ext>
                 </a:extLst>
               </p:cNvPr>
@@ -14261,7 +13769,7 @@
                     <a16:creationId xmlns:a16="http://schemas.microsoft.com/office/drawing/2014/main" id="{271589D1-7914-4EA7-B6B4-C1E7EA5FE674}"/>
                   </a:ext>
                   <a:ext uri="{C183D7F6-B498-43B3-948B-1728B52AA6E4}">
-                    <adec:decorative xmlns:adec="http://schemas.microsoft.com/office/drawing/2017/decorative" xmlns="" val="1"/>
+                    <adec:decorative xmlns:adec="http://schemas.microsoft.com/office/drawing/2017/decorative" val="1"/>
                   </a:ext>
                 </a:extLst>
               </p:cNvPr>
@@ -14313,7 +13821,7 @@
                     <a16:creationId xmlns:a16="http://schemas.microsoft.com/office/drawing/2014/main" id="{E62A5ACA-F5D5-41F3-9549-06DB799C4D17}"/>
                   </a:ext>
                   <a:ext uri="{C183D7F6-B498-43B3-948B-1728B52AA6E4}">
-                    <adec:decorative xmlns:adec="http://schemas.microsoft.com/office/drawing/2017/decorative" xmlns="" val="1"/>
+                    <adec:decorative xmlns:adec="http://schemas.microsoft.com/office/drawing/2017/decorative" val="1"/>
                   </a:ext>
                 </a:extLst>
               </p:cNvPr>
@@ -14365,7 +13873,7 @@
                     <a16:creationId xmlns:a16="http://schemas.microsoft.com/office/drawing/2014/main" id="{EA254CA6-3565-4CD0-8BEB-C94A533C0113}"/>
                   </a:ext>
                   <a:ext uri="{C183D7F6-B498-43B3-948B-1728B52AA6E4}">
-                    <adec:decorative xmlns:adec="http://schemas.microsoft.com/office/drawing/2017/decorative" xmlns="" val="1"/>
+                    <adec:decorative xmlns:adec="http://schemas.microsoft.com/office/drawing/2017/decorative" val="1"/>
                   </a:ext>
                 </a:extLst>
               </p:cNvPr>
@@ -14417,7 +13925,7 @@
                     <a16:creationId xmlns:a16="http://schemas.microsoft.com/office/drawing/2014/main" id="{E62203F9-E5BE-44F8-8D43-31EEF85E9221}"/>
                   </a:ext>
                   <a:ext uri="{C183D7F6-B498-43B3-948B-1728B52AA6E4}">
-                    <adec:decorative xmlns:adec="http://schemas.microsoft.com/office/drawing/2017/decorative" xmlns="" val="1"/>
+                    <adec:decorative xmlns:adec="http://schemas.microsoft.com/office/drawing/2017/decorative" val="1"/>
                   </a:ext>
                 </a:extLst>
               </p:cNvPr>
@@ -14469,7 +13977,7 @@
                     <a16:creationId xmlns:a16="http://schemas.microsoft.com/office/drawing/2014/main" id="{FC43FC58-4722-4D22-88C1-652EB1658511}"/>
                   </a:ext>
                   <a:ext uri="{C183D7F6-B498-43B3-948B-1728B52AA6E4}">
-                    <adec:decorative xmlns:adec="http://schemas.microsoft.com/office/drawing/2017/decorative" xmlns="" val="1"/>
+                    <adec:decorative xmlns:adec="http://schemas.microsoft.com/office/drawing/2017/decorative" val="1"/>
                   </a:ext>
                 </a:extLst>
               </p:cNvPr>
@@ -14521,7 +14029,7 @@
                     <a16:creationId xmlns:a16="http://schemas.microsoft.com/office/drawing/2014/main" id="{D4C87F1C-06F8-43CD-8920-F525A5504B52}"/>
                   </a:ext>
                   <a:ext uri="{C183D7F6-B498-43B3-948B-1728B52AA6E4}">
-                    <adec:decorative xmlns:adec="http://schemas.microsoft.com/office/drawing/2017/decorative" xmlns="" val="1"/>
+                    <adec:decorative xmlns:adec="http://schemas.microsoft.com/office/drawing/2017/decorative" val="1"/>
                   </a:ext>
                 </a:extLst>
               </p:cNvPr>
@@ -14573,7 +14081,7 @@
                     <a16:creationId xmlns:a16="http://schemas.microsoft.com/office/drawing/2014/main" id="{F75BF2BA-0DFF-4812-986E-9F2286A9F464}"/>
                   </a:ext>
                   <a:ext uri="{C183D7F6-B498-43B3-948B-1728B52AA6E4}">
-                    <adec:decorative xmlns:adec="http://schemas.microsoft.com/office/drawing/2017/decorative" xmlns="" val="1"/>
+                    <adec:decorative xmlns:adec="http://schemas.microsoft.com/office/drawing/2017/decorative" val="1"/>
                   </a:ext>
                 </a:extLst>
               </p:cNvPr>
@@ -14625,7 +14133,7 @@
                     <a16:creationId xmlns:a16="http://schemas.microsoft.com/office/drawing/2014/main" id="{7B79CBCB-DE00-4F16-A2FC-E54EF816BA34}"/>
                   </a:ext>
                   <a:ext uri="{C183D7F6-B498-43B3-948B-1728B52AA6E4}">
-                    <adec:decorative xmlns:adec="http://schemas.microsoft.com/office/drawing/2017/decorative" xmlns="" val="1"/>
+                    <adec:decorative xmlns:adec="http://schemas.microsoft.com/office/drawing/2017/decorative" val="1"/>
                   </a:ext>
                 </a:extLst>
               </p:cNvPr>
@@ -14677,7 +14185,7 @@
                     <a16:creationId xmlns:a16="http://schemas.microsoft.com/office/drawing/2014/main" id="{DEA1374B-AC49-4266-965E-1F9CD9E53BC3}"/>
                   </a:ext>
                   <a:ext uri="{C183D7F6-B498-43B3-948B-1728B52AA6E4}">
-                    <adec:decorative xmlns:adec="http://schemas.microsoft.com/office/drawing/2017/decorative" xmlns="" val="1"/>
+                    <adec:decorative xmlns:adec="http://schemas.microsoft.com/office/drawing/2017/decorative" val="1"/>
                   </a:ext>
                 </a:extLst>
               </p:cNvPr>
@@ -14729,7 +14237,7 @@
                     <a16:creationId xmlns:a16="http://schemas.microsoft.com/office/drawing/2014/main" id="{325DE178-9F40-48D5-B0A9-4B0324742253}"/>
                   </a:ext>
                   <a:ext uri="{C183D7F6-B498-43B3-948B-1728B52AA6E4}">
-                    <adec:decorative xmlns:adec="http://schemas.microsoft.com/office/drawing/2017/decorative" xmlns="" val="1"/>
+                    <adec:decorative xmlns:adec="http://schemas.microsoft.com/office/drawing/2017/decorative" val="1"/>
                   </a:ext>
                 </a:extLst>
               </p:cNvPr>
@@ -14783,7 +14291,7 @@
                 <a16:creationId xmlns:a16="http://schemas.microsoft.com/office/drawing/2014/main" id="{29858C9E-401F-4216-8087-A25D1B58814D}"/>
               </a:ext>
               <a:ext uri="{C183D7F6-B498-43B3-948B-1728B52AA6E4}">
-                <adec:decorative xmlns:adec="http://schemas.microsoft.com/office/drawing/2017/decorative" xmlns="" val="1"/>
+                <adec:decorative xmlns:adec="http://schemas.microsoft.com/office/drawing/2017/decorative" val="1"/>
               </a:ext>
             </a:extLst>
           </p:cNvPr>
@@ -14814,7 +14322,7 @@
                   <a16:creationId xmlns:a16="http://schemas.microsoft.com/office/drawing/2014/main" id="{D963FBC5-E6AD-44F8-AF49-6F5B5BF9DB39}"/>
                 </a:ext>
                 <a:ext uri="{C183D7F6-B498-43B3-948B-1728B52AA6E4}">
-                  <adec:decorative xmlns:adec="http://schemas.microsoft.com/office/drawing/2017/decorative" xmlns="" val="1"/>
+                  <adec:decorative xmlns:adec="http://schemas.microsoft.com/office/drawing/2017/decorative" val="1"/>
                 </a:ext>
               </a:extLst>
             </p:cNvPr>
@@ -15004,7 +14512,7 @@
                   <a16:creationId xmlns:a16="http://schemas.microsoft.com/office/drawing/2014/main" id="{EF1F68DE-2C0A-4FBF-8033-8DFBB75AE20F}"/>
                 </a:ext>
                 <a:ext uri="{C183D7F6-B498-43B3-948B-1728B52AA6E4}">
-                  <adec:decorative xmlns:adec="http://schemas.microsoft.com/office/drawing/2017/decorative" xmlns="" val="1"/>
+                  <adec:decorative xmlns:adec="http://schemas.microsoft.com/office/drawing/2017/decorative" val="1"/>
                 </a:ext>
               </a:extLst>
             </p:cNvPr>
@@ -15033,7 +14541,7 @@
                     <a16:creationId xmlns:a16="http://schemas.microsoft.com/office/drawing/2014/main" id="{1C147FEA-3E5D-4830-B91C-78418FE209F4}"/>
                   </a:ext>
                   <a:ext uri="{C183D7F6-B498-43B3-948B-1728B52AA6E4}">
-                    <adec:decorative xmlns:adec="http://schemas.microsoft.com/office/drawing/2017/decorative" xmlns="" val="1"/>
+                    <adec:decorative xmlns:adec="http://schemas.microsoft.com/office/drawing/2017/decorative" val="1"/>
                   </a:ext>
                 </a:extLst>
               </p:cNvPr>
@@ -15085,7 +14593,7 @@
                     <a16:creationId xmlns:a16="http://schemas.microsoft.com/office/drawing/2014/main" id="{C91F075D-8726-4FD6-BE73-EDCD7607303C}"/>
                   </a:ext>
                   <a:ext uri="{C183D7F6-B498-43B3-948B-1728B52AA6E4}">
-                    <adec:decorative xmlns:adec="http://schemas.microsoft.com/office/drawing/2017/decorative" xmlns="" val="1"/>
+                    <adec:decorative xmlns:adec="http://schemas.microsoft.com/office/drawing/2017/decorative" val="1"/>
                   </a:ext>
                 </a:extLst>
               </p:cNvPr>
@@ -15137,7 +14645,7 @@
                     <a16:creationId xmlns:a16="http://schemas.microsoft.com/office/drawing/2014/main" id="{0BDE3685-352D-4E32-9662-2C6C92E20FAB}"/>
                   </a:ext>
                   <a:ext uri="{C183D7F6-B498-43B3-948B-1728B52AA6E4}">
-                    <adec:decorative xmlns:adec="http://schemas.microsoft.com/office/drawing/2017/decorative" xmlns="" val="1"/>
+                    <adec:decorative xmlns:adec="http://schemas.microsoft.com/office/drawing/2017/decorative" val="1"/>
                   </a:ext>
                 </a:extLst>
               </p:cNvPr>
@@ -15189,7 +14697,7 @@
                     <a16:creationId xmlns:a16="http://schemas.microsoft.com/office/drawing/2014/main" id="{10A2922F-AA86-4B02-80C4-409D71A0AD79}"/>
                   </a:ext>
                   <a:ext uri="{C183D7F6-B498-43B3-948B-1728B52AA6E4}">
-                    <adec:decorative xmlns:adec="http://schemas.microsoft.com/office/drawing/2017/decorative" xmlns="" val="1"/>
+                    <adec:decorative xmlns:adec="http://schemas.microsoft.com/office/drawing/2017/decorative" val="1"/>
                   </a:ext>
                 </a:extLst>
               </p:cNvPr>
@@ -15241,7 +14749,7 @@
                     <a16:creationId xmlns:a16="http://schemas.microsoft.com/office/drawing/2014/main" id="{A23C72B0-E133-40CF-A094-E239AD994B22}"/>
                   </a:ext>
                   <a:ext uri="{C183D7F6-B498-43B3-948B-1728B52AA6E4}">
-                    <adec:decorative xmlns:adec="http://schemas.microsoft.com/office/drawing/2017/decorative" xmlns="" val="1"/>
+                    <adec:decorative xmlns:adec="http://schemas.microsoft.com/office/drawing/2017/decorative" val="1"/>
                   </a:ext>
                 </a:extLst>
               </p:cNvPr>
@@ -15293,7 +14801,7 @@
                     <a16:creationId xmlns:a16="http://schemas.microsoft.com/office/drawing/2014/main" id="{63F2DFC9-23E2-4429-911D-AA55B034054A}"/>
                   </a:ext>
                   <a:ext uri="{C183D7F6-B498-43B3-948B-1728B52AA6E4}">
-                    <adec:decorative xmlns:adec="http://schemas.microsoft.com/office/drawing/2017/decorative" xmlns="" val="1"/>
+                    <adec:decorative xmlns:adec="http://schemas.microsoft.com/office/drawing/2017/decorative" val="1"/>
                   </a:ext>
                 </a:extLst>
               </p:cNvPr>
@@ -15345,7 +14853,7 @@
                     <a16:creationId xmlns:a16="http://schemas.microsoft.com/office/drawing/2014/main" id="{E71590EC-7AA6-47B3-AFF5-6E9A1B8B1C7E}"/>
                   </a:ext>
                   <a:ext uri="{C183D7F6-B498-43B3-948B-1728B52AA6E4}">
-                    <adec:decorative xmlns:adec="http://schemas.microsoft.com/office/drawing/2017/decorative" xmlns="" val="1"/>
+                    <adec:decorative xmlns:adec="http://schemas.microsoft.com/office/drawing/2017/decorative" val="1"/>
                   </a:ext>
                 </a:extLst>
               </p:cNvPr>
@@ -15397,7 +14905,7 @@
                     <a16:creationId xmlns:a16="http://schemas.microsoft.com/office/drawing/2014/main" id="{23C6AC81-5D5E-4224-B222-B731E90F1C73}"/>
                   </a:ext>
                   <a:ext uri="{C183D7F6-B498-43B3-948B-1728B52AA6E4}">
-                    <adec:decorative xmlns:adec="http://schemas.microsoft.com/office/drawing/2017/decorative" xmlns="" val="1"/>
+                    <adec:decorative xmlns:adec="http://schemas.microsoft.com/office/drawing/2017/decorative" val="1"/>
                   </a:ext>
                 </a:extLst>
               </p:cNvPr>
@@ -15449,7 +14957,7 @@
                     <a16:creationId xmlns:a16="http://schemas.microsoft.com/office/drawing/2014/main" id="{164FB43F-3082-49BF-A7C5-72A42773D432}"/>
                   </a:ext>
                   <a:ext uri="{C183D7F6-B498-43B3-948B-1728B52AA6E4}">
-                    <adec:decorative xmlns:adec="http://schemas.microsoft.com/office/drawing/2017/decorative" xmlns="" val="1"/>
+                    <adec:decorative xmlns:adec="http://schemas.microsoft.com/office/drawing/2017/decorative" val="1"/>
                   </a:ext>
                 </a:extLst>
               </p:cNvPr>
@@ -15501,7 +15009,7 @@
                     <a16:creationId xmlns:a16="http://schemas.microsoft.com/office/drawing/2014/main" id="{C9F3EE03-5655-4428-86AC-F579E8F339B2}"/>
                   </a:ext>
                   <a:ext uri="{C183D7F6-B498-43B3-948B-1728B52AA6E4}">
-                    <adec:decorative xmlns:adec="http://schemas.microsoft.com/office/drawing/2017/decorative" xmlns="" val="1"/>
+                    <adec:decorative xmlns:adec="http://schemas.microsoft.com/office/drawing/2017/decorative" val="1"/>
                   </a:ext>
                 </a:extLst>
               </p:cNvPr>
@@ -15553,7 +15061,7 @@
                     <a16:creationId xmlns:a16="http://schemas.microsoft.com/office/drawing/2014/main" id="{EF7335E6-5FFD-4206-9AF0-1791A88C9A02}"/>
                   </a:ext>
                   <a:ext uri="{C183D7F6-B498-43B3-948B-1728B52AA6E4}">
-                    <adec:decorative xmlns:adec="http://schemas.microsoft.com/office/drawing/2017/decorative" xmlns="" val="1"/>
+                    <adec:decorative xmlns:adec="http://schemas.microsoft.com/office/drawing/2017/decorative" val="1"/>
                   </a:ext>
                 </a:extLst>
               </p:cNvPr>
@@ -15605,7 +15113,7 @@
                     <a16:creationId xmlns:a16="http://schemas.microsoft.com/office/drawing/2014/main" id="{CE837EB7-EE63-4B6B-9334-1B8055AD9F30}"/>
                   </a:ext>
                   <a:ext uri="{C183D7F6-B498-43B3-948B-1728B52AA6E4}">
-                    <adec:decorative xmlns:adec="http://schemas.microsoft.com/office/drawing/2017/decorative" xmlns="" val="1"/>
+                    <adec:decorative xmlns:adec="http://schemas.microsoft.com/office/drawing/2017/decorative" val="1"/>
                   </a:ext>
                 </a:extLst>
               </p:cNvPr>
@@ -15657,7 +15165,7 @@
                     <a16:creationId xmlns:a16="http://schemas.microsoft.com/office/drawing/2014/main" id="{4EE8D5FB-B44C-43C8-A4F4-D786090733FA}"/>
                   </a:ext>
                   <a:ext uri="{C183D7F6-B498-43B3-948B-1728B52AA6E4}">
-                    <adec:decorative xmlns:adec="http://schemas.microsoft.com/office/drawing/2017/decorative" xmlns="" val="1"/>
+                    <adec:decorative xmlns:adec="http://schemas.microsoft.com/office/drawing/2017/decorative" val="1"/>
                   </a:ext>
                 </a:extLst>
               </p:cNvPr>
@@ -15709,7 +15217,7 @@
                     <a16:creationId xmlns:a16="http://schemas.microsoft.com/office/drawing/2014/main" id="{8847AA0E-6A2D-41F5-A9B5-3A2F3B87528C}"/>
                   </a:ext>
                   <a:ext uri="{C183D7F6-B498-43B3-948B-1728B52AA6E4}">
-                    <adec:decorative xmlns:adec="http://schemas.microsoft.com/office/drawing/2017/decorative" xmlns="" val="1"/>
+                    <adec:decorative xmlns:adec="http://schemas.microsoft.com/office/drawing/2017/decorative" val="1"/>
                   </a:ext>
                 </a:extLst>
               </p:cNvPr>
@@ -15761,7 +15269,7 @@
                     <a16:creationId xmlns:a16="http://schemas.microsoft.com/office/drawing/2014/main" id="{9E4D651B-C768-4CBE-B971-A3CA38D803F1}"/>
                   </a:ext>
                   <a:ext uri="{C183D7F6-B498-43B3-948B-1728B52AA6E4}">
-                    <adec:decorative xmlns:adec="http://schemas.microsoft.com/office/drawing/2017/decorative" xmlns="" val="1"/>
+                    <adec:decorative xmlns:adec="http://schemas.microsoft.com/office/drawing/2017/decorative" val="1"/>
                   </a:ext>
                 </a:extLst>
               </p:cNvPr>
@@ -15813,7 +15321,7 @@
                     <a16:creationId xmlns:a16="http://schemas.microsoft.com/office/drawing/2014/main" id="{913496D3-4182-4D80-9A16-89DBB7408616}"/>
                   </a:ext>
                   <a:ext uri="{C183D7F6-B498-43B3-948B-1728B52AA6E4}">
-                    <adec:decorative xmlns:adec="http://schemas.microsoft.com/office/drawing/2017/decorative" xmlns="" val="1"/>
+                    <adec:decorative xmlns:adec="http://schemas.microsoft.com/office/drawing/2017/decorative" val="1"/>
                   </a:ext>
                 </a:extLst>
               </p:cNvPr>
@@ -15865,7 +15373,7 @@
                     <a16:creationId xmlns:a16="http://schemas.microsoft.com/office/drawing/2014/main" id="{088D4C91-F0F7-4549-B54A-CC855FD3A788}"/>
                   </a:ext>
                   <a:ext uri="{C183D7F6-B498-43B3-948B-1728B52AA6E4}">
-                    <adec:decorative xmlns:adec="http://schemas.microsoft.com/office/drawing/2017/decorative" xmlns="" val="1"/>
+                    <adec:decorative xmlns:adec="http://schemas.microsoft.com/office/drawing/2017/decorative" val="1"/>
                   </a:ext>
                 </a:extLst>
               </p:cNvPr>
@@ -15917,7 +15425,7 @@
                     <a16:creationId xmlns:a16="http://schemas.microsoft.com/office/drawing/2014/main" id="{84885948-783E-4197-B942-2DDCD542EA66}"/>
                   </a:ext>
                   <a:ext uri="{C183D7F6-B498-43B3-948B-1728B52AA6E4}">
-                    <adec:decorative xmlns:adec="http://schemas.microsoft.com/office/drawing/2017/decorative" xmlns="" val="1"/>
+                    <adec:decorative xmlns:adec="http://schemas.microsoft.com/office/drawing/2017/decorative" val="1"/>
                   </a:ext>
                 </a:extLst>
               </p:cNvPr>
@@ -15969,7 +15477,7 @@
                     <a16:creationId xmlns:a16="http://schemas.microsoft.com/office/drawing/2014/main" id="{2837E330-008B-45A6-98A5-CE7D6FBBE10C}"/>
                   </a:ext>
                   <a:ext uri="{C183D7F6-B498-43B3-948B-1728B52AA6E4}">
-                    <adec:decorative xmlns:adec="http://schemas.microsoft.com/office/drawing/2017/decorative" xmlns="" val="1"/>
+                    <adec:decorative xmlns:adec="http://schemas.microsoft.com/office/drawing/2017/decorative" val="1"/>
                   </a:ext>
                 </a:extLst>
               </p:cNvPr>
@@ -16021,7 +15529,7 @@
                     <a16:creationId xmlns:a16="http://schemas.microsoft.com/office/drawing/2014/main" id="{DD807602-B947-4984-8017-D89F3B0ADBAF}"/>
                   </a:ext>
                   <a:ext uri="{C183D7F6-B498-43B3-948B-1728B52AA6E4}">
-                    <adec:decorative xmlns:adec="http://schemas.microsoft.com/office/drawing/2017/decorative" xmlns="" val="1"/>
+                    <adec:decorative xmlns:adec="http://schemas.microsoft.com/office/drawing/2017/decorative" val="1"/>
                   </a:ext>
                 </a:extLst>
               </p:cNvPr>
@@ -16073,7 +15581,7 @@
                     <a16:creationId xmlns:a16="http://schemas.microsoft.com/office/drawing/2014/main" id="{57AA37C4-9C24-41F1-98CA-BBD9BE159565}"/>
                   </a:ext>
                   <a:ext uri="{C183D7F6-B498-43B3-948B-1728B52AA6E4}">
-                    <adec:decorative xmlns:adec="http://schemas.microsoft.com/office/drawing/2017/decorative" xmlns="" val="1"/>
+                    <adec:decorative xmlns:adec="http://schemas.microsoft.com/office/drawing/2017/decorative" val="1"/>
                   </a:ext>
                 </a:extLst>
               </p:cNvPr>
@@ -16125,7 +15633,7 @@
                     <a16:creationId xmlns:a16="http://schemas.microsoft.com/office/drawing/2014/main" id="{692CF8CD-056F-4556-939F-1EFF0FECEC15}"/>
                   </a:ext>
                   <a:ext uri="{C183D7F6-B498-43B3-948B-1728B52AA6E4}">
-                    <adec:decorative xmlns:adec="http://schemas.microsoft.com/office/drawing/2017/decorative" xmlns="" val="1"/>
+                    <adec:decorative xmlns:adec="http://schemas.microsoft.com/office/drawing/2017/decorative" val="1"/>
                   </a:ext>
                 </a:extLst>
               </p:cNvPr>
@@ -16177,7 +15685,7 @@
                     <a16:creationId xmlns:a16="http://schemas.microsoft.com/office/drawing/2014/main" id="{A29F3FAC-18B2-4886-9A93-44B7AD01DF6E}"/>
                   </a:ext>
                   <a:ext uri="{C183D7F6-B498-43B3-948B-1728B52AA6E4}">
-                    <adec:decorative xmlns:adec="http://schemas.microsoft.com/office/drawing/2017/decorative" xmlns="" val="1"/>
+                    <adec:decorative xmlns:adec="http://schemas.microsoft.com/office/drawing/2017/decorative" val="1"/>
                   </a:ext>
                 </a:extLst>
               </p:cNvPr>
@@ -16229,7 +15737,7 @@
                     <a16:creationId xmlns:a16="http://schemas.microsoft.com/office/drawing/2014/main" id="{35B536E5-4149-49B5-8119-04FF4A5ACF36}"/>
                   </a:ext>
                   <a:ext uri="{C183D7F6-B498-43B3-948B-1728B52AA6E4}">
-                    <adec:decorative xmlns:adec="http://schemas.microsoft.com/office/drawing/2017/decorative" xmlns="" val="1"/>
+                    <adec:decorative xmlns:adec="http://schemas.microsoft.com/office/drawing/2017/decorative" val="1"/>
                   </a:ext>
                 </a:extLst>
               </p:cNvPr>
@@ -16281,7 +15789,7 @@
                     <a16:creationId xmlns:a16="http://schemas.microsoft.com/office/drawing/2014/main" id="{4A2B8B6A-D5D3-4DAA-AB4B-A1C1086B408E}"/>
                   </a:ext>
                   <a:ext uri="{C183D7F6-B498-43B3-948B-1728B52AA6E4}">
-                    <adec:decorative xmlns:adec="http://schemas.microsoft.com/office/drawing/2017/decorative" xmlns="" val="1"/>
+                    <adec:decorative xmlns:adec="http://schemas.microsoft.com/office/drawing/2017/decorative" val="1"/>
                   </a:ext>
                 </a:extLst>
               </p:cNvPr>
@@ -16333,7 +15841,7 @@
                     <a16:creationId xmlns:a16="http://schemas.microsoft.com/office/drawing/2014/main" id="{F8E4C672-BE9E-4026-992B-B2FE6C13618B}"/>
                   </a:ext>
                   <a:ext uri="{C183D7F6-B498-43B3-948B-1728B52AA6E4}">
-                    <adec:decorative xmlns:adec="http://schemas.microsoft.com/office/drawing/2017/decorative" xmlns="" val="1"/>
+                    <adec:decorative xmlns:adec="http://schemas.microsoft.com/office/drawing/2017/decorative" val="1"/>
                   </a:ext>
                 </a:extLst>
               </p:cNvPr>
@@ -16385,7 +15893,7 @@
                     <a16:creationId xmlns:a16="http://schemas.microsoft.com/office/drawing/2014/main" id="{AC36DA4E-F1E7-4B68-ADA1-4F132BDCF231}"/>
                   </a:ext>
                   <a:ext uri="{C183D7F6-B498-43B3-948B-1728B52AA6E4}">
-                    <adec:decorative xmlns:adec="http://schemas.microsoft.com/office/drawing/2017/decorative" xmlns="" val="1"/>
+                    <adec:decorative xmlns:adec="http://schemas.microsoft.com/office/drawing/2017/decorative" val="1"/>
                   </a:ext>
                 </a:extLst>
               </p:cNvPr>
@@ -16437,7 +15945,7 @@
                     <a16:creationId xmlns:a16="http://schemas.microsoft.com/office/drawing/2014/main" id="{EB5D2532-6A77-4DE1-8BB0-37AA33FD9F28}"/>
                   </a:ext>
                   <a:ext uri="{C183D7F6-B498-43B3-948B-1728B52AA6E4}">
-                    <adec:decorative xmlns:adec="http://schemas.microsoft.com/office/drawing/2017/decorative" xmlns="" val="1"/>
+                    <adec:decorative xmlns:adec="http://schemas.microsoft.com/office/drawing/2017/decorative" val="1"/>
                   </a:ext>
                 </a:extLst>
               </p:cNvPr>
@@ -16489,7 +15997,7 @@
                     <a16:creationId xmlns:a16="http://schemas.microsoft.com/office/drawing/2014/main" id="{BF234A36-BE57-450D-BDA2-AD70152CF5C5}"/>
                   </a:ext>
                   <a:ext uri="{C183D7F6-B498-43B3-948B-1728B52AA6E4}">
-                    <adec:decorative xmlns:adec="http://schemas.microsoft.com/office/drawing/2017/decorative" xmlns="" val="1"/>
+                    <adec:decorative xmlns:adec="http://schemas.microsoft.com/office/drawing/2017/decorative" val="1"/>
                   </a:ext>
                 </a:extLst>
               </p:cNvPr>
@@ -16541,7 +16049,7 @@
                     <a16:creationId xmlns:a16="http://schemas.microsoft.com/office/drawing/2014/main" id="{D461473E-1290-4BD0-B4DF-3C95DCE0F615}"/>
                   </a:ext>
                   <a:ext uri="{C183D7F6-B498-43B3-948B-1728B52AA6E4}">
-                    <adec:decorative xmlns:adec="http://schemas.microsoft.com/office/drawing/2017/decorative" xmlns="" val="1"/>
+                    <adec:decorative xmlns:adec="http://schemas.microsoft.com/office/drawing/2017/decorative" val="1"/>
                   </a:ext>
                 </a:extLst>
               </p:cNvPr>
@@ -16593,7 +16101,7 @@
                     <a16:creationId xmlns:a16="http://schemas.microsoft.com/office/drawing/2014/main" id="{50325318-A62D-4427-B613-AF5E076E3D3D}"/>
                   </a:ext>
                   <a:ext uri="{C183D7F6-B498-43B3-948B-1728B52AA6E4}">
-                    <adec:decorative xmlns:adec="http://schemas.microsoft.com/office/drawing/2017/decorative" xmlns="" val="1"/>
+                    <adec:decorative xmlns:adec="http://schemas.microsoft.com/office/drawing/2017/decorative" val="1"/>
                   </a:ext>
                 </a:extLst>
               </p:cNvPr>
@@ -16645,7 +16153,7 @@
                     <a16:creationId xmlns:a16="http://schemas.microsoft.com/office/drawing/2014/main" id="{3F928DB9-6B46-43EF-A7CF-C4B9830CA51B}"/>
                   </a:ext>
                   <a:ext uri="{C183D7F6-B498-43B3-948B-1728B52AA6E4}">
-                    <adec:decorative xmlns:adec="http://schemas.microsoft.com/office/drawing/2017/decorative" xmlns="" val="1"/>
+                    <adec:decorative xmlns:adec="http://schemas.microsoft.com/office/drawing/2017/decorative" val="1"/>
                   </a:ext>
                 </a:extLst>
               </p:cNvPr>
@@ -16697,7 +16205,7 @@
                     <a16:creationId xmlns:a16="http://schemas.microsoft.com/office/drawing/2014/main" id="{BA011901-65F6-4D44-BD40-744878B6B2D1}"/>
                   </a:ext>
                   <a:ext uri="{C183D7F6-B498-43B3-948B-1728B52AA6E4}">
-                    <adec:decorative xmlns:adec="http://schemas.microsoft.com/office/drawing/2017/decorative" xmlns="" val="1"/>
+                    <adec:decorative xmlns:adec="http://schemas.microsoft.com/office/drawing/2017/decorative" val="1"/>
                   </a:ext>
                 </a:extLst>
               </p:cNvPr>
@@ -16749,7 +16257,7 @@
                     <a16:creationId xmlns:a16="http://schemas.microsoft.com/office/drawing/2014/main" id="{E838496B-B788-4873-9E1C-9B4442984E61}"/>
                   </a:ext>
                   <a:ext uri="{C183D7F6-B498-43B3-948B-1728B52AA6E4}">
-                    <adec:decorative xmlns:adec="http://schemas.microsoft.com/office/drawing/2017/decorative" xmlns="" val="1"/>
+                    <adec:decorative xmlns:adec="http://schemas.microsoft.com/office/drawing/2017/decorative" val="1"/>
                   </a:ext>
                 </a:extLst>
               </p:cNvPr>
@@ -16801,7 +16309,7 @@
                     <a16:creationId xmlns:a16="http://schemas.microsoft.com/office/drawing/2014/main" id="{A15262F7-23A5-4A6B-BD2C-44CF82ECDEEA}"/>
                   </a:ext>
                   <a:ext uri="{C183D7F6-B498-43B3-948B-1728B52AA6E4}">
-                    <adec:decorative xmlns:adec="http://schemas.microsoft.com/office/drawing/2017/decorative" xmlns="" val="1"/>
+                    <adec:decorative xmlns:adec="http://schemas.microsoft.com/office/drawing/2017/decorative" val="1"/>
                   </a:ext>
                 </a:extLst>
               </p:cNvPr>
@@ -16853,7 +16361,7 @@
                     <a16:creationId xmlns:a16="http://schemas.microsoft.com/office/drawing/2014/main" id="{B5857A42-75EB-4FF2-AF41-2D612A687D34}"/>
                   </a:ext>
                   <a:ext uri="{C183D7F6-B498-43B3-948B-1728B52AA6E4}">
-                    <adec:decorative xmlns:adec="http://schemas.microsoft.com/office/drawing/2017/decorative" xmlns="" val="1"/>
+                    <adec:decorative xmlns:adec="http://schemas.microsoft.com/office/drawing/2017/decorative" val="1"/>
                   </a:ext>
                 </a:extLst>
               </p:cNvPr>
@@ -16905,7 +16413,7 @@
                     <a16:creationId xmlns:a16="http://schemas.microsoft.com/office/drawing/2014/main" id="{3FC449E1-9573-406B-A201-3E897E668A4C}"/>
                   </a:ext>
                   <a:ext uri="{C183D7F6-B498-43B3-948B-1728B52AA6E4}">
-                    <adec:decorative xmlns:adec="http://schemas.microsoft.com/office/drawing/2017/decorative" xmlns="" val="1"/>
+                    <adec:decorative xmlns:adec="http://schemas.microsoft.com/office/drawing/2017/decorative" val="1"/>
                   </a:ext>
                 </a:extLst>
               </p:cNvPr>
@@ -16957,7 +16465,7 @@
                     <a16:creationId xmlns:a16="http://schemas.microsoft.com/office/drawing/2014/main" id="{71001847-954F-46EC-97E7-E38732517B9E}"/>
                   </a:ext>
                   <a:ext uri="{C183D7F6-B498-43B3-948B-1728B52AA6E4}">
-                    <adec:decorative xmlns:adec="http://schemas.microsoft.com/office/drawing/2017/decorative" xmlns="" val="1"/>
+                    <adec:decorative xmlns:adec="http://schemas.microsoft.com/office/drawing/2017/decorative" val="1"/>
                   </a:ext>
                 </a:extLst>
               </p:cNvPr>
@@ -17009,7 +16517,7 @@
                     <a16:creationId xmlns:a16="http://schemas.microsoft.com/office/drawing/2014/main" id="{F3B040FD-D427-4F90-8CFC-D4295224879A}"/>
                   </a:ext>
                   <a:ext uri="{C183D7F6-B498-43B3-948B-1728B52AA6E4}">
-                    <adec:decorative xmlns:adec="http://schemas.microsoft.com/office/drawing/2017/decorative" xmlns="" val="1"/>
+                    <adec:decorative xmlns:adec="http://schemas.microsoft.com/office/drawing/2017/decorative" val="1"/>
                   </a:ext>
                 </a:extLst>
               </p:cNvPr>
@@ -17061,7 +16569,7 @@
                     <a16:creationId xmlns:a16="http://schemas.microsoft.com/office/drawing/2014/main" id="{975C627A-78ED-4D2B-9F9E-26BE2C0A7503}"/>
                   </a:ext>
                   <a:ext uri="{C183D7F6-B498-43B3-948B-1728B52AA6E4}">
-                    <adec:decorative xmlns:adec="http://schemas.microsoft.com/office/drawing/2017/decorative" xmlns="" val="1"/>
+                    <adec:decorative xmlns:adec="http://schemas.microsoft.com/office/drawing/2017/decorative" val="1"/>
                   </a:ext>
                 </a:extLst>
               </p:cNvPr>
@@ -17113,7 +16621,7 @@
                     <a16:creationId xmlns:a16="http://schemas.microsoft.com/office/drawing/2014/main" id="{2523831A-B9F1-40EF-B113-873BEFA66099}"/>
                   </a:ext>
                   <a:ext uri="{C183D7F6-B498-43B3-948B-1728B52AA6E4}">
-                    <adec:decorative xmlns:adec="http://schemas.microsoft.com/office/drawing/2017/decorative" xmlns="" val="1"/>
+                    <adec:decorative xmlns:adec="http://schemas.microsoft.com/office/drawing/2017/decorative" val="1"/>
                   </a:ext>
                 </a:extLst>
               </p:cNvPr>
@@ -17165,7 +16673,7 @@
                     <a16:creationId xmlns:a16="http://schemas.microsoft.com/office/drawing/2014/main" id="{07483313-610C-403C-811D-EE70A78046D3}"/>
                   </a:ext>
                   <a:ext uri="{C183D7F6-B498-43B3-948B-1728B52AA6E4}">
-                    <adec:decorative xmlns:adec="http://schemas.microsoft.com/office/drawing/2017/decorative" xmlns="" val="1"/>
+                    <adec:decorative xmlns:adec="http://schemas.microsoft.com/office/drawing/2017/decorative" val="1"/>
                   </a:ext>
                 </a:extLst>
               </p:cNvPr>
@@ -17217,7 +16725,7 @@
                     <a16:creationId xmlns:a16="http://schemas.microsoft.com/office/drawing/2014/main" id="{E1CE5A29-BB15-441C-B3CD-3D3EE2163DA8}"/>
                   </a:ext>
                   <a:ext uri="{C183D7F6-B498-43B3-948B-1728B52AA6E4}">
-                    <adec:decorative xmlns:adec="http://schemas.microsoft.com/office/drawing/2017/decorative" xmlns="" val="1"/>
+                    <adec:decorative xmlns:adec="http://schemas.microsoft.com/office/drawing/2017/decorative" val="1"/>
                   </a:ext>
                 </a:extLst>
               </p:cNvPr>
@@ -17269,7 +16777,7 @@
                     <a16:creationId xmlns:a16="http://schemas.microsoft.com/office/drawing/2014/main" id="{E476D005-3155-4DEF-88DE-068B497DED91}"/>
                   </a:ext>
                   <a:ext uri="{C183D7F6-B498-43B3-948B-1728B52AA6E4}">
-                    <adec:decorative xmlns:adec="http://schemas.microsoft.com/office/drawing/2017/decorative" xmlns="" val="1"/>
+                    <adec:decorative xmlns:adec="http://schemas.microsoft.com/office/drawing/2017/decorative" val="1"/>
                   </a:ext>
                 </a:extLst>
               </p:cNvPr>
@@ -17321,7 +16829,7 @@
                     <a16:creationId xmlns:a16="http://schemas.microsoft.com/office/drawing/2014/main" id="{2628975E-6165-407B-8A45-7F23746BCC6E}"/>
                   </a:ext>
                   <a:ext uri="{C183D7F6-B498-43B3-948B-1728B52AA6E4}">
-                    <adec:decorative xmlns:adec="http://schemas.microsoft.com/office/drawing/2017/decorative" xmlns="" val="1"/>
+                    <adec:decorative xmlns:adec="http://schemas.microsoft.com/office/drawing/2017/decorative" val="1"/>
                   </a:ext>
                 </a:extLst>
               </p:cNvPr>
@@ -17373,7 +16881,7 @@
                     <a16:creationId xmlns:a16="http://schemas.microsoft.com/office/drawing/2014/main" id="{6A69F000-3171-47D5-8EFE-4F201716C071}"/>
                   </a:ext>
                   <a:ext uri="{C183D7F6-B498-43B3-948B-1728B52AA6E4}">
-                    <adec:decorative xmlns:adec="http://schemas.microsoft.com/office/drawing/2017/decorative" xmlns="" val="1"/>
+                    <adec:decorative xmlns:adec="http://schemas.microsoft.com/office/drawing/2017/decorative" val="1"/>
                   </a:ext>
                 </a:extLst>
               </p:cNvPr>
@@ -17425,7 +16933,7 @@
                     <a16:creationId xmlns:a16="http://schemas.microsoft.com/office/drawing/2014/main" id="{60092325-1C07-4FBC-9C9C-42244C9B9DC2}"/>
                   </a:ext>
                   <a:ext uri="{C183D7F6-B498-43B3-948B-1728B52AA6E4}">
-                    <adec:decorative xmlns:adec="http://schemas.microsoft.com/office/drawing/2017/decorative" xmlns="" val="1"/>
+                    <adec:decorative xmlns:adec="http://schemas.microsoft.com/office/drawing/2017/decorative" val="1"/>
                   </a:ext>
                 </a:extLst>
               </p:cNvPr>
@@ -17477,7 +16985,7 @@
                     <a16:creationId xmlns:a16="http://schemas.microsoft.com/office/drawing/2014/main" id="{2A33CB00-75FF-4DFF-9D6A-CEF5EA2E2602}"/>
                   </a:ext>
                   <a:ext uri="{C183D7F6-B498-43B3-948B-1728B52AA6E4}">
-                    <adec:decorative xmlns:adec="http://schemas.microsoft.com/office/drawing/2017/decorative" xmlns="" val="1"/>
+                    <adec:decorative xmlns:adec="http://schemas.microsoft.com/office/drawing/2017/decorative" val="1"/>
                   </a:ext>
                 </a:extLst>
               </p:cNvPr>
@@ -17529,7 +17037,7 @@
                     <a16:creationId xmlns:a16="http://schemas.microsoft.com/office/drawing/2014/main" id="{139B85FF-580E-435C-8523-23A0352695B6}"/>
                   </a:ext>
                   <a:ext uri="{C183D7F6-B498-43B3-948B-1728B52AA6E4}">
-                    <adec:decorative xmlns:adec="http://schemas.microsoft.com/office/drawing/2017/decorative" xmlns="" val="1"/>
+                    <adec:decorative xmlns:adec="http://schemas.microsoft.com/office/drawing/2017/decorative" val="1"/>
                   </a:ext>
                 </a:extLst>
               </p:cNvPr>
@@ -17581,7 +17089,7 @@
                     <a16:creationId xmlns:a16="http://schemas.microsoft.com/office/drawing/2014/main" id="{C53E7419-AF0F-4B69-88BF-853EDC328C5B}"/>
                   </a:ext>
                   <a:ext uri="{C183D7F6-B498-43B3-948B-1728B52AA6E4}">
-                    <adec:decorative xmlns:adec="http://schemas.microsoft.com/office/drawing/2017/decorative" xmlns="" val="1"/>
+                    <adec:decorative xmlns:adec="http://schemas.microsoft.com/office/drawing/2017/decorative" val="1"/>
                   </a:ext>
                 </a:extLst>
               </p:cNvPr>
@@ -17633,7 +17141,7 @@
                     <a16:creationId xmlns:a16="http://schemas.microsoft.com/office/drawing/2014/main" id="{052C8AEF-9C9D-4737-BA0F-DBB3BF0C04C7}"/>
                   </a:ext>
                   <a:ext uri="{C183D7F6-B498-43B3-948B-1728B52AA6E4}">
-                    <adec:decorative xmlns:adec="http://schemas.microsoft.com/office/drawing/2017/decorative" xmlns="" val="1"/>
+                    <adec:decorative xmlns:adec="http://schemas.microsoft.com/office/drawing/2017/decorative" val="1"/>
                   </a:ext>
                 </a:extLst>
               </p:cNvPr>
@@ -17685,7 +17193,7 @@
                     <a16:creationId xmlns:a16="http://schemas.microsoft.com/office/drawing/2014/main" id="{6ADDDBC2-F0DB-4038-98D0-B38749D8C0E7}"/>
                   </a:ext>
                   <a:ext uri="{C183D7F6-B498-43B3-948B-1728B52AA6E4}">
-                    <adec:decorative xmlns:adec="http://schemas.microsoft.com/office/drawing/2017/decorative" xmlns="" val="1"/>
+                    <adec:decorative xmlns:adec="http://schemas.microsoft.com/office/drawing/2017/decorative" val="1"/>
                   </a:ext>
                 </a:extLst>
               </p:cNvPr>
@@ -17737,7 +17245,7 @@
                     <a16:creationId xmlns:a16="http://schemas.microsoft.com/office/drawing/2014/main" id="{E5F14C72-98E5-4A6C-BA03-5E105AA4D4C8}"/>
                   </a:ext>
                   <a:ext uri="{C183D7F6-B498-43B3-948B-1728B52AA6E4}">
-                    <adec:decorative xmlns:adec="http://schemas.microsoft.com/office/drawing/2017/decorative" xmlns="" val="1"/>
+                    <adec:decorative xmlns:adec="http://schemas.microsoft.com/office/drawing/2017/decorative" val="1"/>
                   </a:ext>
                 </a:extLst>
               </p:cNvPr>
@@ -17789,7 +17297,7 @@
                     <a16:creationId xmlns:a16="http://schemas.microsoft.com/office/drawing/2014/main" id="{9ACEF013-464E-44D2-9B83-863E69077E16}"/>
                   </a:ext>
                   <a:ext uri="{C183D7F6-B498-43B3-948B-1728B52AA6E4}">
-                    <adec:decorative xmlns:adec="http://schemas.microsoft.com/office/drawing/2017/decorative" xmlns="" val="1"/>
+                    <adec:decorative xmlns:adec="http://schemas.microsoft.com/office/drawing/2017/decorative" val="1"/>
                   </a:ext>
                 </a:extLst>
               </p:cNvPr>
@@ -17841,7 +17349,7 @@
                     <a16:creationId xmlns:a16="http://schemas.microsoft.com/office/drawing/2014/main" id="{3141F09F-05CE-4CE9-9F5A-861FBC31A83A}"/>
                   </a:ext>
                   <a:ext uri="{C183D7F6-B498-43B3-948B-1728B52AA6E4}">
-                    <adec:decorative xmlns:adec="http://schemas.microsoft.com/office/drawing/2017/decorative" xmlns="" val="1"/>
+                    <adec:decorative xmlns:adec="http://schemas.microsoft.com/office/drawing/2017/decorative" val="1"/>
                   </a:ext>
                 </a:extLst>
               </p:cNvPr>
@@ -17893,7 +17401,7 @@
                     <a16:creationId xmlns:a16="http://schemas.microsoft.com/office/drawing/2014/main" id="{7ED70A3C-4B21-4941-9F11-00A51A748A05}"/>
                   </a:ext>
                   <a:ext uri="{C183D7F6-B498-43B3-948B-1728B52AA6E4}">
-                    <adec:decorative xmlns:adec="http://schemas.microsoft.com/office/drawing/2017/decorative" xmlns="" val="1"/>
+                    <adec:decorative xmlns:adec="http://schemas.microsoft.com/office/drawing/2017/decorative" val="1"/>
                   </a:ext>
                 </a:extLst>
               </p:cNvPr>
@@ -17945,7 +17453,7 @@
                     <a16:creationId xmlns:a16="http://schemas.microsoft.com/office/drawing/2014/main" id="{11927814-33EF-4FBA-95F7-4138C1C7CEC0}"/>
                   </a:ext>
                   <a:ext uri="{C183D7F6-B498-43B3-948B-1728B52AA6E4}">
-                    <adec:decorative xmlns:adec="http://schemas.microsoft.com/office/drawing/2017/decorative" xmlns="" val="1"/>
+                    <adec:decorative xmlns:adec="http://schemas.microsoft.com/office/drawing/2017/decorative" val="1"/>
                   </a:ext>
                 </a:extLst>
               </p:cNvPr>
@@ -17997,7 +17505,7 @@
                     <a16:creationId xmlns:a16="http://schemas.microsoft.com/office/drawing/2014/main" id="{F4D2B900-3BAC-4EE3-AB6E-9F3212F4DCAF}"/>
                   </a:ext>
                   <a:ext uri="{C183D7F6-B498-43B3-948B-1728B52AA6E4}">
-                    <adec:decorative xmlns:adec="http://schemas.microsoft.com/office/drawing/2017/decorative" xmlns="" val="1"/>
+                    <adec:decorative xmlns:adec="http://schemas.microsoft.com/office/drawing/2017/decorative" val="1"/>
                   </a:ext>
                 </a:extLst>
               </p:cNvPr>
@@ -18049,7 +17557,7 @@
                     <a16:creationId xmlns:a16="http://schemas.microsoft.com/office/drawing/2014/main" id="{FB00017B-AD65-4759-8A6A-B03C70E07BA2}"/>
                   </a:ext>
                   <a:ext uri="{C183D7F6-B498-43B3-948B-1728B52AA6E4}">
-                    <adec:decorative xmlns:adec="http://schemas.microsoft.com/office/drawing/2017/decorative" xmlns="" val="1"/>
+                    <adec:decorative xmlns:adec="http://schemas.microsoft.com/office/drawing/2017/decorative" val="1"/>
                   </a:ext>
                 </a:extLst>
               </p:cNvPr>
@@ -18101,7 +17609,7 @@
                     <a16:creationId xmlns:a16="http://schemas.microsoft.com/office/drawing/2014/main" id="{22C4A8E2-640F-4D30-99EC-A2D2B0FD6E5D}"/>
                   </a:ext>
                   <a:ext uri="{C183D7F6-B498-43B3-948B-1728B52AA6E4}">
-                    <adec:decorative xmlns:adec="http://schemas.microsoft.com/office/drawing/2017/decorative" xmlns="" val="1"/>
+                    <adec:decorative xmlns:adec="http://schemas.microsoft.com/office/drawing/2017/decorative" val="1"/>
                   </a:ext>
                 </a:extLst>
               </p:cNvPr>
@@ -18153,7 +17661,7 @@
                     <a16:creationId xmlns:a16="http://schemas.microsoft.com/office/drawing/2014/main" id="{9492085E-DF05-4380-B8C2-93832478CFEB}"/>
                   </a:ext>
                   <a:ext uri="{C183D7F6-B498-43B3-948B-1728B52AA6E4}">
-                    <adec:decorative xmlns:adec="http://schemas.microsoft.com/office/drawing/2017/decorative" xmlns="" val="1"/>
+                    <adec:decorative xmlns:adec="http://schemas.microsoft.com/office/drawing/2017/decorative" val="1"/>
                   </a:ext>
                 </a:extLst>
               </p:cNvPr>
@@ -18205,7 +17713,7 @@
                     <a16:creationId xmlns:a16="http://schemas.microsoft.com/office/drawing/2014/main" id="{49750F82-33DB-42EE-B31F-CC5DE7EBA149}"/>
                   </a:ext>
                   <a:ext uri="{C183D7F6-B498-43B3-948B-1728B52AA6E4}">
-                    <adec:decorative xmlns:adec="http://schemas.microsoft.com/office/drawing/2017/decorative" xmlns="" val="1"/>
+                    <adec:decorative xmlns:adec="http://schemas.microsoft.com/office/drawing/2017/decorative" val="1"/>
                   </a:ext>
                 </a:extLst>
               </p:cNvPr>
@@ -18257,7 +17765,7 @@
                     <a16:creationId xmlns:a16="http://schemas.microsoft.com/office/drawing/2014/main" id="{60B9848F-8B4C-4440-9BF6-98A4F3F72C09}"/>
                   </a:ext>
                   <a:ext uri="{C183D7F6-B498-43B3-948B-1728B52AA6E4}">
-                    <adec:decorative xmlns:adec="http://schemas.microsoft.com/office/drawing/2017/decorative" xmlns="" val="1"/>
+                    <adec:decorative xmlns:adec="http://schemas.microsoft.com/office/drawing/2017/decorative" val="1"/>
                   </a:ext>
                 </a:extLst>
               </p:cNvPr>
@@ -18309,7 +17817,7 @@
                     <a16:creationId xmlns:a16="http://schemas.microsoft.com/office/drawing/2014/main" id="{E7AA0900-78F5-4163-807F-3DEE6DCBB10E}"/>
                   </a:ext>
                   <a:ext uri="{C183D7F6-B498-43B3-948B-1728B52AA6E4}">
-                    <adec:decorative xmlns:adec="http://schemas.microsoft.com/office/drawing/2017/decorative" xmlns="" val="1"/>
+                    <adec:decorative xmlns:adec="http://schemas.microsoft.com/office/drawing/2017/decorative" val="1"/>
                   </a:ext>
                 </a:extLst>
               </p:cNvPr>
@@ -18361,7 +17869,7 @@
                     <a16:creationId xmlns:a16="http://schemas.microsoft.com/office/drawing/2014/main" id="{0F627689-9632-474B-B3A8-EC1A82A36E6C}"/>
                   </a:ext>
                   <a:ext uri="{C183D7F6-B498-43B3-948B-1728B52AA6E4}">
-                    <adec:decorative xmlns:adec="http://schemas.microsoft.com/office/drawing/2017/decorative" xmlns="" val="1"/>
+                    <adec:decorative xmlns:adec="http://schemas.microsoft.com/office/drawing/2017/decorative" val="1"/>
                   </a:ext>
                 </a:extLst>
               </p:cNvPr>
@@ -18413,7 +17921,7 @@
                     <a16:creationId xmlns:a16="http://schemas.microsoft.com/office/drawing/2014/main" id="{71C6CB03-F81D-48A2-BF05-98D4EF2CC20A}"/>
                   </a:ext>
                   <a:ext uri="{C183D7F6-B498-43B3-948B-1728B52AA6E4}">
-                    <adec:decorative xmlns:adec="http://schemas.microsoft.com/office/drawing/2017/decorative" xmlns="" val="1"/>
+                    <adec:decorative xmlns:adec="http://schemas.microsoft.com/office/drawing/2017/decorative" val="1"/>
                   </a:ext>
                 </a:extLst>
               </p:cNvPr>
@@ -18465,7 +17973,7 @@
                     <a16:creationId xmlns:a16="http://schemas.microsoft.com/office/drawing/2014/main" id="{12FB4D2F-4789-48A1-A4AA-F318ED2BA5B7}"/>
                   </a:ext>
                   <a:ext uri="{C183D7F6-B498-43B3-948B-1728B52AA6E4}">
-                    <adec:decorative xmlns:adec="http://schemas.microsoft.com/office/drawing/2017/decorative" xmlns="" val="1"/>
+                    <adec:decorative xmlns:adec="http://schemas.microsoft.com/office/drawing/2017/decorative" val="1"/>
                   </a:ext>
                 </a:extLst>
               </p:cNvPr>
@@ -18517,7 +18025,7 @@
                     <a16:creationId xmlns:a16="http://schemas.microsoft.com/office/drawing/2014/main" id="{64B8907A-2A80-490C-AACF-678CA6DE19D1}"/>
                   </a:ext>
                   <a:ext uri="{C183D7F6-B498-43B3-948B-1728B52AA6E4}">
-                    <adec:decorative xmlns:adec="http://schemas.microsoft.com/office/drawing/2017/decorative" xmlns="" val="1"/>
+                    <adec:decorative xmlns:adec="http://schemas.microsoft.com/office/drawing/2017/decorative" val="1"/>
                   </a:ext>
                 </a:extLst>
               </p:cNvPr>
@@ -18569,7 +18077,7 @@
                     <a16:creationId xmlns:a16="http://schemas.microsoft.com/office/drawing/2014/main" id="{A175CCF3-4796-4C76-A92E-B495335FB451}"/>
                   </a:ext>
                   <a:ext uri="{C183D7F6-B498-43B3-948B-1728B52AA6E4}">
-                    <adec:decorative xmlns:adec="http://schemas.microsoft.com/office/drawing/2017/decorative" xmlns="" val="1"/>
+                    <adec:decorative xmlns:adec="http://schemas.microsoft.com/office/drawing/2017/decorative" val="1"/>
                   </a:ext>
                 </a:extLst>
               </p:cNvPr>
@@ -18621,7 +18129,7 @@
                     <a16:creationId xmlns:a16="http://schemas.microsoft.com/office/drawing/2014/main" id="{8CFC6D15-64F3-449C-8C0B-3FCB2976D261}"/>
                   </a:ext>
                   <a:ext uri="{C183D7F6-B498-43B3-948B-1728B52AA6E4}">
-                    <adec:decorative xmlns:adec="http://schemas.microsoft.com/office/drawing/2017/decorative" xmlns="" val="1"/>
+                    <adec:decorative xmlns:adec="http://schemas.microsoft.com/office/drawing/2017/decorative" val="1"/>
                   </a:ext>
                 </a:extLst>
               </p:cNvPr>
@@ -18673,7 +18181,7 @@
                     <a16:creationId xmlns:a16="http://schemas.microsoft.com/office/drawing/2014/main" id="{008AA4A6-DD28-4235-AAE3-CC28DF834303}"/>
                   </a:ext>
                   <a:ext uri="{C183D7F6-B498-43B3-948B-1728B52AA6E4}">
-                    <adec:decorative xmlns:adec="http://schemas.microsoft.com/office/drawing/2017/decorative" xmlns="" val="1"/>
+                    <adec:decorative xmlns:adec="http://schemas.microsoft.com/office/drawing/2017/decorative" val="1"/>
                   </a:ext>
                 </a:extLst>
               </p:cNvPr>
@@ -18725,7 +18233,7 @@
                     <a16:creationId xmlns:a16="http://schemas.microsoft.com/office/drawing/2014/main" id="{3D393E8B-AAB8-4606-A4FA-815EDABDD12F}"/>
                   </a:ext>
                   <a:ext uri="{C183D7F6-B498-43B3-948B-1728B52AA6E4}">
-                    <adec:decorative xmlns:adec="http://schemas.microsoft.com/office/drawing/2017/decorative" xmlns="" val="1"/>
+                    <adec:decorative xmlns:adec="http://schemas.microsoft.com/office/drawing/2017/decorative" val="1"/>
                   </a:ext>
                 </a:extLst>
               </p:cNvPr>
@@ -18777,7 +18285,7 @@
                     <a16:creationId xmlns:a16="http://schemas.microsoft.com/office/drawing/2014/main" id="{8BA7B770-7EB6-4AC1-B028-9C45DEE440EE}"/>
                   </a:ext>
                   <a:ext uri="{C183D7F6-B498-43B3-948B-1728B52AA6E4}">
-                    <adec:decorative xmlns:adec="http://schemas.microsoft.com/office/drawing/2017/decorative" xmlns="" val="1"/>
+                    <adec:decorative xmlns:adec="http://schemas.microsoft.com/office/drawing/2017/decorative" val="1"/>
                   </a:ext>
                 </a:extLst>
               </p:cNvPr>
@@ -18829,7 +18337,7 @@
                     <a16:creationId xmlns:a16="http://schemas.microsoft.com/office/drawing/2014/main" id="{D87B822C-3951-4E65-A45D-7160FAC3FD08}"/>
                   </a:ext>
                   <a:ext uri="{C183D7F6-B498-43B3-948B-1728B52AA6E4}">
-                    <adec:decorative xmlns:adec="http://schemas.microsoft.com/office/drawing/2017/decorative" xmlns="" val="1"/>
+                    <adec:decorative xmlns:adec="http://schemas.microsoft.com/office/drawing/2017/decorative" val="1"/>
                   </a:ext>
                 </a:extLst>
               </p:cNvPr>
@@ -18881,7 +18389,7 @@
                     <a16:creationId xmlns:a16="http://schemas.microsoft.com/office/drawing/2014/main" id="{54B9CDF0-DC54-4868-B60A-6840FDE6A293}"/>
                   </a:ext>
                   <a:ext uri="{C183D7F6-B498-43B3-948B-1728B52AA6E4}">
-                    <adec:decorative xmlns:adec="http://schemas.microsoft.com/office/drawing/2017/decorative" xmlns="" val="1"/>
+                    <adec:decorative xmlns:adec="http://schemas.microsoft.com/office/drawing/2017/decorative" val="1"/>
                   </a:ext>
                 </a:extLst>
               </p:cNvPr>
@@ -18933,7 +18441,7 @@
                     <a16:creationId xmlns:a16="http://schemas.microsoft.com/office/drawing/2014/main" id="{3706BEC8-029B-4E0F-A55F-A552E1DE26CA}"/>
                   </a:ext>
                   <a:ext uri="{C183D7F6-B498-43B3-948B-1728B52AA6E4}">
-                    <adec:decorative xmlns:adec="http://schemas.microsoft.com/office/drawing/2017/decorative" xmlns="" val="1"/>
+                    <adec:decorative xmlns:adec="http://schemas.microsoft.com/office/drawing/2017/decorative" val="1"/>
                   </a:ext>
                 </a:extLst>
               </p:cNvPr>
@@ -18985,7 +18493,7 @@
                     <a16:creationId xmlns:a16="http://schemas.microsoft.com/office/drawing/2014/main" id="{25EBA5EB-4807-4E96-BA08-B6B74AE04050}"/>
                   </a:ext>
                   <a:ext uri="{C183D7F6-B498-43B3-948B-1728B52AA6E4}">
-                    <adec:decorative xmlns:adec="http://schemas.microsoft.com/office/drawing/2017/decorative" xmlns="" val="1"/>
+                    <adec:decorative xmlns:adec="http://schemas.microsoft.com/office/drawing/2017/decorative" val="1"/>
                   </a:ext>
                 </a:extLst>
               </p:cNvPr>
@@ -19037,7 +18545,7 @@
                     <a16:creationId xmlns:a16="http://schemas.microsoft.com/office/drawing/2014/main" id="{5548885E-CABE-42B5-B06A-1E6B9B198112}"/>
                   </a:ext>
                   <a:ext uri="{C183D7F6-B498-43B3-948B-1728B52AA6E4}">
-                    <adec:decorative xmlns:adec="http://schemas.microsoft.com/office/drawing/2017/decorative" xmlns="" val="1"/>
+                    <adec:decorative xmlns:adec="http://schemas.microsoft.com/office/drawing/2017/decorative" val="1"/>
                   </a:ext>
                 </a:extLst>
               </p:cNvPr>
@@ -19104,57 +18612,51 @@
           <a:lstStyle/>
           <a:p>
             <a:r>
-              <a:rPr lang="en-US" dirty="0" smtClean="0"/>
+              <a:rPr lang="en-US" dirty="0"/>
               <a:t>Introduction</a:t>
             </a:r>
           </a:p>
           <a:p>
             <a:r>
-              <a:rPr lang="en-US" dirty="0" smtClean="0"/>
+              <a:rPr lang="en-US" dirty="0"/>
               <a:t>Structure and relationships</a:t>
             </a:r>
-            <a:endParaRPr lang="en-US" dirty="0" smtClean="0"/>
-          </a:p>
-          <a:p>
-            <a:r>
-              <a:rPr lang="en-US" dirty="0" smtClean="0"/>
+          </a:p>
+          <a:p>
+            <a:r>
+              <a:rPr lang="en-US" dirty="0"/>
               <a:t>Tech used</a:t>
             </a:r>
-            <a:endParaRPr lang="en-US" dirty="0" smtClean="0"/>
-          </a:p>
-          <a:p>
-            <a:r>
-              <a:rPr lang="en-US" dirty="0" smtClean="0"/>
+          </a:p>
+          <a:p>
+            <a:r>
+              <a:rPr lang="en-US" dirty="0"/>
               <a:t>Features of the App</a:t>
             </a:r>
-            <a:endParaRPr lang="en-US" dirty="0" smtClean="0"/>
-          </a:p>
-          <a:p>
-            <a:r>
-              <a:rPr lang="en-US" dirty="0" smtClean="0"/>
+          </a:p>
+          <a:p>
+            <a:r>
+              <a:rPr lang="en-US" dirty="0"/>
               <a:t>Login page</a:t>
             </a:r>
-            <a:endParaRPr lang="en-US" dirty="0" smtClean="0"/>
-          </a:p>
-          <a:p>
-            <a:r>
-              <a:rPr lang="en-US" dirty="0" smtClean="0"/>
+          </a:p>
+          <a:p>
+            <a:r>
+              <a:rPr lang="en-US" dirty="0"/>
               <a:t>Register page</a:t>
             </a:r>
-            <a:endParaRPr lang="en-US" dirty="0" smtClean="0"/>
-          </a:p>
-          <a:p>
-            <a:r>
-              <a:rPr lang="en-US" dirty="0" smtClean="0"/>
+          </a:p>
+          <a:p>
+            <a:r>
+              <a:rPr lang="en-US" dirty="0"/>
               <a:t>Home page</a:t>
             </a:r>
           </a:p>
           <a:p>
             <a:r>
-              <a:rPr lang="en-US" dirty="0" smtClean="0"/>
+              <a:rPr lang="en-US" dirty="0"/>
               <a:t>Host  conference</a:t>
             </a:r>
-            <a:endParaRPr lang="en-US" dirty="0" smtClean="0"/>
           </a:p>
           <a:p>
             <a:endParaRPr lang="en-IN" dirty="0"/>
@@ -19393,41 +18895,38 @@
           </a:lstStyle>
           <a:p>
             <a:r>
-              <a:rPr lang="en-US" dirty="0" smtClean="0"/>
+              <a:rPr lang="en-US" dirty="0"/>
               <a:t>Join chat room</a:t>
             </a:r>
           </a:p>
           <a:p>
             <a:r>
-              <a:rPr lang="en-US" dirty="0" smtClean="0"/>
+              <a:rPr lang="en-US" dirty="0"/>
               <a:t>Attend conference</a:t>
             </a:r>
           </a:p>
           <a:p>
             <a:r>
-              <a:rPr lang="en-US" dirty="0" smtClean="0"/>
+              <a:rPr lang="en-US" dirty="0"/>
               <a:t>Conferencing</a:t>
             </a:r>
           </a:p>
           <a:p>
             <a:r>
-              <a:rPr lang="en-US" dirty="0" smtClean="0"/>
+              <a:rPr lang="en-US" dirty="0"/>
               <a:t>Q&amp;A feature</a:t>
             </a:r>
           </a:p>
           <a:p>
             <a:r>
-              <a:rPr lang="en-US" dirty="0" smtClean="0"/>
+              <a:rPr lang="en-US" dirty="0"/>
               <a:t>Leave conference</a:t>
             </a:r>
           </a:p>
           <a:p>
-            <a:r>
-              <a:rPr lang="en-US" dirty="0" smtClean="0"/>
-              <a:t>End conference</a:t>
-            </a:r>
-          </a:p>
-          <a:p>
+            <a:pPr marL="0" indent="0">
+              <a:buNone/>
+            </a:pPr>
             <a:endParaRPr lang="en-IN" dirty="0"/>
           </a:p>
         </p:txBody>
@@ -19455,7 +18954,7 @@
           <a:lstStyle/>
           <a:p>
             <a:r>
-              <a:rPr lang="en-IN" sz="4400" b="1" dirty="0" smtClean="0">
+              <a:rPr lang="en-IN" sz="4400" b="1" dirty="0">
                 <a:solidFill>
                   <a:schemeClr val="accent1">
                     <a:lumMod val="40000"/>
@@ -19466,7 +18965,7 @@
               </a:rPr>
               <a:t>Index</a:t>
             </a:r>
-            <a:endParaRPr lang="en-IN" sz="4400" dirty="0" smtClean="0">
+            <a:endParaRPr lang="en-IN" sz="4400" dirty="0">
               <a:solidFill>
                 <a:schemeClr val="accent1">
                   <a:lumMod val="40000"/>
@@ -19479,10 +18978,9 @@
           <a:p>
             <a:pPr algn="r"/>
             <a:r>
-              <a:rPr lang="en-IN" dirty="0" smtClean="0"/>
+              <a:rPr lang="en-IN" dirty="0"/>
               <a:t> </a:t>
             </a:r>
-            <a:endParaRPr lang="en-IN" dirty="0"/>
           </a:p>
         </p:txBody>
       </p:sp>
@@ -19604,15 +19102,11 @@
             </a:r>
             <a:r>
               <a:rPr lang="en-US" dirty="0"/>
-              <a:t> schedule, speaker information, and planned activities for the meeting are all shared with anyone who are interested. It also allows users to pre-register for the conference and use the system at any time and from any location</a:t>
-            </a:r>
-            <a:r>
-              <a:rPr lang="en-US" dirty="0" smtClean="0"/>
-              <a:t>.</a:t>
-            </a:r>
-          </a:p>
-          <a:p>
-            <a:endParaRPr lang="en-US" dirty="0" smtClean="0"/>
+              <a:t> schedule, speaker information, and planned activities for the meeting are all shared with anyone who are interested. It also allows users to pre-register for the conference and use the system at any time and from any location.</a:t>
+            </a:r>
+          </a:p>
+          <a:p>
+            <a:endParaRPr lang="en-US" dirty="0"/>
           </a:p>
           <a:p>
             <a:r>
@@ -19627,26 +19121,12 @@
               <a:rPr lang="en-US" dirty="0"/>
               <a:t> is a detailed software, aimed towards organizations with frequent conference scheduling and administration needs. It will facilitate conference management for the target audience to meet the needs of modern work environments. </a:t>
             </a:r>
-            <a:endParaRPr lang="en-US" dirty="0"/>
           </a:p>
           <a:p>
             <a:r>
               <a:rPr lang="en-US" dirty="0"/>
-              <a:t>It </a:t>
-            </a:r>
-            <a:r>
-              <a:rPr lang="en-US" dirty="0" smtClean="0"/>
-              <a:t>supports Interpersonal Communication, Collaboration, Presentations </a:t>
-            </a:r>
-            <a:r>
-              <a:rPr lang="en-US" dirty="0"/>
-              <a:t>and </a:t>
-            </a:r>
-            <a:r>
-              <a:rPr lang="en-US" dirty="0" smtClean="0"/>
-              <a:t>education.</a:t>
-            </a:r>
-            <a:endParaRPr lang="en-US" dirty="0"/>
+              <a:t>It supports Interpersonal Communication, Collaboration, Presentations and education.</a:t>
+            </a:r>
           </a:p>
         </p:txBody>
       </p:sp>
@@ -19673,7 +19153,7 @@
           <a:lstStyle/>
           <a:p>
             <a:r>
-              <a:rPr lang="en-IN" sz="4400" b="1" dirty="0" smtClean="0">
+              <a:rPr lang="en-IN" sz="4400" b="1" dirty="0">
                 <a:solidFill>
                   <a:schemeClr val="accent1">
                     <a:lumMod val="40000"/>
@@ -19684,7 +19164,7 @@
               </a:rPr>
               <a:t>Introduction</a:t>
             </a:r>
-            <a:endParaRPr lang="en-IN" sz="4400" dirty="0" smtClean="0">
+            <a:endParaRPr lang="en-IN" sz="4400" dirty="0">
               <a:solidFill>
                 <a:schemeClr val="accent1">
                   <a:lumMod val="40000"/>
@@ -19697,10 +19177,9 @@
           <a:p>
             <a:pPr algn="r"/>
             <a:r>
-              <a:rPr lang="en-IN" dirty="0" smtClean="0"/>
+              <a:rPr lang="en-IN" dirty="0"/>
               <a:t> </a:t>
             </a:r>
-            <a:endParaRPr lang="en-IN" dirty="0"/>
           </a:p>
         </p:txBody>
       </p:sp>
@@ -19793,7 +19272,7 @@
           <a:lstStyle/>
           <a:p>
             <a:r>
-              <a:rPr lang="en-IN" sz="4400" b="1" dirty="0" smtClean="0">
+              <a:rPr lang="en-IN" sz="4400" b="1" dirty="0">
                 <a:solidFill>
                   <a:schemeClr val="accent1">
                     <a:lumMod val="40000"/>
@@ -19804,7 +19283,7 @@
               </a:rPr>
               <a:t>Structure and Relationships</a:t>
             </a:r>
-            <a:endParaRPr lang="en-IN" sz="4400" dirty="0" smtClean="0">
+            <a:endParaRPr lang="en-IN" sz="4400" dirty="0">
               <a:solidFill>
                 <a:schemeClr val="accent1">
                   <a:lumMod val="40000"/>
@@ -19817,10 +19296,9 @@
           <a:p>
             <a:pPr algn="r"/>
             <a:r>
-              <a:rPr lang="en-IN" dirty="0" smtClean="0"/>
+              <a:rPr lang="en-IN" dirty="0"/>
               <a:t> </a:t>
             </a:r>
-            <a:endParaRPr lang="en-IN" dirty="0"/>
           </a:p>
         </p:txBody>
       </p:sp>
@@ -19955,24 +19433,16 @@
           <a:p>
             <a:r>
               <a:rPr lang="en-US" dirty="0"/>
-              <a:t>Group video calling application using the Agora Web SDK with a Django backend</a:t>
-            </a:r>
-            <a:r>
-              <a:rPr lang="en-US" dirty="0" smtClean="0"/>
-              <a:t>.</a:t>
-            </a:r>
-          </a:p>
-          <a:p>
-            <a:endParaRPr lang="en-US" dirty="0" smtClean="0"/>
+              <a:t>Group video calling application using the Agora Web SDK with a Django backend.</a:t>
+            </a:r>
+          </a:p>
+          <a:p>
+            <a:endParaRPr lang="en-US" dirty="0"/>
           </a:p>
           <a:p>
             <a:r>
               <a:rPr lang="en-US" dirty="0"/>
-              <a:t>The languages used for building the application</a:t>
-            </a:r>
-            <a:r>
-              <a:rPr lang="en-US" dirty="0" smtClean="0"/>
-              <a:t>:</a:t>
+              <a:t>The languages used for building the application:</a:t>
             </a:r>
           </a:p>
           <a:p>
@@ -19981,7 +19451,7 @@
               <a:buChar char="•"/>
             </a:pPr>
             <a:r>
-              <a:rPr lang="en-US" dirty="0" smtClean="0"/>
+              <a:rPr lang="en-US" dirty="0"/>
               <a:t>Python</a:t>
             </a:r>
           </a:p>
@@ -19991,7 +19461,7 @@
               <a:buChar char="•"/>
             </a:pPr>
             <a:r>
-              <a:rPr lang="en-US" dirty="0" smtClean="0"/>
+              <a:rPr lang="en-US" dirty="0"/>
               <a:t>Django</a:t>
             </a:r>
           </a:p>
@@ -20001,7 +19471,7 @@
               <a:buChar char="•"/>
             </a:pPr>
             <a:r>
-              <a:rPr lang="en-US" dirty="0" smtClean="0"/>
+              <a:rPr lang="en-US" dirty="0"/>
               <a:t>HTML</a:t>
             </a:r>
           </a:p>
@@ -20011,7 +19481,7 @@
               <a:buChar char="•"/>
             </a:pPr>
             <a:r>
-              <a:rPr lang="en-US" dirty="0" smtClean="0"/>
+              <a:rPr lang="en-US" dirty="0"/>
               <a:t>CSS</a:t>
             </a:r>
           </a:p>
@@ -20021,12 +19491,8 @@
               <a:buChar char="•"/>
             </a:pPr>
             <a:r>
-              <a:rPr lang="en-US" dirty="0" err="1" smtClean="0"/>
+              <a:rPr lang="en-US" dirty="0" err="1"/>
               <a:t>javaScript</a:t>
-            </a:r>
-            <a:r>
-              <a:rPr lang="en-US" dirty="0"/>
-              <a:t/>
             </a:r>
             <a:br>
               <a:rPr lang="en-US" dirty="0"/>
@@ -20067,21 +19533,9 @@
                 </a:solidFill>
                 <a:latin typeface="Bahnschrift SemiBold" panose="020B0502040204020203" pitchFamily="34" charset="0"/>
               </a:rPr>
-              <a:t>T</a:t>
-            </a:r>
-            <a:r>
-              <a:rPr lang="en-IN" sz="4400" b="1" dirty="0" smtClean="0">
-                <a:solidFill>
-                  <a:schemeClr val="accent1">
-                    <a:lumMod val="40000"/>
-                    <a:lumOff val="60000"/>
-                  </a:schemeClr>
-                </a:solidFill>
-                <a:latin typeface="Bahnschrift SemiBold" panose="020B0502040204020203" pitchFamily="34" charset="0"/>
-              </a:rPr>
-              <a:t>ech Used</a:t>
-            </a:r>
-            <a:endParaRPr lang="en-IN" sz="4400" dirty="0" smtClean="0">
+              <a:t>Tech Used</a:t>
+            </a:r>
+            <a:endParaRPr lang="en-IN" sz="4400" dirty="0">
               <a:solidFill>
                 <a:schemeClr val="accent1">
                   <a:lumMod val="40000"/>
@@ -20094,10 +19548,9 @@
           <a:p>
             <a:pPr algn="r"/>
             <a:r>
-              <a:rPr lang="en-IN" dirty="0" smtClean="0"/>
+              <a:rPr lang="en-IN" dirty="0"/>
               <a:t> </a:t>
             </a:r>
-            <a:endParaRPr lang="en-IN" dirty="0"/>
           </a:p>
         </p:txBody>
       </p:sp>
@@ -20296,7 +19749,7 @@
         <p:spPr>
           <a:xfrm>
             <a:off x="803639" y="1711574"/>
-            <a:ext cx="6391655" cy="3924151"/>
+            <a:ext cx="6391655" cy="3093154"/>
           </a:xfrm>
           <a:prstGeom prst="rect">
             <a:avLst/>
@@ -20310,12 +19763,12 @@
           <a:lstStyle/>
           <a:p>
             <a:r>
-              <a:rPr lang="en-US" b="1" dirty="0" smtClean="0"/>
+              <a:rPr lang="en-US" b="1" dirty="0"/>
               <a:t>The following are the features of the app:</a:t>
             </a:r>
           </a:p>
           <a:p>
-            <a:endParaRPr lang="en-US" b="1" dirty="0" smtClean="0"/>
+            <a:endParaRPr lang="en-US" b="1" dirty="0"/>
           </a:p>
           <a:p>
             <a:pPr marL="285750" indent="-285750">
@@ -20323,7 +19776,7 @@
               <a:buChar char="•"/>
             </a:pPr>
             <a:r>
-              <a:rPr lang="en-US" dirty="0" smtClean="0"/>
+              <a:rPr lang="en-US" dirty="0"/>
               <a:t>Login</a:t>
             </a:r>
           </a:p>
@@ -20333,7 +19786,7 @@
               <a:buChar char="•"/>
             </a:pPr>
             <a:r>
-              <a:rPr lang="en-US" dirty="0" smtClean="0"/>
+              <a:rPr lang="en-US" dirty="0"/>
               <a:t>Register</a:t>
             </a:r>
           </a:p>
@@ -20343,8 +19796,8 @@
               <a:buChar char="•"/>
             </a:pPr>
             <a:r>
-              <a:rPr lang="en-US" dirty="0" smtClean="0"/>
-              <a:t>Dashboard</a:t>
+              <a:rPr lang="en-US" dirty="0"/>
+              <a:t>Host a conference</a:t>
             </a:r>
           </a:p>
           <a:p>
@@ -20353,8 +19806,8 @@
               <a:buChar char="•"/>
             </a:pPr>
             <a:r>
-              <a:rPr lang="en-US" dirty="0" smtClean="0"/>
-              <a:t>Host a conference</a:t>
+              <a:rPr lang="en-US" dirty="0"/>
+              <a:t>Attend a conference</a:t>
             </a:r>
           </a:p>
           <a:p>
@@ -20363,8 +19816,8 @@
               <a:buChar char="•"/>
             </a:pPr>
             <a:r>
-              <a:rPr lang="en-US" dirty="0" smtClean="0"/>
-              <a:t>Register for a conference</a:t>
+              <a:rPr lang="en-US" dirty="0"/>
+              <a:t>Audio/Video conferencing</a:t>
             </a:r>
           </a:p>
           <a:p>
@@ -20373,52 +19826,14 @@
               <a:buChar char="•"/>
             </a:pPr>
             <a:r>
-              <a:rPr lang="en-US" dirty="0" smtClean="0"/>
-              <a:t>Attend a conference</a:t>
-            </a:r>
-          </a:p>
-          <a:p>
-            <a:pPr marL="285750" indent="-285750">
-              <a:buFont typeface="Arial" panose="020B0604020202020204" pitchFamily="34" charset="0"/>
-              <a:buChar char="•"/>
-            </a:pPr>
-            <a:r>
-              <a:rPr lang="en-US" dirty="0" smtClean="0"/>
-              <a:t>Audio/Video conferencing</a:t>
-            </a:r>
-          </a:p>
-          <a:p>
-            <a:pPr marL="285750" indent="-285750">
-              <a:buFont typeface="Arial" panose="020B0604020202020204" pitchFamily="34" charset="0"/>
-              <a:buChar char="•"/>
-            </a:pPr>
-            <a:r>
-              <a:rPr lang="en-US" dirty="0" smtClean="0"/>
+              <a:rPr lang="en-US" dirty="0"/>
               <a:t>Leave conference</a:t>
             </a:r>
           </a:p>
           <a:p>
-            <a:pPr marL="285750" indent="-285750">
-              <a:buFont typeface="Arial" panose="020B0604020202020204" pitchFamily="34" charset="0"/>
-              <a:buChar char="•"/>
-            </a:pPr>
-            <a:r>
-              <a:rPr lang="en-US" dirty="0" smtClean="0"/>
-              <a:t>End conference</a:t>
-            </a:r>
-          </a:p>
-          <a:p>
-            <a:pPr marL="285750" indent="-285750">
-              <a:buFont typeface="Arial" panose="020B0604020202020204" pitchFamily="34" charset="0"/>
-              <a:buChar char="•"/>
-            </a:pPr>
             <a:endParaRPr lang="en-US" sz="1500" dirty="0"/>
           </a:p>
           <a:p>
-            <a:r>
-              <a:rPr lang="en-US" dirty="0"/>
-              <a:t/>
-            </a:r>
             <a:br>
               <a:rPr lang="en-US" dirty="0"/>
             </a:br>
@@ -20449,7 +19864,7 @@
           <a:lstStyle/>
           <a:p>
             <a:r>
-              <a:rPr lang="en-IN" sz="4400" b="1" dirty="0" smtClean="0">
+              <a:rPr lang="en-IN" sz="4400" b="1" dirty="0">
                 <a:solidFill>
                   <a:schemeClr val="accent1">
                     <a:lumMod val="40000"/>
@@ -20460,7 +19875,7 @@
               </a:rPr>
               <a:t>Features of the App</a:t>
             </a:r>
-            <a:endParaRPr lang="en-IN" sz="4400" dirty="0" smtClean="0">
+            <a:endParaRPr lang="en-IN" sz="4400" dirty="0">
               <a:solidFill>
                 <a:schemeClr val="accent1">
                   <a:lumMod val="40000"/>
@@ -20473,10 +19888,9 @@
           <a:p>
             <a:pPr algn="r"/>
             <a:r>
-              <a:rPr lang="en-IN" dirty="0" smtClean="0"/>
+              <a:rPr lang="en-IN" dirty="0"/>
               <a:t> </a:t>
             </a:r>
-            <a:endParaRPr lang="en-IN" dirty="0"/>
           </a:p>
         </p:txBody>
       </p:sp>
@@ -20570,17 +19984,15 @@
           <a:p>
             <a:pPr fontAlgn="base"/>
             <a:r>
-              <a:rPr lang="en-US" b="1" dirty="0" smtClean="0"/>
+              <a:rPr lang="en-US" b="1" dirty="0"/>
               <a:t>Description:</a:t>
             </a:r>
-            <a:endParaRPr lang="en-US" b="1" dirty="0"/>
           </a:p>
           <a:p>
             <a:r>
               <a:rPr lang="en-US" dirty="0"/>
               <a:t>Login via registered credentials in order to authenticate your identity. </a:t>
             </a:r>
-            <a:endParaRPr lang="en-US" dirty="0" smtClean="0"/>
           </a:p>
           <a:p>
             <a:endParaRPr lang="en-US" sz="1600" dirty="0"/>
@@ -20589,13 +20001,8 @@
             <a:pPr fontAlgn="base"/>
             <a:r>
               <a:rPr lang="en-US" b="1" dirty="0"/>
-              <a:t>Stimulus/Response </a:t>
-            </a:r>
-            <a:r>
-              <a:rPr lang="en-US" b="1" dirty="0" smtClean="0"/>
-              <a:t>Sequences:</a:t>
-            </a:r>
-            <a:endParaRPr lang="en-US" b="1" dirty="0"/>
+              <a:t>Stimulus/Response Sequences:</a:t>
+            </a:r>
           </a:p>
           <a:p>
             <a:r>
@@ -20606,22 +20013,13 @@
           </a:p>
           <a:p>
             <a:pPr fontAlgn="base"/>
-            <a:r>
-              <a:rPr lang="en-US" sz="1600" dirty="0"/>
-              <a:t/>
-            </a:r>
             <a:br>
               <a:rPr lang="en-US" sz="1600" dirty="0"/>
             </a:br>
             <a:r>
               <a:rPr lang="en-US" b="1" dirty="0"/>
-              <a:t>Functional </a:t>
-            </a:r>
-            <a:r>
-              <a:rPr lang="en-US" b="1" dirty="0" smtClean="0"/>
-              <a:t>Requirements:</a:t>
-            </a:r>
-            <a:endParaRPr lang="en-US" b="1" dirty="0"/>
+              <a:t>Functional Requirements:</a:t>
+            </a:r>
           </a:p>
           <a:p>
             <a:pPr marL="285750" indent="-285750" fontAlgn="base">
@@ -20649,10 +20047,6 @@
             </a:r>
           </a:p>
           <a:p>
-            <a:r>
-              <a:rPr lang="en-US" dirty="0"/>
-              <a:t/>
-            </a:r>
             <a:br>
               <a:rPr lang="en-US" dirty="0"/>
             </a:br>
@@ -20683,7 +20077,7 @@
           <a:lstStyle/>
           <a:p>
             <a:r>
-              <a:rPr lang="en-IN" sz="4400" b="1" dirty="0" smtClean="0">
+              <a:rPr lang="en-IN" sz="4400" b="1" dirty="0">
                 <a:solidFill>
                   <a:schemeClr val="accent1">
                     <a:lumMod val="40000"/>
@@ -20694,7 +20088,7 @@
               </a:rPr>
               <a:t>Login Page</a:t>
             </a:r>
-            <a:endParaRPr lang="en-IN" sz="4400" dirty="0" smtClean="0">
+            <a:endParaRPr lang="en-IN" sz="4400" dirty="0">
               <a:solidFill>
                 <a:schemeClr val="accent1">
                   <a:lumMod val="40000"/>
@@ -20707,10 +20101,9 @@
           <a:p>
             <a:pPr algn="r"/>
             <a:r>
-              <a:rPr lang="en-IN" dirty="0" smtClean="0"/>
+              <a:rPr lang="en-IN" dirty="0"/>
               <a:t> </a:t>
             </a:r>
-            <a:endParaRPr lang="en-IN" dirty="0"/>
           </a:p>
         </p:txBody>
       </p:sp>
@@ -20827,7 +20220,7 @@
           <a:lstStyle/>
           <a:p>
             <a:r>
-              <a:rPr lang="en-IN" sz="4400" b="1" dirty="0" smtClean="0">
+              <a:rPr lang="en-IN" sz="4400" b="1" dirty="0">
                 <a:solidFill>
                   <a:schemeClr val="accent1">
                     <a:lumMod val="40000"/>
@@ -20838,7 +20231,7 @@
               </a:rPr>
               <a:t>Register Page</a:t>
             </a:r>
-            <a:endParaRPr lang="en-IN" sz="4400" dirty="0" smtClean="0">
+            <a:endParaRPr lang="en-IN" sz="4400" dirty="0">
               <a:solidFill>
                 <a:schemeClr val="accent1">
                   <a:lumMod val="40000"/>
@@ -20851,10 +20244,9 @@
           <a:p>
             <a:pPr algn="r"/>
             <a:r>
-              <a:rPr lang="en-IN" dirty="0" smtClean="0"/>
+              <a:rPr lang="en-IN" dirty="0"/>
               <a:t> </a:t>
             </a:r>
-            <a:endParaRPr lang="en-IN" dirty="0"/>
           </a:p>
         </p:txBody>
       </p:sp>
@@ -20882,28 +20274,22 @@
           <a:p>
             <a:pPr fontAlgn="base"/>
             <a:r>
-              <a:rPr lang="en-US" b="1" dirty="0" smtClean="0"/>
+              <a:rPr lang="en-US" b="1" dirty="0"/>
               <a:t>Description:</a:t>
             </a:r>
-            <a:endParaRPr lang="en-US" b="1" dirty="0"/>
           </a:p>
           <a:p>
             <a:r>
               <a:rPr lang="en-US" dirty="0"/>
               <a:t>Register page for the user. The users must be registered into the platform to have access to its features .</a:t>
             </a:r>
-            <a:endParaRPr lang="en-US" dirty="0"/>
-          </a:p>
-          <a:p>
-            <a:r>
-              <a:rPr lang="en-US" dirty="0"/>
-              <a:t/>
-            </a:r>
+          </a:p>
+          <a:p>
             <a:br>
               <a:rPr lang="en-US" dirty="0"/>
             </a:br>
             <a:r>
-              <a:rPr lang="en-US" b="1" dirty="0" smtClean="0"/>
+              <a:rPr lang="en-US" b="1" dirty="0"/>
               <a:t>Stimulus/Response Sequences:</a:t>
             </a:r>
             <a:endParaRPr lang="en-US" dirty="0"/>
@@ -20921,18 +20307,13 @@
               <a:rPr lang="en-US" dirty="0"/>
               <a:t> existing account, he or she  is redirected to the registration page where they must enter their .</a:t>
             </a:r>
-            <a:endParaRPr lang="en-US" dirty="0"/>
-          </a:p>
-          <a:p>
-            <a:r>
-              <a:rPr lang="en-US" dirty="0"/>
-              <a:t/>
-            </a:r>
+          </a:p>
+          <a:p>
             <a:br>
               <a:rPr lang="en-US" dirty="0"/>
             </a:br>
             <a:r>
-              <a:rPr lang="en-US" b="1" dirty="0" smtClean="0"/>
+              <a:rPr lang="en-US" b="1" dirty="0"/>
               <a:t>Functional Requirements:</a:t>
             </a:r>
             <a:endParaRPr lang="en-US" dirty="0"/>
@@ -20943,14 +20324,9 @@
               <a:buChar char="•"/>
             </a:pPr>
             <a:r>
-              <a:rPr lang="en-US" dirty="0" smtClean="0"/>
-              <a:t>All </a:t>
-            </a:r>
-            <a:r>
               <a:rPr lang="en-US" dirty="0"/>
-              <a:t>mandatory details must be filled</a:t>
-            </a:r>
-            <a:endParaRPr lang="en-US" dirty="0"/>
+              <a:t>All mandatory details must be filled</a:t>
+            </a:r>
           </a:p>
           <a:p>
             <a:pPr marL="285750" indent="-285750">
@@ -20958,20 +20334,8 @@
               <a:buChar char="•"/>
             </a:pPr>
             <a:r>
-              <a:rPr lang="en-US" dirty="0" smtClean="0"/>
-              <a:t>Email </a:t>
-            </a:r>
-            <a:r>
               <a:rPr lang="en-US" dirty="0"/>
-              <a:t>verification is </a:t>
-            </a:r>
-            <a:r>
-              <a:rPr lang="en-US" dirty="0" smtClean="0"/>
-              <a:t>required</a:t>
-            </a:r>
-            <a:r>
-              <a:rPr lang="en-US" dirty="0"/>
-              <a:t/>
+              <a:t>Email verification is required</a:t>
             </a:r>
             <a:br>
               <a:rPr lang="en-US" dirty="0"/>
@@ -21094,19 +20458,14 @@
           <a:p>
             <a:pPr fontAlgn="base"/>
             <a:r>
-              <a:rPr lang="en-US" b="1" dirty="0" smtClean="0"/>
+              <a:rPr lang="en-US" b="1" dirty="0"/>
               <a:t>Description:</a:t>
             </a:r>
-            <a:endParaRPr lang="en-US" b="1" dirty="0"/>
           </a:p>
           <a:p>
             <a:r>
               <a:rPr lang="en-US" dirty="0"/>
-              <a:t>Users can access </a:t>
-            </a:r>
-            <a:r>
-              <a:rPr lang="en-US" dirty="0" smtClean="0"/>
-              <a:t>the register and login features through this page</a:t>
+              <a:t>Users can access the register and login features through this page</a:t>
             </a:r>
           </a:p>
           <a:p>
@@ -21116,34 +20475,25 @@
             <a:pPr fontAlgn="base"/>
             <a:r>
               <a:rPr lang="en-US" b="1" dirty="0"/>
-              <a:t>Stimulus/Response </a:t>
-            </a:r>
-            <a:r>
-              <a:rPr lang="en-US" b="1" dirty="0" smtClean="0"/>
-              <a:t>Sequences:</a:t>
-            </a:r>
-            <a:endParaRPr lang="en-US" b="1" dirty="0"/>
+              <a:t>Stimulus/Response Sequences:</a:t>
+            </a:r>
           </a:p>
           <a:p>
             <a:pPr fontAlgn="base"/>
             <a:r>
-              <a:rPr lang="en-US" dirty="0" smtClean="0"/>
+              <a:rPr lang="en-US" dirty="0"/>
               <a:t>Authenticated users will be directed to this page. </a:t>
             </a:r>
           </a:p>
           <a:p>
             <a:pPr fontAlgn="base"/>
             <a:r>
-              <a:rPr lang="en-US" dirty="0" smtClean="0"/>
+              <a:rPr lang="en-US" dirty="0"/>
               <a:t>You can view the login and the register button on this page.</a:t>
             </a:r>
           </a:p>
           <a:p>
             <a:pPr fontAlgn="base"/>
-            <a:r>
-              <a:rPr lang="en-US" sz="1400" dirty="0"/>
-              <a:t/>
-            </a:r>
             <a:br>
               <a:rPr lang="en-US" sz="1400" dirty="0"/>
             </a:br>
@@ -21156,26 +20506,13 @@
             <a:pPr fontAlgn="base"/>
             <a:r>
               <a:rPr lang="en-US" dirty="0"/>
-              <a:t>Users </a:t>
-            </a:r>
-            <a:r>
-              <a:rPr lang="en-US" dirty="0" smtClean="0"/>
-              <a:t>should open the app</a:t>
-            </a:r>
-            <a:endParaRPr lang="en-US" dirty="0"/>
-          </a:p>
-          <a:p>
-            <a:r>
-              <a:rPr lang="en-IN" sz="1400" dirty="0"/>
-              <a:t/>
-            </a:r>
+              <a:t>Users should open the app</a:t>
+            </a:r>
+          </a:p>
+          <a:p>
             <a:br>
               <a:rPr lang="en-IN" sz="1400" dirty="0"/>
             </a:br>
-            <a:r>
-              <a:rPr lang="en-US" sz="1400" dirty="0"/>
-              <a:t/>
-            </a:r>
             <a:br>
               <a:rPr lang="en-US" sz="1400" dirty="0"/>
             </a:br>
@@ -21206,7 +20543,7 @@
           <a:lstStyle/>
           <a:p>
             <a:r>
-              <a:rPr lang="en-IN" sz="4400" b="1" dirty="0" smtClean="0">
+              <a:rPr lang="en-IN" sz="4400" b="1" dirty="0">
                 <a:solidFill>
                   <a:schemeClr val="accent1">
                     <a:lumMod val="40000"/>
@@ -21217,7 +20554,7 @@
               </a:rPr>
               <a:t>Home Page</a:t>
             </a:r>
-            <a:endParaRPr lang="en-IN" sz="4400" dirty="0" smtClean="0">
+            <a:endParaRPr lang="en-IN" sz="4400" dirty="0">
               <a:solidFill>
                 <a:schemeClr val="accent1">
                   <a:lumMod val="40000"/>
@@ -21230,10 +20567,9 @@
           <a:p>
             <a:pPr algn="r"/>
             <a:r>
-              <a:rPr lang="en-IN" dirty="0" smtClean="0"/>
+              <a:rPr lang="en-IN" dirty="0"/>
               <a:t> </a:t>
             </a:r>
-            <a:endParaRPr lang="en-IN" dirty="0"/>
           </a:p>
         </p:txBody>
       </p:sp>
